--- a/WhatABook/Whatabook-Prototype.pptx
+++ b/WhatABook/Whatabook-Prototype.pptx
@@ -6,9 +6,12 @@
   </p:sldMasterIdLst>
   <p:sldIdLst>
     <p:sldId id="256" r:id="rId2"/>
-    <p:sldId id="257" r:id="rId3"/>
-    <p:sldId id="258" r:id="rId4"/>
-    <p:sldId id="259" r:id="rId5"/>
+    <p:sldId id="259" r:id="rId3"/>
+    <p:sldId id="261" r:id="rId4"/>
+    <p:sldId id="260" r:id="rId5"/>
+    <p:sldId id="262" r:id="rId6"/>
+    <p:sldId id="263" r:id="rId7"/>
+    <p:sldId id="264" r:id="rId8"/>
   </p:sldIdLst>
   <p:sldSz cx="12192000" cy="6858000"/>
   <p:notesSz cx="6858000" cy="9144000"/>
@@ -107,6 +110,11 @@
       </a:defRPr>
     </a:lvl9pPr>
   </p:defaultTextStyle>
+  <p:extLst>
+    <p:ext uri="{EFAFB233-063F-42B5-8137-9DF3F51BA10A}">
+      <p15:sldGuideLst xmlns:p15="http://schemas.microsoft.com/office/powerpoint/2012/main"/>
+    </p:ext>
+  </p:extLst>
 </p:presentation>
 </file>
 
@@ -257,7 +265,7 @@
           <a:p>
             <a:fld id="{A9801F56-7CCD-438E-9782-BE8AEFB968B8}" type="datetimeFigureOut">
               <a:rPr lang="en-US" smtClean="0"/>
-              <a:t>7/7/2023</a:t>
+              <a:t>7/8/2023</a:t>
             </a:fld>
             <a:endParaRPr lang="en-US"/>
           </a:p>
@@ -455,7 +463,7 @@
           <a:p>
             <a:fld id="{A9801F56-7CCD-438E-9782-BE8AEFB968B8}" type="datetimeFigureOut">
               <a:rPr lang="en-US" smtClean="0"/>
-              <a:t>7/7/2023</a:t>
+              <a:t>7/8/2023</a:t>
             </a:fld>
             <a:endParaRPr lang="en-US"/>
           </a:p>
@@ -663,7 +671,7 @@
           <a:p>
             <a:fld id="{A9801F56-7CCD-438E-9782-BE8AEFB968B8}" type="datetimeFigureOut">
               <a:rPr lang="en-US" smtClean="0"/>
-              <a:t>7/7/2023</a:t>
+              <a:t>7/8/2023</a:t>
             </a:fld>
             <a:endParaRPr lang="en-US"/>
           </a:p>
@@ -861,7 +869,7 @@
           <a:p>
             <a:fld id="{A9801F56-7CCD-438E-9782-BE8AEFB968B8}" type="datetimeFigureOut">
               <a:rPr lang="en-US" smtClean="0"/>
-              <a:t>7/7/2023</a:t>
+              <a:t>7/8/2023</a:t>
             </a:fld>
             <a:endParaRPr lang="en-US"/>
           </a:p>
@@ -1136,7 +1144,7 @@
           <a:p>
             <a:fld id="{A9801F56-7CCD-438E-9782-BE8AEFB968B8}" type="datetimeFigureOut">
               <a:rPr lang="en-US" smtClean="0"/>
-              <a:t>7/7/2023</a:t>
+              <a:t>7/8/2023</a:t>
             </a:fld>
             <a:endParaRPr lang="en-US"/>
           </a:p>
@@ -1401,7 +1409,7 @@
           <a:p>
             <a:fld id="{A9801F56-7CCD-438E-9782-BE8AEFB968B8}" type="datetimeFigureOut">
               <a:rPr lang="en-US" smtClean="0"/>
-              <a:t>7/7/2023</a:t>
+              <a:t>7/8/2023</a:t>
             </a:fld>
             <a:endParaRPr lang="en-US"/>
           </a:p>
@@ -1813,7 +1821,7 @@
           <a:p>
             <a:fld id="{A9801F56-7CCD-438E-9782-BE8AEFB968B8}" type="datetimeFigureOut">
               <a:rPr lang="en-US" smtClean="0"/>
-              <a:t>7/7/2023</a:t>
+              <a:t>7/8/2023</a:t>
             </a:fld>
             <a:endParaRPr lang="en-US"/>
           </a:p>
@@ -1954,7 +1962,7 @@
           <a:p>
             <a:fld id="{A9801F56-7CCD-438E-9782-BE8AEFB968B8}" type="datetimeFigureOut">
               <a:rPr lang="en-US" smtClean="0"/>
-              <a:t>7/7/2023</a:t>
+              <a:t>7/8/2023</a:t>
             </a:fld>
             <a:endParaRPr lang="en-US"/>
           </a:p>
@@ -2067,7 +2075,7 @@
           <a:p>
             <a:fld id="{A9801F56-7CCD-438E-9782-BE8AEFB968B8}" type="datetimeFigureOut">
               <a:rPr lang="en-US" smtClean="0"/>
-              <a:t>7/7/2023</a:t>
+              <a:t>7/8/2023</a:t>
             </a:fld>
             <a:endParaRPr lang="en-US"/>
           </a:p>
@@ -2378,7 +2386,7 @@
           <a:p>
             <a:fld id="{A9801F56-7CCD-438E-9782-BE8AEFB968B8}" type="datetimeFigureOut">
               <a:rPr lang="en-US" smtClean="0"/>
-              <a:t>7/7/2023</a:t>
+              <a:t>7/8/2023</a:t>
             </a:fld>
             <a:endParaRPr lang="en-US"/>
           </a:p>
@@ -2666,7 +2674,7 @@
           <a:p>
             <a:fld id="{A9801F56-7CCD-438E-9782-BE8AEFB968B8}" type="datetimeFigureOut">
               <a:rPr lang="en-US" smtClean="0"/>
-              <a:t>7/7/2023</a:t>
+              <a:t>7/8/2023</a:t>
             </a:fld>
             <a:endParaRPr lang="en-US"/>
           </a:p>
@@ -2907,7 +2915,7 @@
           <a:p>
             <a:fld id="{A9801F56-7CCD-438E-9782-BE8AEFB968B8}" type="datetimeFigureOut">
               <a:rPr lang="en-US" smtClean="0"/>
-              <a:t>7/7/2023</a:t>
+              <a:t>7/8/2023</a:t>
             </a:fld>
             <a:endParaRPr lang="en-US"/>
           </a:p>
@@ -3372,7 +3380,19 @@
           <a:lstStyle/>
           <a:p>
             <a:pPr algn="ctr"/>
-            <a:endParaRPr lang="en-US"/>
+            <a:r>
+              <a:rPr lang="en-US" sz="4000" dirty="0" err="1">
+                <a:solidFill>
+                  <a:schemeClr val="tx1"/>
+                </a:solidFill>
+              </a:rPr>
+              <a:t>Whatabook</a:t>
+            </a:r>
+            <a:endParaRPr lang="en-US" sz="4000" dirty="0">
+              <a:solidFill>
+                <a:schemeClr val="tx1"/>
+              </a:solidFill>
+            </a:endParaRPr>
           </a:p>
         </p:txBody>
       </p:sp>
@@ -3442,8 +3462,8 @@
         </p:nvSpPr>
         <p:spPr>
           <a:xfrm>
-            <a:off x="2781301" y="1955249"/>
-            <a:ext cx="9021923" cy="3864526"/>
+            <a:off x="2781302" y="1955249"/>
+            <a:ext cx="4543424" cy="3864526"/>
           </a:xfrm>
           <a:prstGeom prst="rect">
             <a:avLst/>
@@ -3528,7 +3548,715 @@
           <a:lstStyle/>
           <a:p>
             <a:pPr algn="ctr"/>
+            <a:r>
+              <a:rPr lang="en-US" dirty="0">
+                <a:solidFill>
+                  <a:schemeClr val="tx1"/>
+                </a:solidFill>
+              </a:rPr>
+              <a:t>Footer</a:t>
+            </a:r>
+          </a:p>
+        </p:txBody>
+      </p:sp>
+      <p:sp>
+        <p:nvSpPr>
+          <p:cNvPr id="2" name="Rectangle 1">
+            <a:extLst>
+              <a:ext uri="{FF2B5EF4-FFF2-40B4-BE49-F238E27FC236}">
+                <a16:creationId xmlns:a16="http://schemas.microsoft.com/office/drawing/2014/main" id="{7A92579C-89AB-3D91-B46F-166E00A4CAF7}"/>
+              </a:ext>
+            </a:extLst>
+          </p:cNvPr>
+          <p:cNvSpPr/>
+          <p:nvPr/>
+        </p:nvSpPr>
+        <p:spPr>
+          <a:xfrm>
+            <a:off x="7847045" y="456664"/>
+            <a:ext cx="3694923" cy="971453"/>
+          </a:xfrm>
+          <a:prstGeom prst="rect">
+            <a:avLst/>
+          </a:prstGeom>
+          <a:noFill/>
+          <a:ln w="25400">
+            <a:solidFill>
+              <a:schemeClr val="tx1"/>
+            </a:solidFill>
+          </a:ln>
+        </p:spPr>
+        <p:style>
+          <a:lnRef idx="2">
+            <a:schemeClr val="accent1">
+              <a:shade val="15000"/>
+            </a:schemeClr>
+          </a:lnRef>
+          <a:fillRef idx="1">
+            <a:schemeClr val="accent1"/>
+          </a:fillRef>
+          <a:effectRef idx="0">
+            <a:schemeClr val="accent1"/>
+          </a:effectRef>
+          <a:fontRef idx="minor">
+            <a:schemeClr val="lt1"/>
+          </a:fontRef>
+        </p:style>
+        <p:txBody>
+          <a:bodyPr rtlCol="0" anchor="ctr"/>
+          <a:lstStyle/>
+          <a:p>
+            <a:pPr algn="ctr"/>
+            <a:r>
+              <a:rPr lang="en-US" dirty="0">
+                <a:solidFill>
+                  <a:schemeClr val="tx1"/>
+                </a:solidFill>
+              </a:rPr>
+              <a:t>Login </a:t>
+            </a:r>
+          </a:p>
+        </p:txBody>
+      </p:sp>
+      <p:sp>
+        <p:nvSpPr>
+          <p:cNvPr id="3" name="Rectangle 2">
+            <a:extLst>
+              <a:ext uri="{FF2B5EF4-FFF2-40B4-BE49-F238E27FC236}">
+                <a16:creationId xmlns:a16="http://schemas.microsoft.com/office/drawing/2014/main" id="{CDDC1A2D-62DE-DDCC-72C5-1DD749ECB65D}"/>
+              </a:ext>
+            </a:extLst>
+          </p:cNvPr>
+          <p:cNvSpPr/>
+          <p:nvPr/>
+        </p:nvSpPr>
+        <p:spPr>
+          <a:xfrm>
+            <a:off x="10534650" y="589697"/>
+            <a:ext cx="854918" cy="705386"/>
+          </a:xfrm>
+          <a:prstGeom prst="rect">
+            <a:avLst/>
+          </a:prstGeom>
+          <a:noFill/>
+          <a:ln w="25400">
+            <a:solidFill>
+              <a:schemeClr val="tx1"/>
+            </a:solidFill>
+          </a:ln>
+        </p:spPr>
+        <p:style>
+          <a:lnRef idx="2">
+            <a:schemeClr val="accent1">
+              <a:shade val="15000"/>
+            </a:schemeClr>
+          </a:lnRef>
+          <a:fillRef idx="1">
+            <a:schemeClr val="accent1"/>
+          </a:fillRef>
+          <a:effectRef idx="0">
+            <a:schemeClr val="accent1"/>
+          </a:effectRef>
+          <a:fontRef idx="minor">
+            <a:schemeClr val="lt1"/>
+          </a:fontRef>
+        </p:style>
+        <p:txBody>
+          <a:bodyPr rtlCol="0" anchor="ctr"/>
+          <a:lstStyle/>
+          <a:p>
+            <a:pPr algn="ctr"/>
+            <a:r>
+              <a:rPr lang="en-US" dirty="0">
+                <a:solidFill>
+                  <a:schemeClr val="tx1"/>
+                </a:solidFill>
+              </a:rPr>
+              <a:t>Avatar</a:t>
+            </a:r>
+          </a:p>
+        </p:txBody>
+      </p:sp>
+      <p:sp>
+        <p:nvSpPr>
+          <p:cNvPr id="4" name="Rectangle 3">
+            <a:extLst>
+              <a:ext uri="{FF2B5EF4-FFF2-40B4-BE49-F238E27FC236}">
+                <a16:creationId xmlns:a16="http://schemas.microsoft.com/office/drawing/2014/main" id="{7DC4D39F-838E-19B1-EF5C-30117EFC2956}"/>
+              </a:ext>
+            </a:extLst>
+          </p:cNvPr>
+          <p:cNvSpPr/>
+          <p:nvPr/>
+        </p:nvSpPr>
+        <p:spPr>
+          <a:xfrm>
+            <a:off x="635743" y="341511"/>
+            <a:ext cx="2517031" cy="1086606"/>
+          </a:xfrm>
+          <a:prstGeom prst="rect">
+            <a:avLst/>
+          </a:prstGeom>
+          <a:noFill/>
+          <a:ln w="25400">
+            <a:solidFill>
+              <a:schemeClr val="tx1"/>
+            </a:solidFill>
+          </a:ln>
+        </p:spPr>
+        <p:style>
+          <a:lnRef idx="2">
+            <a:schemeClr val="accent1">
+              <a:shade val="15000"/>
+            </a:schemeClr>
+          </a:lnRef>
+          <a:fillRef idx="1">
+            <a:schemeClr val="accent1"/>
+          </a:fillRef>
+          <a:effectRef idx="0">
+            <a:schemeClr val="accent1"/>
+          </a:effectRef>
+          <a:fontRef idx="minor">
+            <a:schemeClr val="lt1"/>
+          </a:fontRef>
+        </p:style>
+        <p:txBody>
+          <a:bodyPr rtlCol="0" anchor="ctr"/>
+          <a:lstStyle/>
+          <a:p>
+            <a:pPr algn="ctr"/>
+            <a:r>
+              <a:rPr lang="en-US" dirty="0">
+                <a:solidFill>
+                  <a:schemeClr val="tx1"/>
+                </a:solidFill>
+              </a:rPr>
+              <a:t>Icon</a:t>
+            </a:r>
+          </a:p>
+        </p:txBody>
+      </p:sp>
+      <p:sp>
+        <p:nvSpPr>
+          <p:cNvPr id="7" name="Rectangle 6">
+            <a:extLst>
+              <a:ext uri="{FF2B5EF4-FFF2-40B4-BE49-F238E27FC236}">
+                <a16:creationId xmlns:a16="http://schemas.microsoft.com/office/drawing/2014/main" id="{944CA17A-93A3-390F-DB83-6ADE9C657747}"/>
+              </a:ext>
+            </a:extLst>
+          </p:cNvPr>
+          <p:cNvSpPr/>
+          <p:nvPr/>
+        </p:nvSpPr>
+        <p:spPr>
+          <a:xfrm>
+            <a:off x="635743" y="2142272"/>
+            <a:ext cx="1678831" cy="553303"/>
+          </a:xfrm>
+          <a:prstGeom prst="rect">
+            <a:avLst/>
+          </a:prstGeom>
+          <a:noFill/>
+          <a:ln w="25400">
+            <a:solidFill>
+              <a:schemeClr val="tx1"/>
+            </a:solidFill>
+          </a:ln>
+        </p:spPr>
+        <p:style>
+          <a:lnRef idx="2">
+            <a:schemeClr val="accent1">
+              <a:shade val="15000"/>
+            </a:schemeClr>
+          </a:lnRef>
+          <a:fillRef idx="1">
+            <a:schemeClr val="accent1"/>
+          </a:fillRef>
+          <a:effectRef idx="0">
+            <a:schemeClr val="accent1"/>
+          </a:effectRef>
+          <a:fontRef idx="minor">
+            <a:schemeClr val="lt1"/>
+          </a:fontRef>
+        </p:style>
+        <p:txBody>
+          <a:bodyPr rtlCol="0" anchor="ctr"/>
+          <a:lstStyle/>
+          <a:p>
+            <a:pPr algn="ctr"/>
+            <a:r>
+              <a:rPr lang="en-US" dirty="0">
+                <a:solidFill>
+                  <a:schemeClr val="tx1"/>
+                </a:solidFill>
+              </a:rPr>
+              <a:t>Account</a:t>
+            </a:r>
+          </a:p>
+        </p:txBody>
+      </p:sp>
+      <p:sp>
+        <p:nvSpPr>
+          <p:cNvPr id="9" name="Rectangle 8">
+            <a:extLst>
+              <a:ext uri="{FF2B5EF4-FFF2-40B4-BE49-F238E27FC236}">
+                <a16:creationId xmlns:a16="http://schemas.microsoft.com/office/drawing/2014/main" id="{2F07F4E0-6E09-5833-D400-4ECA416412A8}"/>
+              </a:ext>
+            </a:extLst>
+          </p:cNvPr>
+          <p:cNvSpPr/>
+          <p:nvPr/>
+        </p:nvSpPr>
+        <p:spPr>
+          <a:xfrm>
+            <a:off x="651246" y="2875697"/>
+            <a:ext cx="1678831" cy="553303"/>
+          </a:xfrm>
+          <a:prstGeom prst="rect">
+            <a:avLst/>
+          </a:prstGeom>
+          <a:noFill/>
+          <a:ln w="25400">
+            <a:solidFill>
+              <a:schemeClr val="tx1"/>
+            </a:solidFill>
+          </a:ln>
+        </p:spPr>
+        <p:style>
+          <a:lnRef idx="2">
+            <a:schemeClr val="accent1">
+              <a:shade val="15000"/>
+            </a:schemeClr>
+          </a:lnRef>
+          <a:fillRef idx="1">
+            <a:schemeClr val="accent1"/>
+          </a:fillRef>
+          <a:effectRef idx="0">
+            <a:schemeClr val="accent1"/>
+          </a:effectRef>
+          <a:fontRef idx="minor">
+            <a:schemeClr val="lt1"/>
+          </a:fontRef>
+        </p:style>
+        <p:txBody>
+          <a:bodyPr rtlCol="0" anchor="ctr"/>
+          <a:lstStyle/>
+          <a:p>
+            <a:pPr algn="ctr"/>
+            <a:r>
+              <a:rPr lang="en-US" dirty="0">
+                <a:solidFill>
+                  <a:schemeClr val="tx1"/>
+                </a:solidFill>
+              </a:rPr>
+              <a:t>Books</a:t>
+            </a:r>
+          </a:p>
+        </p:txBody>
+      </p:sp>
+      <p:sp>
+        <p:nvSpPr>
+          <p:cNvPr id="11" name="Rectangle 10">
+            <a:extLst>
+              <a:ext uri="{FF2B5EF4-FFF2-40B4-BE49-F238E27FC236}">
+                <a16:creationId xmlns:a16="http://schemas.microsoft.com/office/drawing/2014/main" id="{E8684047-E649-AADA-F10B-AE8F3825D343}"/>
+              </a:ext>
+            </a:extLst>
+          </p:cNvPr>
+          <p:cNvSpPr/>
+          <p:nvPr/>
+        </p:nvSpPr>
+        <p:spPr>
+          <a:xfrm>
+            <a:off x="635742" y="3653270"/>
+            <a:ext cx="1678831" cy="553303"/>
+          </a:xfrm>
+          <a:prstGeom prst="rect">
+            <a:avLst/>
+          </a:prstGeom>
+          <a:noFill/>
+          <a:ln w="25400">
+            <a:solidFill>
+              <a:schemeClr val="tx1"/>
+            </a:solidFill>
+          </a:ln>
+        </p:spPr>
+        <p:style>
+          <a:lnRef idx="2">
+            <a:schemeClr val="accent1">
+              <a:shade val="15000"/>
+            </a:schemeClr>
+          </a:lnRef>
+          <a:fillRef idx="1">
+            <a:schemeClr val="accent1"/>
+          </a:fillRef>
+          <a:effectRef idx="0">
+            <a:schemeClr val="accent1"/>
+          </a:effectRef>
+          <a:fontRef idx="minor">
+            <a:schemeClr val="lt1"/>
+          </a:fontRef>
+        </p:style>
+        <p:txBody>
+          <a:bodyPr rtlCol="0" anchor="ctr"/>
+          <a:lstStyle/>
+          <a:p>
+            <a:pPr algn="ctr"/>
+            <a:r>
+              <a:rPr lang="en-US" dirty="0">
+                <a:solidFill>
+                  <a:schemeClr val="tx1"/>
+                </a:solidFill>
+              </a:rPr>
+              <a:t>Wish List</a:t>
+            </a:r>
+          </a:p>
+        </p:txBody>
+      </p:sp>
+      <p:sp>
+        <p:nvSpPr>
+          <p:cNvPr id="12" name="Rectangle 11">
+            <a:extLst>
+              <a:ext uri="{FF2B5EF4-FFF2-40B4-BE49-F238E27FC236}">
+                <a16:creationId xmlns:a16="http://schemas.microsoft.com/office/drawing/2014/main" id="{C0AF3443-5256-8B9B-C43E-46F7E9704B82}"/>
+              </a:ext>
+            </a:extLst>
+          </p:cNvPr>
+          <p:cNvSpPr/>
+          <p:nvPr/>
+        </p:nvSpPr>
+        <p:spPr>
+          <a:xfrm>
+            <a:off x="651245" y="4393596"/>
+            <a:ext cx="1678831" cy="553303"/>
+          </a:xfrm>
+          <a:prstGeom prst="rect">
+            <a:avLst/>
+          </a:prstGeom>
+          <a:noFill/>
+          <a:ln w="25400">
+            <a:solidFill>
+              <a:schemeClr val="tx1"/>
+            </a:solidFill>
+          </a:ln>
+        </p:spPr>
+        <p:style>
+          <a:lnRef idx="2">
+            <a:schemeClr val="accent1">
+              <a:shade val="15000"/>
+            </a:schemeClr>
+          </a:lnRef>
+          <a:fillRef idx="1">
+            <a:schemeClr val="accent1"/>
+          </a:fillRef>
+          <a:effectRef idx="0">
+            <a:schemeClr val="accent1"/>
+          </a:effectRef>
+          <a:fontRef idx="minor">
+            <a:schemeClr val="lt1"/>
+          </a:fontRef>
+        </p:style>
+        <p:txBody>
+          <a:bodyPr rtlCol="0" anchor="ctr"/>
+          <a:lstStyle/>
+          <a:p>
+            <a:pPr algn="ctr"/>
+            <a:r>
+              <a:rPr lang="en-US" dirty="0">
+                <a:solidFill>
+                  <a:schemeClr val="tx1"/>
+                </a:solidFill>
+              </a:rPr>
+              <a:t>Contact</a:t>
+            </a:r>
+          </a:p>
+        </p:txBody>
+      </p:sp>
+      <p:sp>
+        <p:nvSpPr>
+          <p:cNvPr id="13" name="Rectangle 12">
+            <a:extLst>
+              <a:ext uri="{FF2B5EF4-FFF2-40B4-BE49-F238E27FC236}">
+                <a16:creationId xmlns:a16="http://schemas.microsoft.com/office/drawing/2014/main" id="{D6D450FA-06B0-353F-0D48-B1FE4E0E1479}"/>
+              </a:ext>
+            </a:extLst>
+          </p:cNvPr>
+          <p:cNvSpPr/>
+          <p:nvPr/>
+        </p:nvSpPr>
+        <p:spPr>
+          <a:xfrm>
+            <a:off x="2997943" y="2142271"/>
+            <a:ext cx="4012457" cy="3429854"/>
+          </a:xfrm>
+          <a:prstGeom prst="rect">
+            <a:avLst/>
+          </a:prstGeom>
+          <a:noFill/>
+          <a:ln w="25400">
+            <a:solidFill>
+              <a:schemeClr val="tx1"/>
+            </a:solidFill>
+          </a:ln>
+        </p:spPr>
+        <p:style>
+          <a:lnRef idx="2">
+            <a:schemeClr val="accent1">
+              <a:shade val="15000"/>
+            </a:schemeClr>
+          </a:lnRef>
+          <a:fillRef idx="1">
+            <a:schemeClr val="accent1"/>
+          </a:fillRef>
+          <a:effectRef idx="0">
+            <a:schemeClr val="accent1"/>
+          </a:effectRef>
+          <a:fontRef idx="minor">
+            <a:schemeClr val="lt1"/>
+          </a:fontRef>
+        </p:style>
+        <p:txBody>
+          <a:bodyPr rtlCol="0" anchor="ctr"/>
+          <a:lstStyle/>
+          <a:p>
+            <a:pPr algn="ctr"/>
+            <a:r>
+              <a:rPr lang="en-US" dirty="0">
+                <a:solidFill>
+                  <a:schemeClr val="tx1"/>
+                </a:solidFill>
+              </a:rPr>
+              <a:t>Hero Image</a:t>
+            </a:r>
+          </a:p>
+        </p:txBody>
+      </p:sp>
+      <p:sp>
+        <p:nvSpPr>
+          <p:cNvPr id="14" name="Rectangle 13">
+            <a:extLst>
+              <a:ext uri="{FF2B5EF4-FFF2-40B4-BE49-F238E27FC236}">
+                <a16:creationId xmlns:a16="http://schemas.microsoft.com/office/drawing/2014/main" id="{6CDB0E32-3656-6351-378E-DBABD9269AC1}"/>
+              </a:ext>
+            </a:extLst>
+          </p:cNvPr>
+          <p:cNvSpPr/>
+          <p:nvPr/>
+        </p:nvSpPr>
+        <p:spPr>
+          <a:xfrm>
+            <a:off x="654791" y="5124882"/>
+            <a:ext cx="1678831" cy="553303"/>
+          </a:xfrm>
+          <a:prstGeom prst="rect">
+            <a:avLst/>
+          </a:prstGeom>
+          <a:noFill/>
+          <a:ln w="25400">
+            <a:solidFill>
+              <a:schemeClr val="tx1"/>
+            </a:solidFill>
+          </a:ln>
+        </p:spPr>
+        <p:style>
+          <a:lnRef idx="2">
+            <a:schemeClr val="accent1">
+              <a:shade val="15000"/>
+            </a:schemeClr>
+          </a:lnRef>
+          <a:fillRef idx="1">
+            <a:schemeClr val="accent1"/>
+          </a:fillRef>
+          <a:effectRef idx="0">
+            <a:schemeClr val="accent1"/>
+          </a:effectRef>
+          <a:fontRef idx="minor">
+            <a:schemeClr val="lt1"/>
+          </a:fontRef>
+        </p:style>
+        <p:txBody>
+          <a:bodyPr rtlCol="0" anchor="ctr"/>
+          <a:lstStyle/>
+          <a:p>
+            <a:pPr algn="ctr"/>
+            <a:r>
+              <a:rPr lang="en-US" dirty="0">
+                <a:solidFill>
+                  <a:schemeClr val="tx1"/>
+                </a:solidFill>
+              </a:rPr>
+              <a:t>Help</a:t>
+            </a:r>
+          </a:p>
+        </p:txBody>
+      </p:sp>
+      <p:sp>
+        <p:nvSpPr>
+          <p:cNvPr id="15" name="Rectangle 14">
+            <a:extLst>
+              <a:ext uri="{FF2B5EF4-FFF2-40B4-BE49-F238E27FC236}">
+                <a16:creationId xmlns:a16="http://schemas.microsoft.com/office/drawing/2014/main" id="{3A50FB45-299D-CFCB-9299-83463FE09ACA}"/>
+              </a:ext>
+            </a:extLst>
+          </p:cNvPr>
+          <p:cNvSpPr/>
+          <p:nvPr/>
+        </p:nvSpPr>
+        <p:spPr>
+          <a:xfrm>
+            <a:off x="7541367" y="1955249"/>
+            <a:ext cx="4261857" cy="3864526"/>
+          </a:xfrm>
+          <a:prstGeom prst="rect">
+            <a:avLst/>
+          </a:prstGeom>
+          <a:noFill/>
+          <a:ln w="25400">
+            <a:solidFill>
+              <a:schemeClr val="tx1"/>
+            </a:solidFill>
+          </a:ln>
+        </p:spPr>
+        <p:style>
+          <a:lnRef idx="2">
+            <a:schemeClr val="accent1">
+              <a:shade val="15000"/>
+            </a:schemeClr>
+          </a:lnRef>
+          <a:fillRef idx="1">
+            <a:schemeClr val="accent1"/>
+          </a:fillRef>
+          <a:effectRef idx="0">
+            <a:schemeClr val="accent1"/>
+          </a:effectRef>
+          <a:fontRef idx="minor">
+            <a:schemeClr val="lt1"/>
+          </a:fontRef>
+        </p:style>
+        <p:txBody>
+          <a:bodyPr rtlCol="0" anchor="ctr"/>
+          <a:lstStyle/>
+          <a:p>
+            <a:pPr algn="ctr"/>
             <a:endParaRPr lang="en-US"/>
+          </a:p>
+        </p:txBody>
+      </p:sp>
+      <p:sp>
+        <p:nvSpPr>
+          <p:cNvPr id="16" name="Rectangle 15">
+            <a:extLst>
+              <a:ext uri="{FF2B5EF4-FFF2-40B4-BE49-F238E27FC236}">
+                <a16:creationId xmlns:a16="http://schemas.microsoft.com/office/drawing/2014/main" id="{1887AFA5-A401-56E2-8E21-D0568FF989BD}"/>
+              </a:ext>
+            </a:extLst>
+          </p:cNvPr>
+          <p:cNvSpPr/>
+          <p:nvPr/>
+        </p:nvSpPr>
+        <p:spPr>
+          <a:xfrm>
+            <a:off x="7704166" y="2142272"/>
+            <a:ext cx="1738417" cy="3429854"/>
+          </a:xfrm>
+          <a:prstGeom prst="rect">
+            <a:avLst/>
+          </a:prstGeom>
+          <a:noFill/>
+          <a:ln w="25400">
+            <a:solidFill>
+              <a:schemeClr val="tx1"/>
+            </a:solidFill>
+          </a:ln>
+        </p:spPr>
+        <p:style>
+          <a:lnRef idx="2">
+            <a:schemeClr val="accent1">
+              <a:shade val="15000"/>
+            </a:schemeClr>
+          </a:lnRef>
+          <a:fillRef idx="1">
+            <a:schemeClr val="accent1"/>
+          </a:fillRef>
+          <a:effectRef idx="0">
+            <a:schemeClr val="accent1"/>
+          </a:effectRef>
+          <a:fontRef idx="minor">
+            <a:schemeClr val="lt1"/>
+          </a:fontRef>
+        </p:style>
+        <p:txBody>
+          <a:bodyPr rtlCol="0" anchor="ctr"/>
+          <a:lstStyle/>
+          <a:p>
+            <a:pPr algn="ctr"/>
+            <a:r>
+              <a:rPr lang="en-US" dirty="0">
+                <a:solidFill>
+                  <a:schemeClr val="tx1"/>
+                </a:solidFill>
+              </a:rPr>
+              <a:t>News</a:t>
+            </a:r>
+          </a:p>
+        </p:txBody>
+      </p:sp>
+      <p:sp>
+        <p:nvSpPr>
+          <p:cNvPr id="17" name="Rectangle 16">
+            <a:extLst>
+              <a:ext uri="{FF2B5EF4-FFF2-40B4-BE49-F238E27FC236}">
+                <a16:creationId xmlns:a16="http://schemas.microsoft.com/office/drawing/2014/main" id="{B2CBEB13-986B-CD8D-5EED-9276C4F1629C}"/>
+              </a:ext>
+            </a:extLst>
+          </p:cNvPr>
+          <p:cNvSpPr/>
+          <p:nvPr/>
+        </p:nvSpPr>
+        <p:spPr>
+          <a:xfrm>
+            <a:off x="9798792" y="2142271"/>
+            <a:ext cx="1738417" cy="3460168"/>
+          </a:xfrm>
+          <a:prstGeom prst="rect">
+            <a:avLst/>
+          </a:prstGeom>
+          <a:noFill/>
+          <a:ln w="25400">
+            <a:solidFill>
+              <a:schemeClr val="tx1"/>
+            </a:solidFill>
+          </a:ln>
+        </p:spPr>
+        <p:style>
+          <a:lnRef idx="2">
+            <a:schemeClr val="accent1">
+              <a:shade val="15000"/>
+            </a:schemeClr>
+          </a:lnRef>
+          <a:fillRef idx="1">
+            <a:schemeClr val="accent1"/>
+          </a:fillRef>
+          <a:effectRef idx="0">
+            <a:schemeClr val="accent1"/>
+          </a:effectRef>
+          <a:fontRef idx="minor">
+            <a:schemeClr val="lt1"/>
+          </a:fontRef>
+        </p:style>
+        <p:txBody>
+          <a:bodyPr rtlCol="0" anchor="ctr"/>
+          <a:lstStyle/>
+          <a:p>
+            <a:pPr algn="ctr"/>
+            <a:r>
+              <a:rPr lang="en-US" dirty="0">
+                <a:solidFill>
+                  <a:schemeClr val="tx1"/>
+                </a:solidFill>
+              </a:rPr>
+              <a:t>Stats</a:t>
+            </a:r>
           </a:p>
         </p:txBody>
       </p:sp>
@@ -3610,7 +4338,19 @@
           <a:lstStyle/>
           <a:p>
             <a:pPr algn="ctr"/>
-            <a:endParaRPr lang="en-US"/>
+            <a:r>
+              <a:rPr lang="en-US" sz="4000" dirty="0" err="1">
+                <a:solidFill>
+                  <a:schemeClr val="tx1"/>
+                </a:solidFill>
+              </a:rPr>
+              <a:t>Whatabook</a:t>
+            </a:r>
+            <a:endParaRPr lang="en-US" sz="4000" dirty="0">
+              <a:solidFill>
+                <a:schemeClr val="tx1"/>
+              </a:solidFill>
+            </a:endParaRPr>
           </a:p>
         </p:txBody>
       </p:sp>
@@ -3680,8 +4420,8 @@
         </p:nvSpPr>
         <p:spPr>
           <a:xfrm>
-            <a:off x="2781301" y="1955249"/>
-            <a:ext cx="9021923" cy="3864526"/>
+            <a:off x="2781302" y="1955249"/>
+            <a:ext cx="8953498" cy="3864526"/>
           </a:xfrm>
           <a:prstGeom prst="rect">
             <a:avLst/>
@@ -3766,14 +4506,952 @@
           <a:lstStyle/>
           <a:p>
             <a:pPr algn="ctr"/>
-            <a:endParaRPr lang="en-US"/>
+            <a:r>
+              <a:rPr lang="en-US" dirty="0">
+                <a:solidFill>
+                  <a:schemeClr val="tx1"/>
+                </a:solidFill>
+              </a:rPr>
+              <a:t>Footer</a:t>
+            </a:r>
+          </a:p>
+        </p:txBody>
+      </p:sp>
+      <p:sp>
+        <p:nvSpPr>
+          <p:cNvPr id="2" name="Rectangle 1">
+            <a:extLst>
+              <a:ext uri="{FF2B5EF4-FFF2-40B4-BE49-F238E27FC236}">
+                <a16:creationId xmlns:a16="http://schemas.microsoft.com/office/drawing/2014/main" id="{7A92579C-89AB-3D91-B46F-166E00A4CAF7}"/>
+              </a:ext>
+            </a:extLst>
+          </p:cNvPr>
+          <p:cNvSpPr/>
+          <p:nvPr/>
+        </p:nvSpPr>
+        <p:spPr>
+          <a:xfrm>
+            <a:off x="7847045" y="456664"/>
+            <a:ext cx="3694923" cy="971453"/>
+          </a:xfrm>
+          <a:prstGeom prst="rect">
+            <a:avLst/>
+          </a:prstGeom>
+          <a:noFill/>
+          <a:ln w="25400">
+            <a:solidFill>
+              <a:schemeClr val="tx1"/>
+            </a:solidFill>
+          </a:ln>
+        </p:spPr>
+        <p:style>
+          <a:lnRef idx="2">
+            <a:schemeClr val="accent1">
+              <a:shade val="15000"/>
+            </a:schemeClr>
+          </a:lnRef>
+          <a:fillRef idx="1">
+            <a:schemeClr val="accent1"/>
+          </a:fillRef>
+          <a:effectRef idx="0">
+            <a:schemeClr val="accent1"/>
+          </a:effectRef>
+          <a:fontRef idx="minor">
+            <a:schemeClr val="lt1"/>
+          </a:fontRef>
+        </p:style>
+        <p:txBody>
+          <a:bodyPr rtlCol="0" anchor="ctr"/>
+          <a:lstStyle/>
+          <a:p>
+            <a:pPr algn="ctr"/>
+            <a:r>
+              <a:rPr lang="en-US" dirty="0">
+                <a:solidFill>
+                  <a:schemeClr val="tx1"/>
+                </a:solidFill>
+              </a:rPr>
+              <a:t>Login </a:t>
+            </a:r>
+          </a:p>
+        </p:txBody>
+      </p:sp>
+      <p:sp>
+        <p:nvSpPr>
+          <p:cNvPr id="3" name="Rectangle 2">
+            <a:extLst>
+              <a:ext uri="{FF2B5EF4-FFF2-40B4-BE49-F238E27FC236}">
+                <a16:creationId xmlns:a16="http://schemas.microsoft.com/office/drawing/2014/main" id="{CDDC1A2D-62DE-DDCC-72C5-1DD749ECB65D}"/>
+              </a:ext>
+            </a:extLst>
+          </p:cNvPr>
+          <p:cNvSpPr/>
+          <p:nvPr/>
+        </p:nvSpPr>
+        <p:spPr>
+          <a:xfrm>
+            <a:off x="10534650" y="589697"/>
+            <a:ext cx="854918" cy="705386"/>
+          </a:xfrm>
+          <a:prstGeom prst="rect">
+            <a:avLst/>
+          </a:prstGeom>
+          <a:noFill/>
+          <a:ln w="25400">
+            <a:solidFill>
+              <a:schemeClr val="tx1"/>
+            </a:solidFill>
+          </a:ln>
+        </p:spPr>
+        <p:style>
+          <a:lnRef idx="2">
+            <a:schemeClr val="accent1">
+              <a:shade val="15000"/>
+            </a:schemeClr>
+          </a:lnRef>
+          <a:fillRef idx="1">
+            <a:schemeClr val="accent1"/>
+          </a:fillRef>
+          <a:effectRef idx="0">
+            <a:schemeClr val="accent1"/>
+          </a:effectRef>
+          <a:fontRef idx="minor">
+            <a:schemeClr val="lt1"/>
+          </a:fontRef>
+        </p:style>
+        <p:txBody>
+          <a:bodyPr rtlCol="0" anchor="ctr"/>
+          <a:lstStyle/>
+          <a:p>
+            <a:pPr algn="ctr"/>
+            <a:r>
+              <a:rPr lang="en-US" dirty="0">
+                <a:solidFill>
+                  <a:schemeClr val="tx1"/>
+                </a:solidFill>
+              </a:rPr>
+              <a:t>Avatar</a:t>
+            </a:r>
+          </a:p>
+        </p:txBody>
+      </p:sp>
+      <p:sp>
+        <p:nvSpPr>
+          <p:cNvPr id="4" name="Rectangle 3">
+            <a:extLst>
+              <a:ext uri="{FF2B5EF4-FFF2-40B4-BE49-F238E27FC236}">
+                <a16:creationId xmlns:a16="http://schemas.microsoft.com/office/drawing/2014/main" id="{7DC4D39F-838E-19B1-EF5C-30117EFC2956}"/>
+              </a:ext>
+            </a:extLst>
+          </p:cNvPr>
+          <p:cNvSpPr/>
+          <p:nvPr/>
+        </p:nvSpPr>
+        <p:spPr>
+          <a:xfrm>
+            <a:off x="635743" y="341511"/>
+            <a:ext cx="2517031" cy="1086606"/>
+          </a:xfrm>
+          <a:prstGeom prst="rect">
+            <a:avLst/>
+          </a:prstGeom>
+          <a:noFill/>
+          <a:ln w="25400">
+            <a:solidFill>
+              <a:schemeClr val="tx1"/>
+            </a:solidFill>
+          </a:ln>
+        </p:spPr>
+        <p:style>
+          <a:lnRef idx="2">
+            <a:schemeClr val="accent1">
+              <a:shade val="15000"/>
+            </a:schemeClr>
+          </a:lnRef>
+          <a:fillRef idx="1">
+            <a:schemeClr val="accent1"/>
+          </a:fillRef>
+          <a:effectRef idx="0">
+            <a:schemeClr val="accent1"/>
+          </a:effectRef>
+          <a:fontRef idx="minor">
+            <a:schemeClr val="lt1"/>
+          </a:fontRef>
+        </p:style>
+        <p:txBody>
+          <a:bodyPr rtlCol="0" anchor="ctr"/>
+          <a:lstStyle/>
+          <a:p>
+            <a:pPr algn="ctr"/>
+            <a:r>
+              <a:rPr lang="en-US" dirty="0">
+                <a:solidFill>
+                  <a:schemeClr val="tx1"/>
+                </a:solidFill>
+              </a:rPr>
+              <a:t>Icon</a:t>
+            </a:r>
+          </a:p>
+        </p:txBody>
+      </p:sp>
+      <p:sp>
+        <p:nvSpPr>
+          <p:cNvPr id="7" name="Rectangle 6">
+            <a:extLst>
+              <a:ext uri="{FF2B5EF4-FFF2-40B4-BE49-F238E27FC236}">
+                <a16:creationId xmlns:a16="http://schemas.microsoft.com/office/drawing/2014/main" id="{944CA17A-93A3-390F-DB83-6ADE9C657747}"/>
+              </a:ext>
+            </a:extLst>
+          </p:cNvPr>
+          <p:cNvSpPr/>
+          <p:nvPr/>
+        </p:nvSpPr>
+        <p:spPr>
+          <a:xfrm>
+            <a:off x="635743" y="2142272"/>
+            <a:ext cx="1678831" cy="553303"/>
+          </a:xfrm>
+          <a:prstGeom prst="rect">
+            <a:avLst/>
+          </a:prstGeom>
+          <a:noFill/>
+          <a:ln w="25400">
+            <a:solidFill>
+              <a:schemeClr val="tx1"/>
+            </a:solidFill>
+          </a:ln>
+        </p:spPr>
+        <p:style>
+          <a:lnRef idx="2">
+            <a:schemeClr val="accent1">
+              <a:shade val="15000"/>
+            </a:schemeClr>
+          </a:lnRef>
+          <a:fillRef idx="1">
+            <a:schemeClr val="accent1"/>
+          </a:fillRef>
+          <a:effectRef idx="0">
+            <a:schemeClr val="accent1"/>
+          </a:effectRef>
+          <a:fontRef idx="minor">
+            <a:schemeClr val="lt1"/>
+          </a:fontRef>
+        </p:style>
+        <p:txBody>
+          <a:bodyPr rtlCol="0" anchor="ctr"/>
+          <a:lstStyle/>
+          <a:p>
+            <a:pPr algn="ctr"/>
+            <a:r>
+              <a:rPr lang="en-US" dirty="0">
+                <a:solidFill>
+                  <a:schemeClr val="tx1"/>
+                </a:solidFill>
+              </a:rPr>
+              <a:t>Account</a:t>
+            </a:r>
+          </a:p>
+        </p:txBody>
+      </p:sp>
+      <p:sp>
+        <p:nvSpPr>
+          <p:cNvPr id="9" name="Rectangle 8">
+            <a:extLst>
+              <a:ext uri="{FF2B5EF4-FFF2-40B4-BE49-F238E27FC236}">
+                <a16:creationId xmlns:a16="http://schemas.microsoft.com/office/drawing/2014/main" id="{2F07F4E0-6E09-5833-D400-4ECA416412A8}"/>
+              </a:ext>
+            </a:extLst>
+          </p:cNvPr>
+          <p:cNvSpPr/>
+          <p:nvPr/>
+        </p:nvSpPr>
+        <p:spPr>
+          <a:xfrm>
+            <a:off x="651246" y="2875697"/>
+            <a:ext cx="1678831" cy="553303"/>
+          </a:xfrm>
+          <a:prstGeom prst="rect">
+            <a:avLst/>
+          </a:prstGeom>
+          <a:noFill/>
+          <a:ln w="25400">
+            <a:solidFill>
+              <a:schemeClr val="tx1"/>
+            </a:solidFill>
+          </a:ln>
+        </p:spPr>
+        <p:style>
+          <a:lnRef idx="2">
+            <a:schemeClr val="accent1">
+              <a:shade val="15000"/>
+            </a:schemeClr>
+          </a:lnRef>
+          <a:fillRef idx="1">
+            <a:schemeClr val="accent1"/>
+          </a:fillRef>
+          <a:effectRef idx="0">
+            <a:schemeClr val="accent1"/>
+          </a:effectRef>
+          <a:fontRef idx="minor">
+            <a:schemeClr val="lt1"/>
+          </a:fontRef>
+        </p:style>
+        <p:txBody>
+          <a:bodyPr rtlCol="0" anchor="ctr"/>
+          <a:lstStyle/>
+          <a:p>
+            <a:pPr algn="ctr"/>
+            <a:r>
+              <a:rPr lang="en-US" dirty="0">
+                <a:solidFill>
+                  <a:schemeClr val="tx1"/>
+                </a:solidFill>
+              </a:rPr>
+              <a:t>Books</a:t>
+            </a:r>
+          </a:p>
+        </p:txBody>
+      </p:sp>
+      <p:sp>
+        <p:nvSpPr>
+          <p:cNvPr id="11" name="Rectangle 10">
+            <a:extLst>
+              <a:ext uri="{FF2B5EF4-FFF2-40B4-BE49-F238E27FC236}">
+                <a16:creationId xmlns:a16="http://schemas.microsoft.com/office/drawing/2014/main" id="{E8684047-E649-AADA-F10B-AE8F3825D343}"/>
+              </a:ext>
+            </a:extLst>
+          </p:cNvPr>
+          <p:cNvSpPr/>
+          <p:nvPr/>
+        </p:nvSpPr>
+        <p:spPr>
+          <a:xfrm>
+            <a:off x="635742" y="3653270"/>
+            <a:ext cx="1678831" cy="553303"/>
+          </a:xfrm>
+          <a:prstGeom prst="rect">
+            <a:avLst/>
+          </a:prstGeom>
+          <a:noFill/>
+          <a:ln w="25400">
+            <a:solidFill>
+              <a:schemeClr val="tx1"/>
+            </a:solidFill>
+          </a:ln>
+        </p:spPr>
+        <p:style>
+          <a:lnRef idx="2">
+            <a:schemeClr val="accent1">
+              <a:shade val="15000"/>
+            </a:schemeClr>
+          </a:lnRef>
+          <a:fillRef idx="1">
+            <a:schemeClr val="accent1"/>
+          </a:fillRef>
+          <a:effectRef idx="0">
+            <a:schemeClr val="accent1"/>
+          </a:effectRef>
+          <a:fontRef idx="minor">
+            <a:schemeClr val="lt1"/>
+          </a:fontRef>
+        </p:style>
+        <p:txBody>
+          <a:bodyPr rtlCol="0" anchor="ctr"/>
+          <a:lstStyle/>
+          <a:p>
+            <a:pPr algn="ctr"/>
+            <a:r>
+              <a:rPr lang="en-US" dirty="0">
+                <a:solidFill>
+                  <a:schemeClr val="tx1"/>
+                </a:solidFill>
+              </a:rPr>
+              <a:t>Wish List</a:t>
+            </a:r>
+          </a:p>
+        </p:txBody>
+      </p:sp>
+      <p:sp>
+        <p:nvSpPr>
+          <p:cNvPr id="12" name="Rectangle 11">
+            <a:extLst>
+              <a:ext uri="{FF2B5EF4-FFF2-40B4-BE49-F238E27FC236}">
+                <a16:creationId xmlns:a16="http://schemas.microsoft.com/office/drawing/2014/main" id="{C0AF3443-5256-8B9B-C43E-46F7E9704B82}"/>
+              </a:ext>
+            </a:extLst>
+          </p:cNvPr>
+          <p:cNvSpPr/>
+          <p:nvPr/>
+        </p:nvSpPr>
+        <p:spPr>
+          <a:xfrm>
+            <a:off x="651245" y="4393596"/>
+            <a:ext cx="1678831" cy="553303"/>
+          </a:xfrm>
+          <a:prstGeom prst="rect">
+            <a:avLst/>
+          </a:prstGeom>
+          <a:noFill/>
+          <a:ln w="25400">
+            <a:solidFill>
+              <a:schemeClr val="tx1"/>
+            </a:solidFill>
+          </a:ln>
+        </p:spPr>
+        <p:style>
+          <a:lnRef idx="2">
+            <a:schemeClr val="accent1">
+              <a:shade val="15000"/>
+            </a:schemeClr>
+          </a:lnRef>
+          <a:fillRef idx="1">
+            <a:schemeClr val="accent1"/>
+          </a:fillRef>
+          <a:effectRef idx="0">
+            <a:schemeClr val="accent1"/>
+          </a:effectRef>
+          <a:fontRef idx="minor">
+            <a:schemeClr val="lt1"/>
+          </a:fontRef>
+        </p:style>
+        <p:txBody>
+          <a:bodyPr rtlCol="0" anchor="ctr"/>
+          <a:lstStyle/>
+          <a:p>
+            <a:pPr algn="ctr"/>
+            <a:r>
+              <a:rPr lang="en-US" dirty="0">
+                <a:solidFill>
+                  <a:schemeClr val="tx1"/>
+                </a:solidFill>
+              </a:rPr>
+              <a:t>Contact</a:t>
+            </a:r>
+          </a:p>
+        </p:txBody>
+      </p:sp>
+      <p:sp>
+        <p:nvSpPr>
+          <p:cNvPr id="13" name="Rectangle 12">
+            <a:extLst>
+              <a:ext uri="{FF2B5EF4-FFF2-40B4-BE49-F238E27FC236}">
+                <a16:creationId xmlns:a16="http://schemas.microsoft.com/office/drawing/2014/main" id="{D6D450FA-06B0-353F-0D48-B1FE4E0E1479}"/>
+              </a:ext>
+            </a:extLst>
+          </p:cNvPr>
+          <p:cNvSpPr/>
+          <p:nvPr/>
+        </p:nvSpPr>
+        <p:spPr>
+          <a:xfrm>
+            <a:off x="2997943" y="2142271"/>
+            <a:ext cx="8539266" cy="3429854"/>
+          </a:xfrm>
+          <a:prstGeom prst="rect">
+            <a:avLst/>
+          </a:prstGeom>
+          <a:noFill/>
+          <a:ln w="25400">
+            <a:solidFill>
+              <a:schemeClr val="tx1"/>
+            </a:solidFill>
+          </a:ln>
+        </p:spPr>
+        <p:style>
+          <a:lnRef idx="2">
+            <a:schemeClr val="accent1">
+              <a:shade val="15000"/>
+            </a:schemeClr>
+          </a:lnRef>
+          <a:fillRef idx="1">
+            <a:schemeClr val="accent1"/>
+          </a:fillRef>
+          <a:effectRef idx="0">
+            <a:schemeClr val="accent1"/>
+          </a:effectRef>
+          <a:fontRef idx="minor">
+            <a:schemeClr val="lt1"/>
+          </a:fontRef>
+        </p:style>
+        <p:txBody>
+          <a:bodyPr rtlCol="0" anchor="ctr"/>
+          <a:lstStyle/>
+          <a:p>
+            <a:pPr algn="ctr"/>
+            <a:endParaRPr lang="en-US" dirty="0">
+              <a:solidFill>
+                <a:schemeClr val="tx1"/>
+              </a:solidFill>
+            </a:endParaRPr>
+          </a:p>
+        </p:txBody>
+      </p:sp>
+      <p:sp>
+        <p:nvSpPr>
+          <p:cNvPr id="14" name="Rectangle 13">
+            <a:extLst>
+              <a:ext uri="{FF2B5EF4-FFF2-40B4-BE49-F238E27FC236}">
+                <a16:creationId xmlns:a16="http://schemas.microsoft.com/office/drawing/2014/main" id="{6CDB0E32-3656-6351-378E-DBABD9269AC1}"/>
+              </a:ext>
+            </a:extLst>
+          </p:cNvPr>
+          <p:cNvSpPr/>
+          <p:nvPr/>
+        </p:nvSpPr>
+        <p:spPr>
+          <a:xfrm>
+            <a:off x="654791" y="5124882"/>
+            <a:ext cx="1678831" cy="553303"/>
+          </a:xfrm>
+          <a:prstGeom prst="rect">
+            <a:avLst/>
+          </a:prstGeom>
+          <a:noFill/>
+          <a:ln w="25400">
+            <a:solidFill>
+              <a:schemeClr val="tx1"/>
+            </a:solidFill>
+          </a:ln>
+        </p:spPr>
+        <p:style>
+          <a:lnRef idx="2">
+            <a:schemeClr val="accent1">
+              <a:shade val="15000"/>
+            </a:schemeClr>
+          </a:lnRef>
+          <a:fillRef idx="1">
+            <a:schemeClr val="accent1"/>
+          </a:fillRef>
+          <a:effectRef idx="0">
+            <a:schemeClr val="accent1"/>
+          </a:effectRef>
+          <a:fontRef idx="minor">
+            <a:schemeClr val="lt1"/>
+          </a:fontRef>
+        </p:style>
+        <p:txBody>
+          <a:bodyPr rtlCol="0" anchor="ctr"/>
+          <a:lstStyle/>
+          <a:p>
+            <a:pPr algn="ctr"/>
+            <a:r>
+              <a:rPr lang="en-US" dirty="0">
+                <a:solidFill>
+                  <a:schemeClr val="tx1"/>
+                </a:solidFill>
+              </a:rPr>
+              <a:t>Help</a:t>
+            </a:r>
+          </a:p>
+        </p:txBody>
+      </p:sp>
+      <p:grpSp>
+        <p:nvGrpSpPr>
+          <p:cNvPr id="16" name="Group 15">
+            <a:extLst>
+              <a:ext uri="{FF2B5EF4-FFF2-40B4-BE49-F238E27FC236}">
+                <a16:creationId xmlns:a16="http://schemas.microsoft.com/office/drawing/2014/main" id="{A628B222-2BED-7E00-373C-A733489368C2}"/>
+              </a:ext>
+            </a:extLst>
+          </p:cNvPr>
+          <p:cNvGrpSpPr/>
+          <p:nvPr/>
+        </p:nvGrpSpPr>
+        <p:grpSpPr>
+          <a:xfrm>
+            <a:off x="3346139" y="2412023"/>
+            <a:ext cx="3510306" cy="1293628"/>
+            <a:chOff x="3346139" y="2412023"/>
+            <a:chExt cx="3510306" cy="1293628"/>
+          </a:xfrm>
+        </p:grpSpPr>
+        <p:sp>
+          <p:nvSpPr>
+            <p:cNvPr id="18" name="Rectangle 17">
+              <a:extLst>
+                <a:ext uri="{FF2B5EF4-FFF2-40B4-BE49-F238E27FC236}">
+                  <a16:creationId xmlns:a16="http://schemas.microsoft.com/office/drawing/2014/main" id="{40F5EB8E-81FC-7077-D083-9881F5AE7197}"/>
+                </a:ext>
+              </a:extLst>
+            </p:cNvPr>
+            <p:cNvSpPr/>
+            <p:nvPr/>
+          </p:nvSpPr>
+          <p:spPr>
+            <a:xfrm>
+              <a:off x="3346140" y="2412023"/>
+              <a:ext cx="3510305" cy="553303"/>
+            </a:xfrm>
+            <a:prstGeom prst="rect">
+              <a:avLst/>
+            </a:prstGeom>
+            <a:noFill/>
+            <a:ln w="25400">
+              <a:noFill/>
+            </a:ln>
+          </p:spPr>
+          <p:style>
+            <a:lnRef idx="2">
+              <a:schemeClr val="accent1">
+                <a:shade val="15000"/>
+              </a:schemeClr>
+            </a:lnRef>
+            <a:fillRef idx="1">
+              <a:schemeClr val="accent1"/>
+            </a:fillRef>
+            <a:effectRef idx="0">
+              <a:schemeClr val="accent1"/>
+            </a:effectRef>
+            <a:fontRef idx="minor">
+              <a:schemeClr val="lt1"/>
+            </a:fontRef>
+          </p:style>
+          <p:txBody>
+            <a:bodyPr rtlCol="0" anchor="ctr"/>
+            <a:lstStyle/>
+            <a:p>
+              <a:r>
+                <a:rPr lang="en-US" dirty="0">
+                  <a:solidFill>
+                    <a:schemeClr val="tx1"/>
+                  </a:solidFill>
+                </a:rPr>
+                <a:t>Username: _________________</a:t>
+              </a:r>
+            </a:p>
+          </p:txBody>
+        </p:sp>
+        <p:sp>
+          <p:nvSpPr>
+            <p:cNvPr id="19" name="Rectangle 18">
+              <a:extLst>
+                <a:ext uri="{FF2B5EF4-FFF2-40B4-BE49-F238E27FC236}">
+                  <a16:creationId xmlns:a16="http://schemas.microsoft.com/office/drawing/2014/main" id="{C24D8BEA-849C-2BD4-44E9-6C504DFE5911}"/>
+                </a:ext>
+              </a:extLst>
+            </p:cNvPr>
+            <p:cNvSpPr/>
+            <p:nvPr/>
+          </p:nvSpPr>
+          <p:spPr>
+            <a:xfrm>
+              <a:off x="3346139" y="3152348"/>
+              <a:ext cx="3510305" cy="553303"/>
+            </a:xfrm>
+            <a:prstGeom prst="rect">
+              <a:avLst/>
+            </a:prstGeom>
+            <a:noFill/>
+            <a:ln w="25400">
+              <a:noFill/>
+            </a:ln>
+          </p:spPr>
+          <p:style>
+            <a:lnRef idx="2">
+              <a:schemeClr val="accent1">
+                <a:shade val="15000"/>
+              </a:schemeClr>
+            </a:lnRef>
+            <a:fillRef idx="1">
+              <a:schemeClr val="accent1"/>
+            </a:fillRef>
+            <a:effectRef idx="0">
+              <a:schemeClr val="accent1"/>
+            </a:effectRef>
+            <a:fontRef idx="minor">
+              <a:schemeClr val="lt1"/>
+            </a:fontRef>
+          </p:style>
+          <p:txBody>
+            <a:bodyPr rtlCol="0" anchor="ctr"/>
+            <a:lstStyle/>
+            <a:p>
+              <a:r>
+                <a:rPr lang="en-US" dirty="0">
+                  <a:solidFill>
+                    <a:schemeClr val="tx1"/>
+                  </a:solidFill>
+                </a:rPr>
+                <a:t>Password:   _________________</a:t>
+              </a:r>
+            </a:p>
+          </p:txBody>
+        </p:sp>
+      </p:grpSp>
+      <p:sp>
+        <p:nvSpPr>
+          <p:cNvPr id="20" name="Rectangle 19">
+            <a:extLst>
+              <a:ext uri="{FF2B5EF4-FFF2-40B4-BE49-F238E27FC236}">
+                <a16:creationId xmlns:a16="http://schemas.microsoft.com/office/drawing/2014/main" id="{91344EA2-3CDE-54AE-5DC7-F42CE94DE72E}"/>
+              </a:ext>
+            </a:extLst>
+          </p:cNvPr>
+          <p:cNvSpPr/>
+          <p:nvPr/>
+        </p:nvSpPr>
+        <p:spPr>
+          <a:xfrm>
+            <a:off x="7934324" y="2412021"/>
+            <a:ext cx="3324225" cy="2611835"/>
+          </a:xfrm>
+          <a:prstGeom prst="rect">
+            <a:avLst/>
+          </a:prstGeom>
+          <a:noFill/>
+          <a:ln w="25400">
+            <a:solidFill>
+              <a:schemeClr val="tx1"/>
+            </a:solidFill>
+          </a:ln>
+        </p:spPr>
+        <p:style>
+          <a:lnRef idx="2">
+            <a:schemeClr val="accent1">
+              <a:shade val="15000"/>
+            </a:schemeClr>
+          </a:lnRef>
+          <a:fillRef idx="1">
+            <a:schemeClr val="accent1"/>
+          </a:fillRef>
+          <a:effectRef idx="0">
+            <a:schemeClr val="accent1"/>
+          </a:effectRef>
+          <a:fontRef idx="minor">
+            <a:schemeClr val="lt1"/>
+          </a:fontRef>
+        </p:style>
+        <p:txBody>
+          <a:bodyPr rtlCol="0" anchor="ctr"/>
+          <a:lstStyle/>
+          <a:p>
+            <a:pPr algn="ctr"/>
+            <a:r>
+              <a:rPr lang="en-US" dirty="0">
+                <a:solidFill>
+                  <a:schemeClr val="tx1"/>
+                </a:solidFill>
+              </a:rPr>
+              <a:t>Use:</a:t>
+            </a:r>
+          </a:p>
+          <a:p>
+            <a:pPr algn="ctr"/>
+            <a:r>
+              <a:rPr lang="en-US" dirty="0">
+                <a:solidFill>
+                  <a:schemeClr val="tx1"/>
+                </a:solidFill>
+              </a:rPr>
+              <a:t>Google</a:t>
+            </a:r>
+          </a:p>
+          <a:p>
+            <a:pPr algn="ctr"/>
+            <a:r>
+              <a:rPr lang="en-US" dirty="0">
+                <a:solidFill>
+                  <a:schemeClr val="tx1"/>
+                </a:solidFill>
+              </a:rPr>
+              <a:t>Facebook</a:t>
+            </a:r>
+          </a:p>
+          <a:p>
+            <a:pPr algn="ctr"/>
+            <a:r>
+              <a:rPr lang="en-US" dirty="0">
+                <a:solidFill>
+                  <a:schemeClr val="tx1"/>
+                </a:solidFill>
+              </a:rPr>
+              <a:t>Twitter</a:t>
+            </a:r>
+          </a:p>
+        </p:txBody>
+      </p:sp>
+      <p:sp>
+        <p:nvSpPr>
+          <p:cNvPr id="21" name="Rectangle 20">
+            <a:extLst>
+              <a:ext uri="{FF2B5EF4-FFF2-40B4-BE49-F238E27FC236}">
+                <a16:creationId xmlns:a16="http://schemas.microsoft.com/office/drawing/2014/main" id="{592497A5-7E0E-03AA-CF6C-4F6B2BC8937F}"/>
+              </a:ext>
+            </a:extLst>
+          </p:cNvPr>
+          <p:cNvSpPr/>
+          <p:nvPr/>
+        </p:nvSpPr>
+        <p:spPr>
+          <a:xfrm>
+            <a:off x="7113621" y="2875696"/>
+            <a:ext cx="623112" cy="553303"/>
+          </a:xfrm>
+          <a:prstGeom prst="rect">
+            <a:avLst/>
+          </a:prstGeom>
+          <a:noFill/>
+          <a:ln w="25400">
+            <a:noFill/>
+          </a:ln>
+        </p:spPr>
+        <p:style>
+          <a:lnRef idx="2">
+            <a:schemeClr val="accent1">
+              <a:shade val="15000"/>
+            </a:schemeClr>
+          </a:lnRef>
+          <a:fillRef idx="1">
+            <a:schemeClr val="accent1"/>
+          </a:fillRef>
+          <a:effectRef idx="0">
+            <a:schemeClr val="accent1"/>
+          </a:effectRef>
+          <a:fontRef idx="minor">
+            <a:schemeClr val="lt1"/>
+          </a:fontRef>
+        </p:style>
+        <p:txBody>
+          <a:bodyPr rtlCol="0" anchor="ctr"/>
+          <a:lstStyle/>
+          <a:p>
+            <a:pPr algn="ctr"/>
+            <a:r>
+              <a:rPr lang="en-US" dirty="0">
+                <a:solidFill>
+                  <a:schemeClr val="tx1"/>
+                </a:solidFill>
+              </a:rPr>
+              <a:t>or</a:t>
+            </a:r>
+          </a:p>
+        </p:txBody>
+      </p:sp>
+      <p:sp>
+        <p:nvSpPr>
+          <p:cNvPr id="22" name="Rectangle 21">
+            <a:extLst>
+              <a:ext uri="{FF2B5EF4-FFF2-40B4-BE49-F238E27FC236}">
+                <a16:creationId xmlns:a16="http://schemas.microsoft.com/office/drawing/2014/main" id="{2BC9BB0F-1A52-B3A0-F1FF-F6722896319D}"/>
+              </a:ext>
+            </a:extLst>
+          </p:cNvPr>
+          <p:cNvSpPr/>
+          <p:nvPr/>
+        </p:nvSpPr>
+        <p:spPr>
+          <a:xfrm>
+            <a:off x="3346139" y="4605929"/>
+            <a:ext cx="3510305" cy="417928"/>
+          </a:xfrm>
+          <a:prstGeom prst="rect">
+            <a:avLst/>
+          </a:prstGeom>
+          <a:noFill/>
+          <a:ln w="25400">
+            <a:noFill/>
+          </a:ln>
+        </p:spPr>
+        <p:style>
+          <a:lnRef idx="2">
+            <a:schemeClr val="accent1">
+              <a:shade val="15000"/>
+            </a:schemeClr>
+          </a:lnRef>
+          <a:fillRef idx="1">
+            <a:schemeClr val="accent1"/>
+          </a:fillRef>
+          <a:effectRef idx="0">
+            <a:schemeClr val="accent1"/>
+          </a:effectRef>
+          <a:fontRef idx="minor">
+            <a:schemeClr val="lt1"/>
+          </a:fontRef>
+        </p:style>
+        <p:txBody>
+          <a:bodyPr rtlCol="0" anchor="ctr"/>
+          <a:lstStyle/>
+          <a:p>
+            <a:pPr algn="ctr"/>
+            <a:r>
+              <a:rPr lang="en-US" sz="1200" dirty="0">
+                <a:solidFill>
+                  <a:schemeClr val="tx1"/>
+                </a:solidFill>
+              </a:rPr>
+              <a:t>Not Registered? Click here</a:t>
+            </a:r>
+          </a:p>
+        </p:txBody>
+      </p:sp>
+      <p:sp>
+        <p:nvSpPr>
+          <p:cNvPr id="15" name="Rectangle 14">
+            <a:extLst>
+              <a:ext uri="{FF2B5EF4-FFF2-40B4-BE49-F238E27FC236}">
+                <a16:creationId xmlns:a16="http://schemas.microsoft.com/office/drawing/2014/main" id="{ACB2E426-D19C-CD03-EACD-D7E6885B2C5D}"/>
+              </a:ext>
+            </a:extLst>
+          </p:cNvPr>
+          <p:cNvSpPr/>
+          <p:nvPr/>
+        </p:nvSpPr>
+        <p:spPr>
+          <a:xfrm>
+            <a:off x="3346138" y="3857198"/>
+            <a:ext cx="3510305" cy="480828"/>
+          </a:xfrm>
+          <a:prstGeom prst="rect">
+            <a:avLst/>
+          </a:prstGeom>
+          <a:noFill/>
+          <a:ln w="25400">
+            <a:solidFill>
+              <a:schemeClr val="tx1"/>
+            </a:solidFill>
+          </a:ln>
+        </p:spPr>
+        <p:style>
+          <a:lnRef idx="2">
+            <a:schemeClr val="accent1">
+              <a:shade val="15000"/>
+            </a:schemeClr>
+          </a:lnRef>
+          <a:fillRef idx="1">
+            <a:schemeClr val="accent1"/>
+          </a:fillRef>
+          <a:effectRef idx="0">
+            <a:schemeClr val="accent1"/>
+          </a:effectRef>
+          <a:fontRef idx="minor">
+            <a:schemeClr val="lt1"/>
+          </a:fontRef>
+        </p:style>
+        <p:txBody>
+          <a:bodyPr rtlCol="0" anchor="ctr"/>
+          <a:lstStyle/>
+          <a:p>
+            <a:pPr algn="ctr"/>
+            <a:r>
+              <a:rPr lang="en-US" sz="1600" dirty="0">
+                <a:solidFill>
+                  <a:schemeClr val="tx1"/>
+                </a:solidFill>
+              </a:rPr>
+              <a:t>Login</a:t>
+            </a:r>
+            <a:endParaRPr lang="en-US" sz="1200" dirty="0">
+              <a:solidFill>
+                <a:schemeClr val="tx1"/>
+              </a:solidFill>
+            </a:endParaRPr>
           </a:p>
         </p:txBody>
       </p:sp>
     </p:spTree>
     <p:extLst>
       <p:ext uri="{BB962C8B-B14F-4D97-AF65-F5344CB8AC3E}">
-        <p14:creationId xmlns:p14="http://schemas.microsoft.com/office/powerpoint/2010/main" val="3302219816"/>
+        <p14:creationId xmlns:p14="http://schemas.microsoft.com/office/powerpoint/2010/main" val="2504970535"/>
       </p:ext>
     </p:extLst>
   </p:cSld>
@@ -3848,16 +5526,28 @@
           <a:lstStyle/>
           <a:p>
             <a:pPr algn="ctr"/>
-            <a:endParaRPr lang="en-US"/>
-          </a:p>
-        </p:txBody>
-      </p:sp>
-      <p:sp>
-        <p:nvSpPr>
-          <p:cNvPr id="6" name="Rectangle 5">
-            <a:extLst>
-              <a:ext uri="{FF2B5EF4-FFF2-40B4-BE49-F238E27FC236}">
-                <a16:creationId xmlns:a16="http://schemas.microsoft.com/office/drawing/2014/main" id="{6529D28D-3315-DB41-80B1-6ED0FE096EEC}"/>
+            <a:r>
+              <a:rPr lang="en-US" sz="4000" dirty="0" err="1">
+                <a:solidFill>
+                  <a:schemeClr val="tx1"/>
+                </a:solidFill>
+              </a:rPr>
+              <a:t>Whatabook</a:t>
+            </a:r>
+            <a:endParaRPr lang="en-US" sz="4000" dirty="0">
+              <a:solidFill>
+                <a:schemeClr val="tx1"/>
+              </a:solidFill>
+            </a:endParaRPr>
+          </a:p>
+        </p:txBody>
+      </p:sp>
+      <p:sp>
+        <p:nvSpPr>
+          <p:cNvPr id="8" name="Rectangle 7">
+            <a:extLst>
+              <a:ext uri="{FF2B5EF4-FFF2-40B4-BE49-F238E27FC236}">
+                <a16:creationId xmlns:a16="http://schemas.microsoft.com/office/drawing/2014/main" id="{5E68232D-6438-B66D-F346-5F8B91E8455B}"/>
               </a:ext>
             </a:extLst>
           </p:cNvPr>
@@ -3867,7 +5557,7 @@
         <p:spPr>
           <a:xfrm>
             <a:off x="457200" y="1955249"/>
-            <a:ext cx="2066925" cy="3864526"/>
+            <a:ext cx="6867526" cy="3864526"/>
           </a:xfrm>
           <a:prstGeom prst="rect">
             <a:avLst/>
@@ -3906,20 +5596,20 @@
       </p:sp>
       <p:sp>
         <p:nvSpPr>
-          <p:cNvPr id="8" name="Rectangle 7">
-            <a:extLst>
-              <a:ext uri="{FF2B5EF4-FFF2-40B4-BE49-F238E27FC236}">
-                <a16:creationId xmlns:a16="http://schemas.microsoft.com/office/drawing/2014/main" id="{5E68232D-6438-B66D-F346-5F8B91E8455B}"/>
-              </a:ext>
-            </a:extLst>
-          </p:cNvPr>
-          <p:cNvSpPr/>
-          <p:nvPr/>
-        </p:nvSpPr>
-        <p:spPr>
-          <a:xfrm>
-            <a:off x="2781301" y="1955249"/>
-            <a:ext cx="9021923" cy="3864526"/>
+          <p:cNvPr id="10" name="Rectangle 9">
+            <a:extLst>
+              <a:ext uri="{FF2B5EF4-FFF2-40B4-BE49-F238E27FC236}">
+                <a16:creationId xmlns:a16="http://schemas.microsoft.com/office/drawing/2014/main" id="{78C50790-6831-F9E4-BB16-C372B630433D}"/>
+              </a:ext>
+            </a:extLst>
+          </p:cNvPr>
+          <p:cNvSpPr/>
+          <p:nvPr/>
+        </p:nvSpPr>
+        <p:spPr>
+          <a:xfrm>
+            <a:off x="457200" y="6095514"/>
+            <a:ext cx="11346024" cy="476736"/>
           </a:xfrm>
           <a:prstGeom prst="rect">
             <a:avLst/>
@@ -3952,26 +5642,33 @@
           <a:lstStyle/>
           <a:p>
             <a:pPr algn="ctr"/>
-            <a:endParaRPr lang="en-US"/>
-          </a:p>
-        </p:txBody>
-      </p:sp>
-      <p:sp>
-        <p:nvSpPr>
-          <p:cNvPr id="10" name="Rectangle 9">
-            <a:extLst>
-              <a:ext uri="{FF2B5EF4-FFF2-40B4-BE49-F238E27FC236}">
-                <a16:creationId xmlns:a16="http://schemas.microsoft.com/office/drawing/2014/main" id="{78C50790-6831-F9E4-BB16-C372B630433D}"/>
-              </a:ext>
-            </a:extLst>
-          </p:cNvPr>
-          <p:cNvSpPr/>
-          <p:nvPr/>
-        </p:nvSpPr>
-        <p:spPr>
-          <a:xfrm>
-            <a:off x="457200" y="6095514"/>
-            <a:ext cx="11346024" cy="476736"/>
+            <a:r>
+              <a:rPr lang="en-US" dirty="0">
+                <a:solidFill>
+                  <a:schemeClr val="tx1"/>
+                </a:solidFill>
+              </a:rPr>
+              <a:t>Footer</a:t>
+            </a:r>
+          </a:p>
+        </p:txBody>
+      </p:sp>
+      <p:sp>
+        <p:nvSpPr>
+          <p:cNvPr id="2" name="Rectangle 1">
+            <a:extLst>
+              <a:ext uri="{FF2B5EF4-FFF2-40B4-BE49-F238E27FC236}">
+                <a16:creationId xmlns:a16="http://schemas.microsoft.com/office/drawing/2014/main" id="{7A92579C-89AB-3D91-B46F-166E00A4CAF7}"/>
+              </a:ext>
+            </a:extLst>
+          </p:cNvPr>
+          <p:cNvSpPr/>
+          <p:nvPr/>
+        </p:nvSpPr>
+        <p:spPr>
+          <a:xfrm>
+            <a:off x="7847045" y="456664"/>
+            <a:ext cx="3694923" cy="971453"/>
           </a:xfrm>
           <a:prstGeom prst="rect">
             <a:avLst/>
@@ -4004,6 +5701,831 @@
           <a:lstStyle/>
           <a:p>
             <a:pPr algn="ctr"/>
+            <a:r>
+              <a:rPr lang="en-US" dirty="0">
+                <a:solidFill>
+                  <a:schemeClr val="tx1"/>
+                </a:solidFill>
+              </a:rPr>
+              <a:t>Login </a:t>
+            </a:r>
+          </a:p>
+        </p:txBody>
+      </p:sp>
+      <p:sp>
+        <p:nvSpPr>
+          <p:cNvPr id="3" name="Rectangle 2">
+            <a:extLst>
+              <a:ext uri="{FF2B5EF4-FFF2-40B4-BE49-F238E27FC236}">
+                <a16:creationId xmlns:a16="http://schemas.microsoft.com/office/drawing/2014/main" id="{CDDC1A2D-62DE-DDCC-72C5-1DD749ECB65D}"/>
+              </a:ext>
+            </a:extLst>
+          </p:cNvPr>
+          <p:cNvSpPr/>
+          <p:nvPr/>
+        </p:nvSpPr>
+        <p:spPr>
+          <a:xfrm>
+            <a:off x="10534650" y="589697"/>
+            <a:ext cx="854918" cy="705386"/>
+          </a:xfrm>
+          <a:prstGeom prst="rect">
+            <a:avLst/>
+          </a:prstGeom>
+          <a:noFill/>
+          <a:ln w="25400">
+            <a:solidFill>
+              <a:schemeClr val="tx1"/>
+            </a:solidFill>
+          </a:ln>
+        </p:spPr>
+        <p:style>
+          <a:lnRef idx="2">
+            <a:schemeClr val="accent1">
+              <a:shade val="15000"/>
+            </a:schemeClr>
+          </a:lnRef>
+          <a:fillRef idx="1">
+            <a:schemeClr val="accent1"/>
+          </a:fillRef>
+          <a:effectRef idx="0">
+            <a:schemeClr val="accent1"/>
+          </a:effectRef>
+          <a:fontRef idx="minor">
+            <a:schemeClr val="lt1"/>
+          </a:fontRef>
+        </p:style>
+        <p:txBody>
+          <a:bodyPr rtlCol="0" anchor="ctr"/>
+          <a:lstStyle/>
+          <a:p>
+            <a:pPr algn="ctr"/>
+            <a:r>
+              <a:rPr lang="en-US" dirty="0">
+                <a:solidFill>
+                  <a:schemeClr val="tx1"/>
+                </a:solidFill>
+              </a:rPr>
+              <a:t>Avatar</a:t>
+            </a:r>
+          </a:p>
+        </p:txBody>
+      </p:sp>
+      <p:sp>
+        <p:nvSpPr>
+          <p:cNvPr id="4" name="Rectangle 3">
+            <a:extLst>
+              <a:ext uri="{FF2B5EF4-FFF2-40B4-BE49-F238E27FC236}">
+                <a16:creationId xmlns:a16="http://schemas.microsoft.com/office/drawing/2014/main" id="{7DC4D39F-838E-19B1-EF5C-30117EFC2956}"/>
+              </a:ext>
+            </a:extLst>
+          </p:cNvPr>
+          <p:cNvSpPr/>
+          <p:nvPr/>
+        </p:nvSpPr>
+        <p:spPr>
+          <a:xfrm>
+            <a:off x="635743" y="341511"/>
+            <a:ext cx="2517031" cy="1086606"/>
+          </a:xfrm>
+          <a:prstGeom prst="rect">
+            <a:avLst/>
+          </a:prstGeom>
+          <a:noFill/>
+          <a:ln w="25400">
+            <a:solidFill>
+              <a:schemeClr val="tx1"/>
+            </a:solidFill>
+          </a:ln>
+        </p:spPr>
+        <p:style>
+          <a:lnRef idx="2">
+            <a:schemeClr val="accent1">
+              <a:shade val="15000"/>
+            </a:schemeClr>
+          </a:lnRef>
+          <a:fillRef idx="1">
+            <a:schemeClr val="accent1"/>
+          </a:fillRef>
+          <a:effectRef idx="0">
+            <a:schemeClr val="accent1"/>
+          </a:effectRef>
+          <a:fontRef idx="minor">
+            <a:schemeClr val="lt1"/>
+          </a:fontRef>
+        </p:style>
+        <p:txBody>
+          <a:bodyPr rtlCol="0" anchor="ctr"/>
+          <a:lstStyle/>
+          <a:p>
+            <a:pPr algn="ctr"/>
+            <a:r>
+              <a:rPr lang="en-US" dirty="0">
+                <a:solidFill>
+                  <a:schemeClr val="tx1"/>
+                </a:solidFill>
+              </a:rPr>
+              <a:t>Icon</a:t>
+            </a:r>
+          </a:p>
+        </p:txBody>
+      </p:sp>
+      <p:sp>
+        <p:nvSpPr>
+          <p:cNvPr id="15" name="Rectangle 14">
+            <a:extLst>
+              <a:ext uri="{FF2B5EF4-FFF2-40B4-BE49-F238E27FC236}">
+                <a16:creationId xmlns:a16="http://schemas.microsoft.com/office/drawing/2014/main" id="{3A50FB45-299D-CFCB-9299-83463FE09ACA}"/>
+              </a:ext>
+            </a:extLst>
+          </p:cNvPr>
+          <p:cNvSpPr/>
+          <p:nvPr/>
+        </p:nvSpPr>
+        <p:spPr>
+          <a:xfrm>
+            <a:off x="7541367" y="1955249"/>
+            <a:ext cx="4261857" cy="3864526"/>
+          </a:xfrm>
+          <a:prstGeom prst="rect">
+            <a:avLst/>
+          </a:prstGeom>
+          <a:noFill/>
+          <a:ln w="25400">
+            <a:solidFill>
+              <a:schemeClr val="tx1"/>
+            </a:solidFill>
+          </a:ln>
+        </p:spPr>
+        <p:style>
+          <a:lnRef idx="2">
+            <a:schemeClr val="accent1">
+              <a:shade val="15000"/>
+            </a:schemeClr>
+          </a:lnRef>
+          <a:fillRef idx="1">
+            <a:schemeClr val="accent1"/>
+          </a:fillRef>
+          <a:effectRef idx="0">
+            <a:schemeClr val="accent1"/>
+          </a:effectRef>
+          <a:fontRef idx="minor">
+            <a:schemeClr val="lt1"/>
+          </a:fontRef>
+        </p:style>
+        <p:txBody>
+          <a:bodyPr rtlCol="0" anchor="ctr"/>
+          <a:lstStyle/>
+          <a:p>
+            <a:pPr algn="ctr"/>
+            <a:endParaRPr lang="en-US"/>
+          </a:p>
+        </p:txBody>
+      </p:sp>
+      <p:sp>
+        <p:nvSpPr>
+          <p:cNvPr id="16" name="Rectangle 15">
+            <a:extLst>
+              <a:ext uri="{FF2B5EF4-FFF2-40B4-BE49-F238E27FC236}">
+                <a16:creationId xmlns:a16="http://schemas.microsoft.com/office/drawing/2014/main" id="{1887AFA5-A401-56E2-8E21-D0568FF989BD}"/>
+              </a:ext>
+            </a:extLst>
+          </p:cNvPr>
+          <p:cNvSpPr/>
+          <p:nvPr/>
+        </p:nvSpPr>
+        <p:spPr>
+          <a:xfrm>
+            <a:off x="7704166" y="2142272"/>
+            <a:ext cx="1738417" cy="3429854"/>
+          </a:xfrm>
+          <a:prstGeom prst="rect">
+            <a:avLst/>
+          </a:prstGeom>
+          <a:noFill/>
+          <a:ln w="25400">
+            <a:solidFill>
+              <a:schemeClr val="tx1"/>
+            </a:solidFill>
+          </a:ln>
+        </p:spPr>
+        <p:style>
+          <a:lnRef idx="2">
+            <a:schemeClr val="accent1">
+              <a:shade val="15000"/>
+            </a:schemeClr>
+          </a:lnRef>
+          <a:fillRef idx="1">
+            <a:schemeClr val="accent1"/>
+          </a:fillRef>
+          <a:effectRef idx="0">
+            <a:schemeClr val="accent1"/>
+          </a:effectRef>
+          <a:fontRef idx="minor">
+            <a:schemeClr val="lt1"/>
+          </a:fontRef>
+        </p:style>
+        <p:txBody>
+          <a:bodyPr rtlCol="0" anchor="ctr"/>
+          <a:lstStyle/>
+          <a:p>
+            <a:pPr algn="ctr"/>
+            <a:r>
+              <a:rPr lang="en-US" dirty="0">
+                <a:solidFill>
+                  <a:schemeClr val="tx1"/>
+                </a:solidFill>
+              </a:rPr>
+              <a:t>News</a:t>
+            </a:r>
+          </a:p>
+        </p:txBody>
+      </p:sp>
+      <p:sp>
+        <p:nvSpPr>
+          <p:cNvPr id="17" name="Rectangle 16">
+            <a:extLst>
+              <a:ext uri="{FF2B5EF4-FFF2-40B4-BE49-F238E27FC236}">
+                <a16:creationId xmlns:a16="http://schemas.microsoft.com/office/drawing/2014/main" id="{B2CBEB13-986B-CD8D-5EED-9276C4F1629C}"/>
+              </a:ext>
+            </a:extLst>
+          </p:cNvPr>
+          <p:cNvSpPr/>
+          <p:nvPr/>
+        </p:nvSpPr>
+        <p:spPr>
+          <a:xfrm>
+            <a:off x="9798792" y="2142271"/>
+            <a:ext cx="1738417" cy="3460168"/>
+          </a:xfrm>
+          <a:prstGeom prst="rect">
+            <a:avLst/>
+          </a:prstGeom>
+          <a:noFill/>
+          <a:ln w="25400">
+            <a:solidFill>
+              <a:schemeClr val="tx1"/>
+            </a:solidFill>
+          </a:ln>
+        </p:spPr>
+        <p:style>
+          <a:lnRef idx="2">
+            <a:schemeClr val="accent1">
+              <a:shade val="15000"/>
+            </a:schemeClr>
+          </a:lnRef>
+          <a:fillRef idx="1">
+            <a:schemeClr val="accent1"/>
+          </a:fillRef>
+          <a:effectRef idx="0">
+            <a:schemeClr val="accent1"/>
+          </a:effectRef>
+          <a:fontRef idx="minor">
+            <a:schemeClr val="lt1"/>
+          </a:fontRef>
+        </p:style>
+        <p:txBody>
+          <a:bodyPr rtlCol="0" anchor="ctr"/>
+          <a:lstStyle/>
+          <a:p>
+            <a:pPr algn="ctr"/>
+            <a:r>
+              <a:rPr lang="en-US" dirty="0">
+                <a:solidFill>
+                  <a:schemeClr val="tx1"/>
+                </a:solidFill>
+              </a:rPr>
+              <a:t>Stats</a:t>
+            </a:r>
+          </a:p>
+        </p:txBody>
+      </p:sp>
+      <p:sp>
+        <p:nvSpPr>
+          <p:cNvPr id="21" name="Rectangle 20">
+            <a:extLst>
+              <a:ext uri="{FF2B5EF4-FFF2-40B4-BE49-F238E27FC236}">
+                <a16:creationId xmlns:a16="http://schemas.microsoft.com/office/drawing/2014/main" id="{DEC55938-05FC-4DC7-B832-B844EF06281B}"/>
+              </a:ext>
+            </a:extLst>
+          </p:cNvPr>
+          <p:cNvSpPr/>
+          <p:nvPr/>
+        </p:nvSpPr>
+        <p:spPr>
+          <a:xfrm>
+            <a:off x="654792" y="2875697"/>
+            <a:ext cx="3510305" cy="553303"/>
+          </a:xfrm>
+          <a:prstGeom prst="rect">
+            <a:avLst/>
+          </a:prstGeom>
+          <a:noFill/>
+          <a:ln w="25400">
+            <a:noFill/>
+          </a:ln>
+        </p:spPr>
+        <p:style>
+          <a:lnRef idx="2">
+            <a:schemeClr val="accent1">
+              <a:shade val="15000"/>
+            </a:schemeClr>
+          </a:lnRef>
+          <a:fillRef idx="1">
+            <a:schemeClr val="accent1"/>
+          </a:fillRef>
+          <a:effectRef idx="0">
+            <a:schemeClr val="accent1"/>
+          </a:effectRef>
+          <a:fontRef idx="minor">
+            <a:schemeClr val="lt1"/>
+          </a:fontRef>
+        </p:style>
+        <p:txBody>
+          <a:bodyPr rtlCol="0" anchor="ctr"/>
+          <a:lstStyle/>
+          <a:p>
+            <a:r>
+              <a:rPr lang="en-US" sz="1400" dirty="0">
+                <a:solidFill>
+                  <a:schemeClr val="tx1"/>
+                </a:solidFill>
+              </a:rPr>
+              <a:t>First Name:   ________________________</a:t>
+            </a:r>
+          </a:p>
+        </p:txBody>
+      </p:sp>
+      <p:sp>
+        <p:nvSpPr>
+          <p:cNvPr id="22" name="Rectangle 21">
+            <a:extLst>
+              <a:ext uri="{FF2B5EF4-FFF2-40B4-BE49-F238E27FC236}">
+                <a16:creationId xmlns:a16="http://schemas.microsoft.com/office/drawing/2014/main" id="{6A26F3A7-A3EB-8F8E-3340-2933900D59F9}"/>
+              </a:ext>
+            </a:extLst>
+          </p:cNvPr>
+          <p:cNvSpPr/>
+          <p:nvPr/>
+        </p:nvSpPr>
+        <p:spPr>
+          <a:xfrm>
+            <a:off x="654791" y="3399145"/>
+            <a:ext cx="3510305" cy="553303"/>
+          </a:xfrm>
+          <a:prstGeom prst="rect">
+            <a:avLst/>
+          </a:prstGeom>
+          <a:noFill/>
+          <a:ln w="25400">
+            <a:noFill/>
+          </a:ln>
+        </p:spPr>
+        <p:style>
+          <a:lnRef idx="2">
+            <a:schemeClr val="accent1">
+              <a:shade val="15000"/>
+            </a:schemeClr>
+          </a:lnRef>
+          <a:fillRef idx="1">
+            <a:schemeClr val="accent1"/>
+          </a:fillRef>
+          <a:effectRef idx="0">
+            <a:schemeClr val="accent1"/>
+          </a:effectRef>
+          <a:fontRef idx="minor">
+            <a:schemeClr val="lt1"/>
+          </a:fontRef>
+        </p:style>
+        <p:txBody>
+          <a:bodyPr rtlCol="0" anchor="ctr"/>
+          <a:lstStyle/>
+          <a:p>
+            <a:r>
+              <a:rPr lang="en-US" sz="1400" dirty="0">
+                <a:solidFill>
+                  <a:schemeClr val="tx1"/>
+                </a:solidFill>
+              </a:rPr>
+              <a:t>Last Name:   ________________________</a:t>
+            </a:r>
+          </a:p>
+        </p:txBody>
+      </p:sp>
+      <p:sp>
+        <p:nvSpPr>
+          <p:cNvPr id="23" name="Rectangle 22">
+            <a:extLst>
+              <a:ext uri="{FF2B5EF4-FFF2-40B4-BE49-F238E27FC236}">
+                <a16:creationId xmlns:a16="http://schemas.microsoft.com/office/drawing/2014/main" id="{387FC13D-147A-962F-63B5-640A982C5216}"/>
+              </a:ext>
+            </a:extLst>
+          </p:cNvPr>
+          <p:cNvSpPr/>
+          <p:nvPr/>
+        </p:nvSpPr>
+        <p:spPr>
+          <a:xfrm>
+            <a:off x="654791" y="3874975"/>
+            <a:ext cx="3510305" cy="553303"/>
+          </a:xfrm>
+          <a:prstGeom prst="rect">
+            <a:avLst/>
+          </a:prstGeom>
+          <a:noFill/>
+          <a:ln w="25400">
+            <a:noFill/>
+          </a:ln>
+        </p:spPr>
+        <p:style>
+          <a:lnRef idx="2">
+            <a:schemeClr val="accent1">
+              <a:shade val="15000"/>
+            </a:schemeClr>
+          </a:lnRef>
+          <a:fillRef idx="1">
+            <a:schemeClr val="accent1"/>
+          </a:fillRef>
+          <a:effectRef idx="0">
+            <a:schemeClr val="accent1"/>
+          </a:effectRef>
+          <a:fontRef idx="minor">
+            <a:schemeClr val="lt1"/>
+          </a:fontRef>
+        </p:style>
+        <p:txBody>
+          <a:bodyPr rtlCol="0" anchor="ctr"/>
+          <a:lstStyle/>
+          <a:p>
+            <a:r>
+              <a:rPr lang="en-US" sz="1400" dirty="0">
+                <a:solidFill>
+                  <a:schemeClr val="tx1"/>
+                </a:solidFill>
+              </a:rPr>
+              <a:t>Email:   _________________________</a:t>
+            </a:r>
+          </a:p>
+        </p:txBody>
+      </p:sp>
+      <p:sp>
+        <p:nvSpPr>
+          <p:cNvPr id="25" name="Rectangle 24">
+            <a:extLst>
+              <a:ext uri="{FF2B5EF4-FFF2-40B4-BE49-F238E27FC236}">
+                <a16:creationId xmlns:a16="http://schemas.microsoft.com/office/drawing/2014/main" id="{3CA3BABA-1CBB-E45C-9230-F00CC4AAA22A}"/>
+              </a:ext>
+            </a:extLst>
+          </p:cNvPr>
+          <p:cNvSpPr/>
+          <p:nvPr/>
+        </p:nvSpPr>
+        <p:spPr>
+          <a:xfrm>
+            <a:off x="654791" y="2071914"/>
+            <a:ext cx="1678831" cy="452212"/>
+          </a:xfrm>
+          <a:prstGeom prst="rect">
+            <a:avLst/>
+          </a:prstGeom>
+          <a:noFill/>
+          <a:ln w="25400">
+            <a:solidFill>
+              <a:schemeClr val="tx1"/>
+            </a:solidFill>
+          </a:ln>
+        </p:spPr>
+        <p:style>
+          <a:lnRef idx="2">
+            <a:schemeClr val="accent1">
+              <a:shade val="15000"/>
+            </a:schemeClr>
+          </a:lnRef>
+          <a:fillRef idx="1">
+            <a:schemeClr val="accent1"/>
+          </a:fillRef>
+          <a:effectRef idx="0">
+            <a:schemeClr val="accent1"/>
+          </a:effectRef>
+          <a:fontRef idx="minor">
+            <a:schemeClr val="lt1"/>
+          </a:fontRef>
+        </p:style>
+        <p:txBody>
+          <a:bodyPr rtlCol="0" anchor="ctr"/>
+          <a:lstStyle/>
+          <a:p>
+            <a:pPr algn="ctr"/>
+            <a:r>
+              <a:rPr lang="en-US" dirty="0">
+                <a:solidFill>
+                  <a:schemeClr val="tx1"/>
+                </a:solidFill>
+              </a:rPr>
+              <a:t>Account</a:t>
+            </a:r>
+          </a:p>
+        </p:txBody>
+      </p:sp>
+      <p:sp>
+        <p:nvSpPr>
+          <p:cNvPr id="26" name="Rectangle 25">
+            <a:extLst>
+              <a:ext uri="{FF2B5EF4-FFF2-40B4-BE49-F238E27FC236}">
+                <a16:creationId xmlns:a16="http://schemas.microsoft.com/office/drawing/2014/main" id="{7AB385DE-9EE0-7740-6B3C-BA56AAA64170}"/>
+              </a:ext>
+            </a:extLst>
+          </p:cNvPr>
+          <p:cNvSpPr/>
+          <p:nvPr/>
+        </p:nvSpPr>
+        <p:spPr>
+          <a:xfrm>
+            <a:off x="654791" y="5035315"/>
+            <a:ext cx="2123201" cy="363465"/>
+          </a:xfrm>
+          <a:prstGeom prst="rect">
+            <a:avLst/>
+          </a:prstGeom>
+          <a:noFill/>
+          <a:ln w="25400">
+            <a:solidFill>
+              <a:schemeClr val="tx1"/>
+            </a:solidFill>
+          </a:ln>
+        </p:spPr>
+        <p:style>
+          <a:lnRef idx="2">
+            <a:schemeClr val="accent1">
+              <a:shade val="15000"/>
+            </a:schemeClr>
+          </a:lnRef>
+          <a:fillRef idx="1">
+            <a:schemeClr val="accent1"/>
+          </a:fillRef>
+          <a:effectRef idx="0">
+            <a:schemeClr val="accent1"/>
+          </a:effectRef>
+          <a:fontRef idx="minor">
+            <a:schemeClr val="lt1"/>
+          </a:fontRef>
+        </p:style>
+        <p:txBody>
+          <a:bodyPr rtlCol="0" anchor="ctr"/>
+          <a:lstStyle/>
+          <a:p>
+            <a:pPr algn="ctr"/>
+            <a:r>
+              <a:rPr lang="en-US" sz="1400" dirty="0">
+                <a:solidFill>
+                  <a:schemeClr val="tx1"/>
+                </a:solidFill>
+              </a:rPr>
+              <a:t>Save</a:t>
+            </a:r>
+          </a:p>
+        </p:txBody>
+      </p:sp>
+      <p:sp>
+        <p:nvSpPr>
+          <p:cNvPr id="27" name="Rectangle 26">
+            <a:extLst>
+              <a:ext uri="{FF2B5EF4-FFF2-40B4-BE49-F238E27FC236}">
+                <a16:creationId xmlns:a16="http://schemas.microsoft.com/office/drawing/2014/main" id="{0353953E-CE13-ECAE-5D21-061D187E6DA6}"/>
+              </a:ext>
+            </a:extLst>
+          </p:cNvPr>
+          <p:cNvSpPr/>
+          <p:nvPr/>
+        </p:nvSpPr>
+        <p:spPr>
+          <a:xfrm>
+            <a:off x="3003578" y="5035315"/>
+            <a:ext cx="2123201" cy="363465"/>
+          </a:xfrm>
+          <a:prstGeom prst="rect">
+            <a:avLst/>
+          </a:prstGeom>
+          <a:noFill/>
+          <a:ln w="25400">
+            <a:solidFill>
+              <a:schemeClr val="tx1"/>
+            </a:solidFill>
+          </a:ln>
+        </p:spPr>
+        <p:style>
+          <a:lnRef idx="2">
+            <a:schemeClr val="accent1">
+              <a:shade val="15000"/>
+            </a:schemeClr>
+          </a:lnRef>
+          <a:fillRef idx="1">
+            <a:schemeClr val="accent1"/>
+          </a:fillRef>
+          <a:effectRef idx="0">
+            <a:schemeClr val="accent1"/>
+          </a:effectRef>
+          <a:fontRef idx="minor">
+            <a:schemeClr val="lt1"/>
+          </a:fontRef>
+        </p:style>
+        <p:txBody>
+          <a:bodyPr rtlCol="0" anchor="ctr"/>
+          <a:lstStyle/>
+          <a:p>
+            <a:pPr algn="ctr"/>
+            <a:r>
+              <a:rPr lang="en-US" sz="1400" dirty="0">
+                <a:solidFill>
+                  <a:schemeClr val="tx1"/>
+                </a:solidFill>
+              </a:rPr>
+              <a:t>Clear changes</a:t>
+            </a:r>
+          </a:p>
+        </p:txBody>
+      </p:sp>
+      <p:grpSp>
+        <p:nvGrpSpPr>
+          <p:cNvPr id="9" name="Group 8">
+            <a:extLst>
+              <a:ext uri="{FF2B5EF4-FFF2-40B4-BE49-F238E27FC236}">
+                <a16:creationId xmlns:a16="http://schemas.microsoft.com/office/drawing/2014/main" id="{1466B79C-2C1F-38CD-E5D6-EC323A1C8A32}"/>
+              </a:ext>
+            </a:extLst>
+          </p:cNvPr>
+          <p:cNvGrpSpPr/>
+          <p:nvPr/>
+        </p:nvGrpSpPr>
+        <p:grpSpPr>
+          <a:xfrm>
+            <a:off x="654791" y="4455145"/>
+            <a:ext cx="3510305" cy="553303"/>
+            <a:chOff x="654791" y="4455145"/>
+            <a:chExt cx="3510305" cy="553303"/>
+          </a:xfrm>
+        </p:grpSpPr>
+        <p:sp>
+          <p:nvSpPr>
+            <p:cNvPr id="12" name="Rectangle 11">
+              <a:extLst>
+                <a:ext uri="{FF2B5EF4-FFF2-40B4-BE49-F238E27FC236}">
+                  <a16:creationId xmlns:a16="http://schemas.microsoft.com/office/drawing/2014/main" id="{97310859-799B-82A7-271B-D0434E509959}"/>
+                </a:ext>
+              </a:extLst>
+            </p:cNvPr>
+            <p:cNvSpPr/>
+            <p:nvPr/>
+          </p:nvSpPr>
+          <p:spPr>
+            <a:xfrm>
+              <a:off x="654791" y="4455145"/>
+              <a:ext cx="3510305" cy="553303"/>
+            </a:xfrm>
+            <a:prstGeom prst="rect">
+              <a:avLst/>
+            </a:prstGeom>
+            <a:noFill/>
+            <a:ln w="25400">
+              <a:noFill/>
+            </a:ln>
+          </p:spPr>
+          <p:style>
+            <a:lnRef idx="2">
+              <a:schemeClr val="accent1">
+                <a:shade val="15000"/>
+              </a:schemeClr>
+            </a:lnRef>
+            <a:fillRef idx="1">
+              <a:schemeClr val="accent1"/>
+            </a:fillRef>
+            <a:effectRef idx="0">
+              <a:schemeClr val="accent1"/>
+            </a:effectRef>
+            <a:fontRef idx="minor">
+              <a:schemeClr val="lt1"/>
+            </a:fontRef>
+          </p:style>
+          <p:txBody>
+            <a:bodyPr rtlCol="0" anchor="ctr"/>
+            <a:lstStyle/>
+            <a:p>
+              <a:r>
+                <a:rPr lang="en-US" sz="1400" dirty="0">
+                  <a:solidFill>
+                    <a:schemeClr val="tx1"/>
+                  </a:solidFill>
+                </a:rPr>
+                <a:t>Subscription: </a:t>
+              </a:r>
+            </a:p>
+          </p:txBody>
+        </p:sp>
+        <p:sp>
+          <p:nvSpPr>
+            <p:cNvPr id="13" name="Rectangle 12">
+              <a:extLst>
+                <a:ext uri="{FF2B5EF4-FFF2-40B4-BE49-F238E27FC236}">
+                  <a16:creationId xmlns:a16="http://schemas.microsoft.com/office/drawing/2014/main" id="{38B5F632-79D4-C93C-EB6C-9CF14A4DA2C1}"/>
+                </a:ext>
+              </a:extLst>
+            </p:cNvPr>
+            <p:cNvSpPr/>
+            <p:nvPr/>
+          </p:nvSpPr>
+          <p:spPr>
+            <a:xfrm>
+              <a:off x="1942486" y="4550063"/>
+              <a:ext cx="2122184" cy="324190"/>
+            </a:xfrm>
+            <a:prstGeom prst="rect">
+              <a:avLst/>
+            </a:prstGeom>
+            <a:noFill/>
+            <a:ln w="25400">
+              <a:solidFill>
+                <a:schemeClr val="tx1"/>
+              </a:solidFill>
+            </a:ln>
+          </p:spPr>
+          <p:style>
+            <a:lnRef idx="2">
+              <a:schemeClr val="accent1">
+                <a:shade val="15000"/>
+              </a:schemeClr>
+            </a:lnRef>
+            <a:fillRef idx="1">
+              <a:schemeClr val="accent1"/>
+            </a:fillRef>
+            <a:effectRef idx="0">
+              <a:schemeClr val="accent1"/>
+            </a:effectRef>
+            <a:fontRef idx="minor">
+              <a:schemeClr val="lt1"/>
+            </a:fontRef>
+          </p:style>
+          <p:txBody>
+            <a:bodyPr rtlCol="0" anchor="ctr"/>
+            <a:lstStyle/>
+            <a:p>
+              <a:pPr algn="ctr"/>
+              <a:r>
+                <a:rPr lang="en-US" sz="1400" dirty="0">
+                  <a:solidFill>
+                    <a:schemeClr val="tx1"/>
+                  </a:solidFill>
+                </a:rPr>
+                <a:t>Basic</a:t>
+              </a:r>
+            </a:p>
+          </p:txBody>
+        </p:sp>
+      </p:grpSp>
+      <p:sp>
+        <p:nvSpPr>
+          <p:cNvPr id="11" name="Action Button: Go Forward or Next 10">
+            <a:hlinkClick r:id="" action="ppaction://noaction" highlightClick="1"/>
+            <a:extLst>
+              <a:ext uri="{FF2B5EF4-FFF2-40B4-BE49-F238E27FC236}">
+                <a16:creationId xmlns:a16="http://schemas.microsoft.com/office/drawing/2014/main" id="{E49E7E3B-612E-585F-2B8E-BA1B4BEE2D0C}"/>
+              </a:ext>
+            </a:extLst>
+          </p:cNvPr>
+          <p:cNvSpPr/>
+          <p:nvPr/>
+        </p:nvSpPr>
+        <p:spPr>
+          <a:xfrm rot="5400000">
+            <a:off x="3741736" y="4573297"/>
+            <a:ext cx="242899" cy="289683"/>
+          </a:xfrm>
+          <a:prstGeom prst="actionButtonForwardNext">
+            <a:avLst/>
+          </a:prstGeom>
+          <a:noFill/>
+          <a:ln w="25400"/>
+        </p:spPr>
+        <p:style>
+          <a:lnRef idx="2">
+            <a:schemeClr val="accent1">
+              <a:shade val="15000"/>
+            </a:schemeClr>
+          </a:lnRef>
+          <a:fillRef idx="1">
+            <a:schemeClr val="accent1"/>
+          </a:fillRef>
+          <a:effectRef idx="0">
+            <a:schemeClr val="accent1"/>
+          </a:effectRef>
+          <a:fontRef idx="minor">
+            <a:schemeClr val="lt1"/>
+          </a:fontRef>
+        </p:style>
+        <p:txBody>
+          <a:bodyPr rtlCol="0" anchor="ctr"/>
+          <a:lstStyle/>
+          <a:p>
+            <a:pPr algn="ctr"/>
             <a:endParaRPr lang="en-US"/>
           </a:p>
         </p:txBody>
@@ -4011,7 +6533,7 @@
     </p:spTree>
     <p:extLst>
       <p:ext uri="{BB962C8B-B14F-4D97-AF65-F5344CB8AC3E}">
-        <p14:creationId xmlns:p14="http://schemas.microsoft.com/office/powerpoint/2010/main" val="169138804"/>
+        <p14:creationId xmlns:p14="http://schemas.microsoft.com/office/powerpoint/2010/main" val="3048587926"/>
       </p:ext>
     </p:extLst>
   </p:cSld>
@@ -4086,16 +6608,28 @@
           <a:lstStyle/>
           <a:p>
             <a:pPr algn="ctr"/>
-            <a:endParaRPr lang="en-US"/>
-          </a:p>
-        </p:txBody>
-      </p:sp>
-      <p:sp>
-        <p:nvSpPr>
-          <p:cNvPr id="6" name="Rectangle 5">
-            <a:extLst>
-              <a:ext uri="{FF2B5EF4-FFF2-40B4-BE49-F238E27FC236}">
-                <a16:creationId xmlns:a16="http://schemas.microsoft.com/office/drawing/2014/main" id="{6529D28D-3315-DB41-80B1-6ED0FE096EEC}"/>
+            <a:r>
+              <a:rPr lang="en-US" sz="4000" dirty="0" err="1">
+                <a:solidFill>
+                  <a:schemeClr val="tx1"/>
+                </a:solidFill>
+              </a:rPr>
+              <a:t>Whatabook</a:t>
+            </a:r>
+            <a:endParaRPr lang="en-US" sz="4000" dirty="0">
+              <a:solidFill>
+                <a:schemeClr val="tx1"/>
+              </a:solidFill>
+            </a:endParaRPr>
+          </a:p>
+        </p:txBody>
+      </p:sp>
+      <p:sp>
+        <p:nvSpPr>
+          <p:cNvPr id="8" name="Rectangle 7">
+            <a:extLst>
+              <a:ext uri="{FF2B5EF4-FFF2-40B4-BE49-F238E27FC236}">
+                <a16:creationId xmlns:a16="http://schemas.microsoft.com/office/drawing/2014/main" id="{5E68232D-6438-B66D-F346-5F8B91E8455B}"/>
               </a:ext>
             </a:extLst>
           </p:cNvPr>
@@ -4105,7 +6639,7 @@
         <p:spPr>
           <a:xfrm>
             <a:off x="457200" y="1955249"/>
-            <a:ext cx="2066925" cy="3864526"/>
+            <a:ext cx="6867526" cy="3864526"/>
           </a:xfrm>
           <a:prstGeom prst="rect">
             <a:avLst/>
@@ -4144,20 +6678,20 @@
       </p:sp>
       <p:sp>
         <p:nvSpPr>
-          <p:cNvPr id="8" name="Rectangle 7">
-            <a:extLst>
-              <a:ext uri="{FF2B5EF4-FFF2-40B4-BE49-F238E27FC236}">
-                <a16:creationId xmlns:a16="http://schemas.microsoft.com/office/drawing/2014/main" id="{5E68232D-6438-B66D-F346-5F8B91E8455B}"/>
-              </a:ext>
-            </a:extLst>
-          </p:cNvPr>
-          <p:cNvSpPr/>
-          <p:nvPr/>
-        </p:nvSpPr>
-        <p:spPr>
-          <a:xfrm>
-            <a:off x="2781301" y="1955249"/>
-            <a:ext cx="9021923" cy="3864526"/>
+          <p:cNvPr id="10" name="Rectangle 9">
+            <a:extLst>
+              <a:ext uri="{FF2B5EF4-FFF2-40B4-BE49-F238E27FC236}">
+                <a16:creationId xmlns:a16="http://schemas.microsoft.com/office/drawing/2014/main" id="{78C50790-6831-F9E4-BB16-C372B630433D}"/>
+              </a:ext>
+            </a:extLst>
+          </p:cNvPr>
+          <p:cNvSpPr/>
+          <p:nvPr/>
+        </p:nvSpPr>
+        <p:spPr>
+          <a:xfrm>
+            <a:off x="457200" y="6095514"/>
+            <a:ext cx="11346024" cy="476736"/>
           </a:xfrm>
           <a:prstGeom prst="rect">
             <a:avLst/>
@@ -4190,26 +6724,33 @@
           <a:lstStyle/>
           <a:p>
             <a:pPr algn="ctr"/>
-            <a:endParaRPr lang="en-US"/>
-          </a:p>
-        </p:txBody>
-      </p:sp>
-      <p:sp>
-        <p:nvSpPr>
-          <p:cNvPr id="10" name="Rectangle 9">
-            <a:extLst>
-              <a:ext uri="{FF2B5EF4-FFF2-40B4-BE49-F238E27FC236}">
-                <a16:creationId xmlns:a16="http://schemas.microsoft.com/office/drawing/2014/main" id="{78C50790-6831-F9E4-BB16-C372B630433D}"/>
-              </a:ext>
-            </a:extLst>
-          </p:cNvPr>
-          <p:cNvSpPr/>
-          <p:nvPr/>
-        </p:nvSpPr>
-        <p:spPr>
-          <a:xfrm>
-            <a:off x="457200" y="6095514"/>
-            <a:ext cx="11346024" cy="476736"/>
+            <a:r>
+              <a:rPr lang="en-US" dirty="0">
+                <a:solidFill>
+                  <a:schemeClr val="tx1"/>
+                </a:solidFill>
+              </a:rPr>
+              <a:t>Footer</a:t>
+            </a:r>
+          </a:p>
+        </p:txBody>
+      </p:sp>
+      <p:sp>
+        <p:nvSpPr>
+          <p:cNvPr id="2" name="Rectangle 1">
+            <a:extLst>
+              <a:ext uri="{FF2B5EF4-FFF2-40B4-BE49-F238E27FC236}">
+                <a16:creationId xmlns:a16="http://schemas.microsoft.com/office/drawing/2014/main" id="{7A92579C-89AB-3D91-B46F-166E00A4CAF7}"/>
+              </a:ext>
+            </a:extLst>
+          </p:cNvPr>
+          <p:cNvSpPr/>
+          <p:nvPr/>
+        </p:nvSpPr>
+        <p:spPr>
+          <a:xfrm>
+            <a:off x="7847045" y="456664"/>
+            <a:ext cx="3694923" cy="971453"/>
           </a:xfrm>
           <a:prstGeom prst="rect">
             <a:avLst/>
@@ -4242,14 +6783,3984 @@
           <a:lstStyle/>
           <a:p>
             <a:pPr algn="ctr"/>
+            <a:r>
+              <a:rPr lang="en-US" dirty="0">
+                <a:solidFill>
+                  <a:schemeClr val="tx1"/>
+                </a:solidFill>
+              </a:rPr>
+              <a:t>Login </a:t>
+            </a:r>
+          </a:p>
+        </p:txBody>
+      </p:sp>
+      <p:sp>
+        <p:nvSpPr>
+          <p:cNvPr id="3" name="Rectangle 2">
+            <a:extLst>
+              <a:ext uri="{FF2B5EF4-FFF2-40B4-BE49-F238E27FC236}">
+                <a16:creationId xmlns:a16="http://schemas.microsoft.com/office/drawing/2014/main" id="{CDDC1A2D-62DE-DDCC-72C5-1DD749ECB65D}"/>
+              </a:ext>
+            </a:extLst>
+          </p:cNvPr>
+          <p:cNvSpPr/>
+          <p:nvPr/>
+        </p:nvSpPr>
+        <p:spPr>
+          <a:xfrm>
+            <a:off x="10534650" y="589697"/>
+            <a:ext cx="854918" cy="705386"/>
+          </a:xfrm>
+          <a:prstGeom prst="rect">
+            <a:avLst/>
+          </a:prstGeom>
+          <a:noFill/>
+          <a:ln w="25400">
+            <a:solidFill>
+              <a:schemeClr val="tx1"/>
+            </a:solidFill>
+          </a:ln>
+        </p:spPr>
+        <p:style>
+          <a:lnRef idx="2">
+            <a:schemeClr val="accent1">
+              <a:shade val="15000"/>
+            </a:schemeClr>
+          </a:lnRef>
+          <a:fillRef idx="1">
+            <a:schemeClr val="accent1"/>
+          </a:fillRef>
+          <a:effectRef idx="0">
+            <a:schemeClr val="accent1"/>
+          </a:effectRef>
+          <a:fontRef idx="minor">
+            <a:schemeClr val="lt1"/>
+          </a:fontRef>
+        </p:style>
+        <p:txBody>
+          <a:bodyPr rtlCol="0" anchor="ctr"/>
+          <a:lstStyle/>
+          <a:p>
+            <a:pPr algn="ctr"/>
+            <a:r>
+              <a:rPr lang="en-US" dirty="0">
+                <a:solidFill>
+                  <a:schemeClr val="tx1"/>
+                </a:solidFill>
+              </a:rPr>
+              <a:t>Avatar</a:t>
+            </a:r>
+          </a:p>
+        </p:txBody>
+      </p:sp>
+      <p:sp>
+        <p:nvSpPr>
+          <p:cNvPr id="4" name="Rectangle 3">
+            <a:extLst>
+              <a:ext uri="{FF2B5EF4-FFF2-40B4-BE49-F238E27FC236}">
+                <a16:creationId xmlns:a16="http://schemas.microsoft.com/office/drawing/2014/main" id="{7DC4D39F-838E-19B1-EF5C-30117EFC2956}"/>
+              </a:ext>
+            </a:extLst>
+          </p:cNvPr>
+          <p:cNvSpPr/>
+          <p:nvPr/>
+        </p:nvSpPr>
+        <p:spPr>
+          <a:xfrm>
+            <a:off x="635743" y="341511"/>
+            <a:ext cx="2517031" cy="1086606"/>
+          </a:xfrm>
+          <a:prstGeom prst="rect">
+            <a:avLst/>
+          </a:prstGeom>
+          <a:noFill/>
+          <a:ln w="25400">
+            <a:solidFill>
+              <a:schemeClr val="tx1"/>
+            </a:solidFill>
+          </a:ln>
+        </p:spPr>
+        <p:style>
+          <a:lnRef idx="2">
+            <a:schemeClr val="accent1">
+              <a:shade val="15000"/>
+            </a:schemeClr>
+          </a:lnRef>
+          <a:fillRef idx="1">
+            <a:schemeClr val="accent1"/>
+          </a:fillRef>
+          <a:effectRef idx="0">
+            <a:schemeClr val="accent1"/>
+          </a:effectRef>
+          <a:fontRef idx="minor">
+            <a:schemeClr val="lt1"/>
+          </a:fontRef>
+        </p:style>
+        <p:txBody>
+          <a:bodyPr rtlCol="0" anchor="ctr"/>
+          <a:lstStyle/>
+          <a:p>
+            <a:pPr algn="ctr"/>
+            <a:r>
+              <a:rPr lang="en-US" dirty="0">
+                <a:solidFill>
+                  <a:schemeClr val="tx1"/>
+                </a:solidFill>
+              </a:rPr>
+              <a:t>Icon</a:t>
+            </a:r>
+          </a:p>
+        </p:txBody>
+      </p:sp>
+      <p:sp>
+        <p:nvSpPr>
+          <p:cNvPr id="15" name="Rectangle 14">
+            <a:extLst>
+              <a:ext uri="{FF2B5EF4-FFF2-40B4-BE49-F238E27FC236}">
+                <a16:creationId xmlns:a16="http://schemas.microsoft.com/office/drawing/2014/main" id="{3A50FB45-299D-CFCB-9299-83463FE09ACA}"/>
+              </a:ext>
+            </a:extLst>
+          </p:cNvPr>
+          <p:cNvSpPr/>
+          <p:nvPr/>
+        </p:nvSpPr>
+        <p:spPr>
+          <a:xfrm>
+            <a:off x="7541367" y="1955249"/>
+            <a:ext cx="4261857" cy="3864526"/>
+          </a:xfrm>
+          <a:prstGeom prst="rect">
+            <a:avLst/>
+          </a:prstGeom>
+          <a:noFill/>
+          <a:ln w="25400">
+            <a:solidFill>
+              <a:schemeClr val="tx1"/>
+            </a:solidFill>
+          </a:ln>
+        </p:spPr>
+        <p:style>
+          <a:lnRef idx="2">
+            <a:schemeClr val="accent1">
+              <a:shade val="15000"/>
+            </a:schemeClr>
+          </a:lnRef>
+          <a:fillRef idx="1">
+            <a:schemeClr val="accent1"/>
+          </a:fillRef>
+          <a:effectRef idx="0">
+            <a:schemeClr val="accent1"/>
+          </a:effectRef>
+          <a:fontRef idx="minor">
+            <a:schemeClr val="lt1"/>
+          </a:fontRef>
+        </p:style>
+        <p:txBody>
+          <a:bodyPr rtlCol="0" anchor="ctr"/>
+          <a:lstStyle/>
+          <a:p>
+            <a:pPr algn="ctr"/>
             <a:endParaRPr lang="en-US"/>
+          </a:p>
+        </p:txBody>
+      </p:sp>
+      <p:sp>
+        <p:nvSpPr>
+          <p:cNvPr id="16" name="Rectangle 15">
+            <a:extLst>
+              <a:ext uri="{FF2B5EF4-FFF2-40B4-BE49-F238E27FC236}">
+                <a16:creationId xmlns:a16="http://schemas.microsoft.com/office/drawing/2014/main" id="{1887AFA5-A401-56E2-8E21-D0568FF989BD}"/>
+              </a:ext>
+            </a:extLst>
+          </p:cNvPr>
+          <p:cNvSpPr/>
+          <p:nvPr/>
+        </p:nvSpPr>
+        <p:spPr>
+          <a:xfrm>
+            <a:off x="7704166" y="2142272"/>
+            <a:ext cx="1738417" cy="3429854"/>
+          </a:xfrm>
+          <a:prstGeom prst="rect">
+            <a:avLst/>
+          </a:prstGeom>
+          <a:noFill/>
+          <a:ln w="25400">
+            <a:solidFill>
+              <a:schemeClr val="tx1"/>
+            </a:solidFill>
+          </a:ln>
+        </p:spPr>
+        <p:style>
+          <a:lnRef idx="2">
+            <a:schemeClr val="accent1">
+              <a:shade val="15000"/>
+            </a:schemeClr>
+          </a:lnRef>
+          <a:fillRef idx="1">
+            <a:schemeClr val="accent1"/>
+          </a:fillRef>
+          <a:effectRef idx="0">
+            <a:schemeClr val="accent1"/>
+          </a:effectRef>
+          <a:fontRef idx="minor">
+            <a:schemeClr val="lt1"/>
+          </a:fontRef>
+        </p:style>
+        <p:txBody>
+          <a:bodyPr rtlCol="0" anchor="ctr"/>
+          <a:lstStyle/>
+          <a:p>
+            <a:pPr algn="ctr"/>
+            <a:r>
+              <a:rPr lang="en-US" dirty="0">
+                <a:solidFill>
+                  <a:schemeClr val="tx1"/>
+                </a:solidFill>
+              </a:rPr>
+              <a:t>News</a:t>
+            </a:r>
+          </a:p>
+        </p:txBody>
+      </p:sp>
+      <p:sp>
+        <p:nvSpPr>
+          <p:cNvPr id="17" name="Rectangle 16">
+            <a:extLst>
+              <a:ext uri="{FF2B5EF4-FFF2-40B4-BE49-F238E27FC236}">
+                <a16:creationId xmlns:a16="http://schemas.microsoft.com/office/drawing/2014/main" id="{B2CBEB13-986B-CD8D-5EED-9276C4F1629C}"/>
+              </a:ext>
+            </a:extLst>
+          </p:cNvPr>
+          <p:cNvSpPr/>
+          <p:nvPr/>
+        </p:nvSpPr>
+        <p:spPr>
+          <a:xfrm>
+            <a:off x="9798792" y="2142271"/>
+            <a:ext cx="1738417" cy="3460168"/>
+          </a:xfrm>
+          <a:prstGeom prst="rect">
+            <a:avLst/>
+          </a:prstGeom>
+          <a:noFill/>
+          <a:ln w="25400">
+            <a:solidFill>
+              <a:schemeClr val="tx1"/>
+            </a:solidFill>
+          </a:ln>
+        </p:spPr>
+        <p:style>
+          <a:lnRef idx="2">
+            <a:schemeClr val="accent1">
+              <a:shade val="15000"/>
+            </a:schemeClr>
+          </a:lnRef>
+          <a:fillRef idx="1">
+            <a:schemeClr val="accent1"/>
+          </a:fillRef>
+          <a:effectRef idx="0">
+            <a:schemeClr val="accent1"/>
+          </a:effectRef>
+          <a:fontRef idx="minor">
+            <a:schemeClr val="lt1"/>
+          </a:fontRef>
+        </p:style>
+        <p:txBody>
+          <a:bodyPr rtlCol="0" anchor="ctr"/>
+          <a:lstStyle/>
+          <a:p>
+            <a:pPr algn="ctr"/>
+            <a:r>
+              <a:rPr lang="en-US" dirty="0">
+                <a:solidFill>
+                  <a:schemeClr val="tx1"/>
+                </a:solidFill>
+              </a:rPr>
+              <a:t>Stats</a:t>
+            </a:r>
+          </a:p>
+        </p:txBody>
+      </p:sp>
+      <p:sp>
+        <p:nvSpPr>
+          <p:cNvPr id="25" name="Rectangle 24">
+            <a:extLst>
+              <a:ext uri="{FF2B5EF4-FFF2-40B4-BE49-F238E27FC236}">
+                <a16:creationId xmlns:a16="http://schemas.microsoft.com/office/drawing/2014/main" id="{3CA3BABA-1CBB-E45C-9230-F00CC4AAA22A}"/>
+              </a:ext>
+            </a:extLst>
+          </p:cNvPr>
+          <p:cNvSpPr/>
+          <p:nvPr/>
+        </p:nvSpPr>
+        <p:spPr>
+          <a:xfrm>
+            <a:off x="654791" y="2071914"/>
+            <a:ext cx="1678831" cy="452212"/>
+          </a:xfrm>
+          <a:prstGeom prst="rect">
+            <a:avLst/>
+          </a:prstGeom>
+          <a:noFill/>
+          <a:ln w="25400">
+            <a:solidFill>
+              <a:schemeClr val="tx1"/>
+            </a:solidFill>
+          </a:ln>
+        </p:spPr>
+        <p:style>
+          <a:lnRef idx="2">
+            <a:schemeClr val="accent1">
+              <a:shade val="15000"/>
+            </a:schemeClr>
+          </a:lnRef>
+          <a:fillRef idx="1">
+            <a:schemeClr val="accent1"/>
+          </a:fillRef>
+          <a:effectRef idx="0">
+            <a:schemeClr val="accent1"/>
+          </a:effectRef>
+          <a:fontRef idx="minor">
+            <a:schemeClr val="lt1"/>
+          </a:fontRef>
+        </p:style>
+        <p:txBody>
+          <a:bodyPr rtlCol="0" anchor="ctr"/>
+          <a:lstStyle/>
+          <a:p>
+            <a:pPr algn="ctr"/>
+            <a:r>
+              <a:rPr lang="en-US" dirty="0">
+                <a:solidFill>
+                  <a:schemeClr val="tx1"/>
+                </a:solidFill>
+              </a:rPr>
+              <a:t>Books List</a:t>
+            </a:r>
+          </a:p>
+        </p:txBody>
+      </p:sp>
+      <p:sp>
+        <p:nvSpPr>
+          <p:cNvPr id="31" name="Rectangle 30">
+            <a:extLst>
+              <a:ext uri="{FF2B5EF4-FFF2-40B4-BE49-F238E27FC236}">
+                <a16:creationId xmlns:a16="http://schemas.microsoft.com/office/drawing/2014/main" id="{786CAA73-EF12-8B30-E98D-DBA2D52690D0}"/>
+              </a:ext>
+            </a:extLst>
+          </p:cNvPr>
+          <p:cNvSpPr/>
+          <p:nvPr/>
+        </p:nvSpPr>
+        <p:spPr>
+          <a:xfrm>
+            <a:off x="2641628" y="2095130"/>
+            <a:ext cx="3510305" cy="553303"/>
+          </a:xfrm>
+          <a:prstGeom prst="rect">
+            <a:avLst/>
+          </a:prstGeom>
+          <a:noFill/>
+          <a:ln w="25400">
+            <a:noFill/>
+          </a:ln>
+        </p:spPr>
+        <p:style>
+          <a:lnRef idx="2">
+            <a:schemeClr val="accent1">
+              <a:shade val="15000"/>
+            </a:schemeClr>
+          </a:lnRef>
+          <a:fillRef idx="1">
+            <a:schemeClr val="accent1"/>
+          </a:fillRef>
+          <a:effectRef idx="0">
+            <a:schemeClr val="accent1"/>
+          </a:effectRef>
+          <a:fontRef idx="minor">
+            <a:schemeClr val="lt1"/>
+          </a:fontRef>
+        </p:style>
+        <p:txBody>
+          <a:bodyPr rtlCol="0" anchor="ctr"/>
+          <a:lstStyle/>
+          <a:p>
+            <a:r>
+              <a:rPr lang="en-US" sz="1400" dirty="0">
+                <a:solidFill>
+                  <a:schemeClr val="tx1"/>
+                </a:solidFill>
+              </a:rPr>
+              <a:t>Search by: </a:t>
+            </a:r>
+          </a:p>
+        </p:txBody>
+      </p:sp>
+      <p:grpSp>
+        <p:nvGrpSpPr>
+          <p:cNvPr id="6" name="Group 5">
+            <a:extLst>
+              <a:ext uri="{FF2B5EF4-FFF2-40B4-BE49-F238E27FC236}">
+                <a16:creationId xmlns:a16="http://schemas.microsoft.com/office/drawing/2014/main" id="{3BE12E09-981F-F922-FE49-CEBF18E16C27}"/>
+              </a:ext>
+            </a:extLst>
+          </p:cNvPr>
+          <p:cNvGrpSpPr/>
+          <p:nvPr/>
+        </p:nvGrpSpPr>
+        <p:grpSpPr>
+          <a:xfrm>
+            <a:off x="3530113" y="2190421"/>
+            <a:ext cx="1460460" cy="324190"/>
+            <a:chOff x="4591047" y="2190048"/>
+            <a:chExt cx="1460460" cy="324190"/>
+          </a:xfrm>
+        </p:grpSpPr>
+        <p:sp>
+          <p:nvSpPr>
+            <p:cNvPr id="32" name="Rectangle 31">
+              <a:extLst>
+                <a:ext uri="{FF2B5EF4-FFF2-40B4-BE49-F238E27FC236}">
+                  <a16:creationId xmlns:a16="http://schemas.microsoft.com/office/drawing/2014/main" id="{54D252BC-5B19-1CD4-328D-5B675A20C087}"/>
+                </a:ext>
+              </a:extLst>
+            </p:cNvPr>
+            <p:cNvSpPr/>
+            <p:nvPr/>
+          </p:nvSpPr>
+          <p:spPr>
+            <a:xfrm>
+              <a:off x="4591047" y="2190048"/>
+              <a:ext cx="1460460" cy="324190"/>
+            </a:xfrm>
+            <a:prstGeom prst="rect">
+              <a:avLst/>
+            </a:prstGeom>
+            <a:noFill/>
+            <a:ln w="25400">
+              <a:solidFill>
+                <a:schemeClr val="tx1"/>
+              </a:solidFill>
+            </a:ln>
+          </p:spPr>
+          <p:style>
+            <a:lnRef idx="2">
+              <a:schemeClr val="accent1">
+                <a:shade val="15000"/>
+              </a:schemeClr>
+            </a:lnRef>
+            <a:fillRef idx="1">
+              <a:schemeClr val="accent1"/>
+            </a:fillRef>
+            <a:effectRef idx="0">
+              <a:schemeClr val="accent1"/>
+            </a:effectRef>
+            <a:fontRef idx="minor">
+              <a:schemeClr val="lt1"/>
+            </a:fontRef>
+          </p:style>
+          <p:txBody>
+            <a:bodyPr rtlCol="0" anchor="ctr"/>
+            <a:lstStyle/>
+            <a:p>
+              <a:pPr algn="ctr"/>
+              <a:r>
+                <a:rPr lang="en-US" sz="1400" dirty="0">
+                  <a:solidFill>
+                    <a:schemeClr val="tx1"/>
+                  </a:solidFill>
+                </a:rPr>
+                <a:t>Genre</a:t>
+              </a:r>
+            </a:p>
+          </p:txBody>
+        </p:sp>
+        <p:sp>
+          <p:nvSpPr>
+            <p:cNvPr id="43" name="Action Button: Go Forward or Next 42">
+              <a:hlinkClick r:id="" action="ppaction://noaction" highlightClick="1"/>
+              <a:extLst>
+                <a:ext uri="{FF2B5EF4-FFF2-40B4-BE49-F238E27FC236}">
+                  <a16:creationId xmlns:a16="http://schemas.microsoft.com/office/drawing/2014/main" id="{5BC967E6-2305-1AB2-353C-CD08B78A0CF4}"/>
+                </a:ext>
+              </a:extLst>
+            </p:cNvPr>
+            <p:cNvSpPr/>
+            <p:nvPr/>
+          </p:nvSpPr>
+          <p:spPr>
+            <a:xfrm rot="5400000">
+              <a:off x="5747738" y="2203120"/>
+              <a:ext cx="242899" cy="289683"/>
+            </a:xfrm>
+            <a:prstGeom prst="actionButtonForwardNext">
+              <a:avLst/>
+            </a:prstGeom>
+            <a:noFill/>
+            <a:ln w="25400"/>
+          </p:spPr>
+          <p:style>
+            <a:lnRef idx="2">
+              <a:schemeClr val="accent1">
+                <a:shade val="15000"/>
+              </a:schemeClr>
+            </a:lnRef>
+            <a:fillRef idx="1">
+              <a:schemeClr val="accent1"/>
+            </a:fillRef>
+            <a:effectRef idx="0">
+              <a:schemeClr val="accent1"/>
+            </a:effectRef>
+            <a:fontRef idx="minor">
+              <a:schemeClr val="lt1"/>
+            </a:fontRef>
+          </p:style>
+          <p:txBody>
+            <a:bodyPr rtlCol="0" anchor="ctr"/>
+            <a:lstStyle/>
+            <a:p>
+              <a:pPr algn="ctr"/>
+              <a:endParaRPr lang="en-US"/>
+            </a:p>
+          </p:txBody>
+        </p:sp>
+      </p:grpSp>
+      <p:sp>
+        <p:nvSpPr>
+          <p:cNvPr id="44" name="Rectangle 43">
+            <a:extLst>
+              <a:ext uri="{FF2B5EF4-FFF2-40B4-BE49-F238E27FC236}">
+                <a16:creationId xmlns:a16="http://schemas.microsoft.com/office/drawing/2014/main" id="{4A21AAD5-5690-B887-C92D-25212698665D}"/>
+              </a:ext>
+            </a:extLst>
+          </p:cNvPr>
+          <p:cNvSpPr/>
+          <p:nvPr/>
+        </p:nvSpPr>
+        <p:spPr>
+          <a:xfrm>
+            <a:off x="654791" y="2721877"/>
+            <a:ext cx="6441334" cy="2450197"/>
+          </a:xfrm>
+          <a:prstGeom prst="rect">
+            <a:avLst/>
+          </a:prstGeom>
+          <a:noFill/>
+          <a:ln w="25400">
+            <a:solidFill>
+              <a:schemeClr val="tx1"/>
+            </a:solidFill>
+          </a:ln>
+        </p:spPr>
+        <p:style>
+          <a:lnRef idx="2">
+            <a:schemeClr val="accent1">
+              <a:shade val="15000"/>
+            </a:schemeClr>
+          </a:lnRef>
+          <a:fillRef idx="1">
+            <a:schemeClr val="accent1"/>
+          </a:fillRef>
+          <a:effectRef idx="0">
+            <a:schemeClr val="accent1"/>
+          </a:effectRef>
+          <a:fontRef idx="minor">
+            <a:schemeClr val="lt1"/>
+          </a:fontRef>
+        </p:style>
+        <p:txBody>
+          <a:bodyPr rtlCol="0" anchor="ctr"/>
+          <a:lstStyle/>
+          <a:p>
+            <a:pPr algn="ctr"/>
+            <a:endParaRPr lang="en-US" dirty="0">
+              <a:solidFill>
+                <a:schemeClr val="tx1"/>
+              </a:solidFill>
+            </a:endParaRPr>
+          </a:p>
+        </p:txBody>
+      </p:sp>
+      <p:sp>
+        <p:nvSpPr>
+          <p:cNvPr id="45" name="Action Button: Go Forward or Next 44">
+            <a:hlinkClick r:id="" action="ppaction://noaction" highlightClick="1"/>
+            <a:extLst>
+              <a:ext uri="{FF2B5EF4-FFF2-40B4-BE49-F238E27FC236}">
+                <a16:creationId xmlns:a16="http://schemas.microsoft.com/office/drawing/2014/main" id="{A102EF7D-2FA2-CCBC-1EF3-EFB38AE1ED73}"/>
+              </a:ext>
+            </a:extLst>
+          </p:cNvPr>
+          <p:cNvSpPr/>
+          <p:nvPr/>
+        </p:nvSpPr>
+        <p:spPr>
+          <a:xfrm rot="10800000">
+            <a:off x="678183" y="5346433"/>
+            <a:ext cx="242899" cy="289683"/>
+          </a:xfrm>
+          <a:prstGeom prst="actionButtonForwardNext">
+            <a:avLst/>
+          </a:prstGeom>
+          <a:noFill/>
+          <a:ln w="25400"/>
+        </p:spPr>
+        <p:style>
+          <a:lnRef idx="2">
+            <a:schemeClr val="accent1">
+              <a:shade val="15000"/>
+            </a:schemeClr>
+          </a:lnRef>
+          <a:fillRef idx="1">
+            <a:schemeClr val="accent1"/>
+          </a:fillRef>
+          <a:effectRef idx="0">
+            <a:schemeClr val="accent1"/>
+          </a:effectRef>
+          <a:fontRef idx="minor">
+            <a:schemeClr val="lt1"/>
+          </a:fontRef>
+        </p:style>
+        <p:txBody>
+          <a:bodyPr rtlCol="0" anchor="ctr"/>
+          <a:lstStyle/>
+          <a:p>
+            <a:pPr algn="ctr"/>
+            <a:endParaRPr lang="en-US"/>
+          </a:p>
+        </p:txBody>
+      </p:sp>
+      <p:sp>
+        <p:nvSpPr>
+          <p:cNvPr id="46" name="Action Button: Go Forward or Next 45">
+            <a:hlinkClick r:id="" action="ppaction://noaction" highlightClick="1"/>
+            <a:extLst>
+              <a:ext uri="{FF2B5EF4-FFF2-40B4-BE49-F238E27FC236}">
+                <a16:creationId xmlns:a16="http://schemas.microsoft.com/office/drawing/2014/main" id="{798EFA94-8CC2-C550-007F-74A6823C4E22}"/>
+              </a:ext>
+            </a:extLst>
+          </p:cNvPr>
+          <p:cNvSpPr/>
+          <p:nvPr/>
+        </p:nvSpPr>
+        <p:spPr>
+          <a:xfrm>
+            <a:off x="6852416" y="5312756"/>
+            <a:ext cx="242899" cy="289683"/>
+          </a:xfrm>
+          <a:prstGeom prst="actionButtonForwardNext">
+            <a:avLst/>
+          </a:prstGeom>
+          <a:noFill/>
+          <a:ln w="25400"/>
+        </p:spPr>
+        <p:style>
+          <a:lnRef idx="2">
+            <a:schemeClr val="accent1">
+              <a:shade val="15000"/>
+            </a:schemeClr>
+          </a:lnRef>
+          <a:fillRef idx="1">
+            <a:schemeClr val="accent1"/>
+          </a:fillRef>
+          <a:effectRef idx="0">
+            <a:schemeClr val="accent1"/>
+          </a:effectRef>
+          <a:fontRef idx="minor">
+            <a:schemeClr val="lt1"/>
+          </a:fontRef>
+        </p:style>
+        <p:txBody>
+          <a:bodyPr rtlCol="0" anchor="ctr"/>
+          <a:lstStyle/>
+          <a:p>
+            <a:pPr algn="ctr"/>
+            <a:endParaRPr lang="en-US"/>
+          </a:p>
+        </p:txBody>
+      </p:sp>
+      <p:sp>
+        <p:nvSpPr>
+          <p:cNvPr id="47" name="Rectangle 46">
+            <a:extLst>
+              <a:ext uri="{FF2B5EF4-FFF2-40B4-BE49-F238E27FC236}">
+                <a16:creationId xmlns:a16="http://schemas.microsoft.com/office/drawing/2014/main" id="{F414C49E-F10B-0226-4CBA-DBE9874D0E42}"/>
+              </a:ext>
+            </a:extLst>
+          </p:cNvPr>
+          <p:cNvSpPr/>
+          <p:nvPr/>
+        </p:nvSpPr>
+        <p:spPr>
+          <a:xfrm>
+            <a:off x="1790503" y="5270301"/>
+            <a:ext cx="1678831" cy="452212"/>
+          </a:xfrm>
+          <a:prstGeom prst="rect">
+            <a:avLst/>
+          </a:prstGeom>
+          <a:noFill/>
+          <a:ln w="25400">
+            <a:solidFill>
+              <a:schemeClr val="tx1"/>
+            </a:solidFill>
+          </a:ln>
+        </p:spPr>
+        <p:style>
+          <a:lnRef idx="2">
+            <a:schemeClr val="accent1">
+              <a:shade val="15000"/>
+            </a:schemeClr>
+          </a:lnRef>
+          <a:fillRef idx="1">
+            <a:schemeClr val="accent1"/>
+          </a:fillRef>
+          <a:effectRef idx="0">
+            <a:schemeClr val="accent1"/>
+          </a:effectRef>
+          <a:fontRef idx="minor">
+            <a:schemeClr val="lt1"/>
+          </a:fontRef>
+        </p:style>
+        <p:txBody>
+          <a:bodyPr rtlCol="0" anchor="ctr"/>
+          <a:lstStyle/>
+          <a:p>
+            <a:pPr algn="ctr"/>
+            <a:r>
+              <a:rPr lang="en-US" dirty="0">
+                <a:solidFill>
+                  <a:schemeClr val="tx1"/>
+                </a:solidFill>
+              </a:rPr>
+              <a:t>1 2 3 ...</a:t>
+            </a:r>
+          </a:p>
+        </p:txBody>
+      </p:sp>
+      <p:sp>
+        <p:nvSpPr>
+          <p:cNvPr id="48" name="Rectangle 47">
+            <a:extLst>
+              <a:ext uri="{FF2B5EF4-FFF2-40B4-BE49-F238E27FC236}">
+                <a16:creationId xmlns:a16="http://schemas.microsoft.com/office/drawing/2014/main" id="{9D6F46F6-D806-C793-5A22-5F53DEBCAB3A}"/>
+              </a:ext>
+            </a:extLst>
+          </p:cNvPr>
+          <p:cNvSpPr/>
+          <p:nvPr/>
+        </p:nvSpPr>
+        <p:spPr>
+          <a:xfrm>
+            <a:off x="750042" y="2854250"/>
+            <a:ext cx="3510305" cy="553303"/>
+          </a:xfrm>
+          <a:prstGeom prst="rect">
+            <a:avLst/>
+          </a:prstGeom>
+          <a:noFill/>
+          <a:ln w="25400">
+            <a:noFill/>
+          </a:ln>
+        </p:spPr>
+        <p:style>
+          <a:lnRef idx="2">
+            <a:schemeClr val="accent1">
+              <a:shade val="15000"/>
+            </a:schemeClr>
+          </a:lnRef>
+          <a:fillRef idx="1">
+            <a:schemeClr val="accent1"/>
+          </a:fillRef>
+          <a:effectRef idx="0">
+            <a:schemeClr val="accent1"/>
+          </a:effectRef>
+          <a:fontRef idx="minor">
+            <a:schemeClr val="lt1"/>
+          </a:fontRef>
+        </p:style>
+        <p:txBody>
+          <a:bodyPr rtlCol="0" anchor="ctr"/>
+          <a:lstStyle/>
+          <a:p>
+            <a:r>
+              <a:rPr lang="en-US" sz="1100" dirty="0">
+                <a:solidFill>
+                  <a:schemeClr val="tx1"/>
+                </a:solidFill>
+              </a:rPr>
+              <a:t>Book ID:   ________________________</a:t>
+            </a:r>
+          </a:p>
+        </p:txBody>
+      </p:sp>
+      <p:sp>
+        <p:nvSpPr>
+          <p:cNvPr id="49" name="Rectangle 48">
+            <a:extLst>
+              <a:ext uri="{FF2B5EF4-FFF2-40B4-BE49-F238E27FC236}">
+                <a16:creationId xmlns:a16="http://schemas.microsoft.com/office/drawing/2014/main" id="{20C12BB5-191D-8F11-6BBC-56E542133D6A}"/>
+              </a:ext>
+            </a:extLst>
+          </p:cNvPr>
+          <p:cNvSpPr/>
+          <p:nvPr/>
+        </p:nvSpPr>
+        <p:spPr>
+          <a:xfrm>
+            <a:off x="750040" y="3159543"/>
+            <a:ext cx="3510305" cy="553303"/>
+          </a:xfrm>
+          <a:prstGeom prst="rect">
+            <a:avLst/>
+          </a:prstGeom>
+          <a:noFill/>
+          <a:ln w="25400">
+            <a:noFill/>
+          </a:ln>
+        </p:spPr>
+        <p:style>
+          <a:lnRef idx="2">
+            <a:schemeClr val="accent1">
+              <a:shade val="15000"/>
+            </a:schemeClr>
+          </a:lnRef>
+          <a:fillRef idx="1">
+            <a:schemeClr val="accent1"/>
+          </a:fillRef>
+          <a:effectRef idx="0">
+            <a:schemeClr val="accent1"/>
+          </a:effectRef>
+          <a:fontRef idx="minor">
+            <a:schemeClr val="lt1"/>
+          </a:fontRef>
+        </p:style>
+        <p:txBody>
+          <a:bodyPr rtlCol="0" anchor="ctr"/>
+          <a:lstStyle/>
+          <a:p>
+            <a:r>
+              <a:rPr lang="en-US" sz="1100" dirty="0">
+                <a:solidFill>
+                  <a:schemeClr val="tx1"/>
+                </a:solidFill>
+              </a:rPr>
+              <a:t>Title:   ________________________</a:t>
+            </a:r>
+          </a:p>
+        </p:txBody>
+      </p:sp>
+      <p:sp>
+        <p:nvSpPr>
+          <p:cNvPr id="50" name="Rectangle 49">
+            <a:extLst>
+              <a:ext uri="{FF2B5EF4-FFF2-40B4-BE49-F238E27FC236}">
+                <a16:creationId xmlns:a16="http://schemas.microsoft.com/office/drawing/2014/main" id="{6031DA3E-ACBA-A60D-C425-7E13910BC4AD}"/>
+              </a:ext>
+            </a:extLst>
+          </p:cNvPr>
+          <p:cNvSpPr/>
+          <p:nvPr/>
+        </p:nvSpPr>
+        <p:spPr>
+          <a:xfrm>
+            <a:off x="750038" y="3429000"/>
+            <a:ext cx="3510305" cy="553303"/>
+          </a:xfrm>
+          <a:prstGeom prst="rect">
+            <a:avLst/>
+          </a:prstGeom>
+          <a:noFill/>
+          <a:ln w="25400">
+            <a:noFill/>
+          </a:ln>
+        </p:spPr>
+        <p:style>
+          <a:lnRef idx="2">
+            <a:schemeClr val="accent1">
+              <a:shade val="15000"/>
+            </a:schemeClr>
+          </a:lnRef>
+          <a:fillRef idx="1">
+            <a:schemeClr val="accent1"/>
+          </a:fillRef>
+          <a:effectRef idx="0">
+            <a:schemeClr val="accent1"/>
+          </a:effectRef>
+          <a:fontRef idx="minor">
+            <a:schemeClr val="lt1"/>
+          </a:fontRef>
+        </p:style>
+        <p:txBody>
+          <a:bodyPr rtlCol="0" anchor="ctr"/>
+          <a:lstStyle/>
+          <a:p>
+            <a:r>
+              <a:rPr lang="en-US" sz="1100" dirty="0">
+                <a:solidFill>
+                  <a:schemeClr val="tx1"/>
+                </a:solidFill>
+              </a:rPr>
+              <a:t>Author:   _________________________</a:t>
+            </a:r>
+          </a:p>
+        </p:txBody>
+      </p:sp>
+      <p:sp>
+        <p:nvSpPr>
+          <p:cNvPr id="51" name="Rectangle 50">
+            <a:extLst>
+              <a:ext uri="{FF2B5EF4-FFF2-40B4-BE49-F238E27FC236}">
+                <a16:creationId xmlns:a16="http://schemas.microsoft.com/office/drawing/2014/main" id="{1E607B6B-5D5E-4179-CA7D-EF16B89AA2BC}"/>
+              </a:ext>
+            </a:extLst>
+          </p:cNvPr>
+          <p:cNvSpPr/>
+          <p:nvPr/>
+        </p:nvSpPr>
+        <p:spPr>
+          <a:xfrm>
+            <a:off x="750038" y="3747234"/>
+            <a:ext cx="3510305" cy="553303"/>
+          </a:xfrm>
+          <a:prstGeom prst="rect">
+            <a:avLst/>
+          </a:prstGeom>
+          <a:noFill/>
+          <a:ln w="25400">
+            <a:noFill/>
+          </a:ln>
+        </p:spPr>
+        <p:style>
+          <a:lnRef idx="2">
+            <a:schemeClr val="accent1">
+              <a:shade val="15000"/>
+            </a:schemeClr>
+          </a:lnRef>
+          <a:fillRef idx="1">
+            <a:schemeClr val="accent1"/>
+          </a:fillRef>
+          <a:effectRef idx="0">
+            <a:schemeClr val="accent1"/>
+          </a:effectRef>
+          <a:fontRef idx="minor">
+            <a:schemeClr val="lt1"/>
+          </a:fontRef>
+        </p:style>
+        <p:txBody>
+          <a:bodyPr rtlCol="0" anchor="ctr"/>
+          <a:lstStyle/>
+          <a:p>
+            <a:r>
+              <a:rPr lang="en-US" sz="1100" dirty="0">
+                <a:solidFill>
+                  <a:schemeClr val="tx1"/>
+                </a:solidFill>
+              </a:rPr>
+              <a:t>Genre:   _________________________</a:t>
+            </a:r>
+          </a:p>
+        </p:txBody>
+      </p:sp>
+      <p:sp>
+        <p:nvSpPr>
+          <p:cNvPr id="52" name="Rectangle 51">
+            <a:extLst>
+              <a:ext uri="{FF2B5EF4-FFF2-40B4-BE49-F238E27FC236}">
+                <a16:creationId xmlns:a16="http://schemas.microsoft.com/office/drawing/2014/main" id="{083DDEF3-71A9-1FB1-D598-B6ACE3690E36}"/>
+              </a:ext>
+            </a:extLst>
+          </p:cNvPr>
+          <p:cNvSpPr/>
+          <p:nvPr/>
+        </p:nvSpPr>
+        <p:spPr>
+          <a:xfrm>
+            <a:off x="3875459" y="2957226"/>
+            <a:ext cx="1363292" cy="1748123"/>
+          </a:xfrm>
+          <a:prstGeom prst="rect">
+            <a:avLst/>
+          </a:prstGeom>
+          <a:noFill/>
+          <a:ln w="12700">
+            <a:solidFill>
+              <a:schemeClr val="tx1"/>
+            </a:solidFill>
+          </a:ln>
+        </p:spPr>
+        <p:style>
+          <a:lnRef idx="2">
+            <a:schemeClr val="accent1">
+              <a:shade val="15000"/>
+            </a:schemeClr>
+          </a:lnRef>
+          <a:fillRef idx="1">
+            <a:schemeClr val="accent1"/>
+          </a:fillRef>
+          <a:effectRef idx="0">
+            <a:schemeClr val="accent1"/>
+          </a:effectRef>
+          <a:fontRef idx="minor">
+            <a:schemeClr val="lt1"/>
+          </a:fontRef>
+        </p:style>
+        <p:txBody>
+          <a:bodyPr rtlCol="0" anchor="ctr"/>
+          <a:lstStyle/>
+          <a:p>
+            <a:pPr algn="ctr"/>
+            <a:r>
+              <a:rPr lang="en-US" dirty="0">
+                <a:solidFill>
+                  <a:schemeClr val="tx1"/>
+                </a:solidFill>
+              </a:rPr>
+              <a:t>Cover</a:t>
+            </a:r>
+          </a:p>
+          <a:p>
+            <a:pPr algn="ctr"/>
+            <a:r>
+              <a:rPr lang="en-US" dirty="0">
+                <a:solidFill>
+                  <a:schemeClr val="tx1"/>
+                </a:solidFill>
+              </a:rPr>
+              <a:t>Image</a:t>
+            </a:r>
+          </a:p>
+        </p:txBody>
+      </p:sp>
+      <p:sp>
+        <p:nvSpPr>
+          <p:cNvPr id="7" name="TextBox 6">
+            <a:extLst>
+              <a:ext uri="{FF2B5EF4-FFF2-40B4-BE49-F238E27FC236}">
+                <a16:creationId xmlns:a16="http://schemas.microsoft.com/office/drawing/2014/main" id="{09B71C82-0752-ED48-42B8-34302E52F428}"/>
+              </a:ext>
+            </a:extLst>
+          </p:cNvPr>
+          <p:cNvSpPr txBox="1"/>
+          <p:nvPr/>
+        </p:nvSpPr>
+        <p:spPr>
+          <a:xfrm>
+            <a:off x="5206213" y="2163668"/>
+            <a:ext cx="1685077" cy="369332"/>
+          </a:xfrm>
+          <a:prstGeom prst="rect">
+            <a:avLst/>
+          </a:prstGeom>
+          <a:noFill/>
+        </p:spPr>
+        <p:txBody>
+          <a:bodyPr wrap="none" rtlCol="0">
+            <a:spAutoFit/>
+          </a:bodyPr>
+          <a:lstStyle/>
+          <a:p>
+            <a:r>
+              <a:rPr lang="en-US" sz="1800" dirty="0">
+                <a:solidFill>
+                  <a:schemeClr val="tx1"/>
+                </a:solidFill>
+              </a:rPr>
+              <a:t>: ____________</a:t>
+            </a:r>
+            <a:endParaRPr lang="en-US" dirty="0"/>
+          </a:p>
+        </p:txBody>
+      </p:sp>
+      <p:sp>
+        <p:nvSpPr>
+          <p:cNvPr id="9" name="Rectangle 8">
+            <a:extLst>
+              <a:ext uri="{FF2B5EF4-FFF2-40B4-BE49-F238E27FC236}">
+                <a16:creationId xmlns:a16="http://schemas.microsoft.com/office/drawing/2014/main" id="{F73A2BDB-1B29-A6A4-8E1F-AC2D4B8CE23B}"/>
+              </a:ext>
+            </a:extLst>
+          </p:cNvPr>
+          <p:cNvSpPr/>
+          <p:nvPr/>
+        </p:nvSpPr>
+        <p:spPr>
+          <a:xfrm>
+            <a:off x="3861893" y="5272085"/>
+            <a:ext cx="1678831" cy="452212"/>
+          </a:xfrm>
+          <a:prstGeom prst="rect">
+            <a:avLst/>
+          </a:prstGeom>
+          <a:noFill/>
+          <a:ln w="25400">
+            <a:solidFill>
+              <a:schemeClr val="tx1"/>
+            </a:solidFill>
+          </a:ln>
+        </p:spPr>
+        <p:style>
+          <a:lnRef idx="2">
+            <a:schemeClr val="accent1">
+              <a:shade val="15000"/>
+            </a:schemeClr>
+          </a:lnRef>
+          <a:fillRef idx="1">
+            <a:schemeClr val="accent1"/>
+          </a:fillRef>
+          <a:effectRef idx="0">
+            <a:schemeClr val="accent1"/>
+          </a:effectRef>
+          <a:fontRef idx="minor">
+            <a:schemeClr val="lt1"/>
+          </a:fontRef>
+        </p:style>
+        <p:txBody>
+          <a:bodyPr rtlCol="0" anchor="ctr"/>
+          <a:lstStyle/>
+          <a:p>
+            <a:pPr algn="ctr"/>
+            <a:r>
+              <a:rPr lang="en-US" dirty="0">
+                <a:solidFill>
+                  <a:schemeClr val="tx1"/>
+                </a:solidFill>
+              </a:rPr>
+              <a:t>Search</a:t>
+            </a:r>
           </a:p>
         </p:txBody>
       </p:sp>
     </p:spTree>
     <p:extLst>
       <p:ext uri="{BB962C8B-B14F-4D97-AF65-F5344CB8AC3E}">
-        <p14:creationId xmlns:p14="http://schemas.microsoft.com/office/powerpoint/2010/main" val="571797578"/>
+        <p14:creationId xmlns:p14="http://schemas.microsoft.com/office/powerpoint/2010/main" val="372335066"/>
+      </p:ext>
+    </p:extLst>
+  </p:cSld>
+  <p:clrMapOvr>
+    <a:masterClrMapping/>
+  </p:clrMapOvr>
+</p:sld>
+</file>
+
+<file path=ppt/slides/slide5.xml><?xml version="1.0" encoding="utf-8"?>
+<p:sld xmlns:a="http://schemas.openxmlformats.org/drawingml/2006/main" xmlns:r="http://schemas.openxmlformats.org/officeDocument/2006/relationships" xmlns:p="http://schemas.openxmlformats.org/presentationml/2006/main">
+  <p:cSld>
+    <p:spTree>
+      <p:nvGrpSpPr>
+        <p:cNvPr id="1" name=""/>
+        <p:cNvGrpSpPr/>
+        <p:nvPr/>
+      </p:nvGrpSpPr>
+      <p:grpSpPr>
+        <a:xfrm>
+          <a:off x="0" y="0"/>
+          <a:ext cx="0" cy="0"/>
+          <a:chOff x="0" y="0"/>
+          <a:chExt cx="0" cy="0"/>
+        </a:xfrm>
+      </p:grpSpPr>
+      <p:sp>
+        <p:nvSpPr>
+          <p:cNvPr id="5" name="Rectangle 4">
+            <a:extLst>
+              <a:ext uri="{FF2B5EF4-FFF2-40B4-BE49-F238E27FC236}">
+                <a16:creationId xmlns:a16="http://schemas.microsoft.com/office/drawing/2014/main" id="{7016C9DD-C8E4-F428-80B6-273BCA60D253}"/>
+              </a:ext>
+            </a:extLst>
+          </p:cNvPr>
+          <p:cNvSpPr/>
+          <p:nvPr/>
+        </p:nvSpPr>
+        <p:spPr>
+          <a:xfrm>
+            <a:off x="457200" y="205273"/>
+            <a:ext cx="11346024" cy="1474237"/>
+          </a:xfrm>
+          <a:prstGeom prst="rect">
+            <a:avLst/>
+          </a:prstGeom>
+          <a:noFill/>
+          <a:ln w="25400">
+            <a:solidFill>
+              <a:schemeClr val="tx1"/>
+            </a:solidFill>
+          </a:ln>
+        </p:spPr>
+        <p:style>
+          <a:lnRef idx="2">
+            <a:schemeClr val="accent1">
+              <a:shade val="15000"/>
+            </a:schemeClr>
+          </a:lnRef>
+          <a:fillRef idx="1">
+            <a:schemeClr val="accent1"/>
+          </a:fillRef>
+          <a:effectRef idx="0">
+            <a:schemeClr val="accent1"/>
+          </a:effectRef>
+          <a:fontRef idx="minor">
+            <a:schemeClr val="lt1"/>
+          </a:fontRef>
+        </p:style>
+        <p:txBody>
+          <a:bodyPr rtlCol="0" anchor="ctr"/>
+          <a:lstStyle/>
+          <a:p>
+            <a:pPr algn="ctr"/>
+            <a:r>
+              <a:rPr lang="en-US" sz="4000" dirty="0" err="1">
+                <a:solidFill>
+                  <a:schemeClr val="tx1"/>
+                </a:solidFill>
+              </a:rPr>
+              <a:t>Whatabook</a:t>
+            </a:r>
+            <a:endParaRPr lang="en-US" sz="4000" dirty="0">
+              <a:solidFill>
+                <a:schemeClr val="tx1"/>
+              </a:solidFill>
+            </a:endParaRPr>
+          </a:p>
+        </p:txBody>
+      </p:sp>
+      <p:sp>
+        <p:nvSpPr>
+          <p:cNvPr id="8" name="Rectangle 7">
+            <a:extLst>
+              <a:ext uri="{FF2B5EF4-FFF2-40B4-BE49-F238E27FC236}">
+                <a16:creationId xmlns:a16="http://schemas.microsoft.com/office/drawing/2014/main" id="{5E68232D-6438-B66D-F346-5F8B91E8455B}"/>
+              </a:ext>
+            </a:extLst>
+          </p:cNvPr>
+          <p:cNvSpPr/>
+          <p:nvPr/>
+        </p:nvSpPr>
+        <p:spPr>
+          <a:xfrm>
+            <a:off x="457200" y="1955249"/>
+            <a:ext cx="6867526" cy="3864526"/>
+          </a:xfrm>
+          <a:prstGeom prst="rect">
+            <a:avLst/>
+          </a:prstGeom>
+          <a:noFill/>
+          <a:ln w="25400">
+            <a:solidFill>
+              <a:schemeClr val="tx1"/>
+            </a:solidFill>
+          </a:ln>
+        </p:spPr>
+        <p:style>
+          <a:lnRef idx="2">
+            <a:schemeClr val="accent1">
+              <a:shade val="15000"/>
+            </a:schemeClr>
+          </a:lnRef>
+          <a:fillRef idx="1">
+            <a:schemeClr val="accent1"/>
+          </a:fillRef>
+          <a:effectRef idx="0">
+            <a:schemeClr val="accent1"/>
+          </a:effectRef>
+          <a:fontRef idx="minor">
+            <a:schemeClr val="lt1"/>
+          </a:fontRef>
+        </p:style>
+        <p:txBody>
+          <a:bodyPr rtlCol="0" anchor="ctr"/>
+          <a:lstStyle/>
+          <a:p>
+            <a:pPr algn="ctr"/>
+            <a:endParaRPr lang="en-US"/>
+          </a:p>
+        </p:txBody>
+      </p:sp>
+      <p:sp>
+        <p:nvSpPr>
+          <p:cNvPr id="10" name="Rectangle 9">
+            <a:extLst>
+              <a:ext uri="{FF2B5EF4-FFF2-40B4-BE49-F238E27FC236}">
+                <a16:creationId xmlns:a16="http://schemas.microsoft.com/office/drawing/2014/main" id="{78C50790-6831-F9E4-BB16-C372B630433D}"/>
+              </a:ext>
+            </a:extLst>
+          </p:cNvPr>
+          <p:cNvSpPr/>
+          <p:nvPr/>
+        </p:nvSpPr>
+        <p:spPr>
+          <a:xfrm>
+            <a:off x="457200" y="6095514"/>
+            <a:ext cx="11346024" cy="476736"/>
+          </a:xfrm>
+          <a:prstGeom prst="rect">
+            <a:avLst/>
+          </a:prstGeom>
+          <a:noFill/>
+          <a:ln w="25400">
+            <a:solidFill>
+              <a:schemeClr val="tx1"/>
+            </a:solidFill>
+          </a:ln>
+        </p:spPr>
+        <p:style>
+          <a:lnRef idx="2">
+            <a:schemeClr val="accent1">
+              <a:shade val="15000"/>
+            </a:schemeClr>
+          </a:lnRef>
+          <a:fillRef idx="1">
+            <a:schemeClr val="accent1"/>
+          </a:fillRef>
+          <a:effectRef idx="0">
+            <a:schemeClr val="accent1"/>
+          </a:effectRef>
+          <a:fontRef idx="minor">
+            <a:schemeClr val="lt1"/>
+          </a:fontRef>
+        </p:style>
+        <p:txBody>
+          <a:bodyPr rtlCol="0" anchor="ctr"/>
+          <a:lstStyle/>
+          <a:p>
+            <a:pPr algn="ctr"/>
+            <a:r>
+              <a:rPr lang="en-US" dirty="0">
+                <a:solidFill>
+                  <a:schemeClr val="tx1"/>
+                </a:solidFill>
+              </a:rPr>
+              <a:t>Footer</a:t>
+            </a:r>
+          </a:p>
+        </p:txBody>
+      </p:sp>
+      <p:sp>
+        <p:nvSpPr>
+          <p:cNvPr id="2" name="Rectangle 1">
+            <a:extLst>
+              <a:ext uri="{FF2B5EF4-FFF2-40B4-BE49-F238E27FC236}">
+                <a16:creationId xmlns:a16="http://schemas.microsoft.com/office/drawing/2014/main" id="{7A92579C-89AB-3D91-B46F-166E00A4CAF7}"/>
+              </a:ext>
+            </a:extLst>
+          </p:cNvPr>
+          <p:cNvSpPr/>
+          <p:nvPr/>
+        </p:nvSpPr>
+        <p:spPr>
+          <a:xfrm>
+            <a:off x="7847045" y="456664"/>
+            <a:ext cx="3694923" cy="971453"/>
+          </a:xfrm>
+          <a:prstGeom prst="rect">
+            <a:avLst/>
+          </a:prstGeom>
+          <a:noFill/>
+          <a:ln w="25400">
+            <a:solidFill>
+              <a:schemeClr val="tx1"/>
+            </a:solidFill>
+          </a:ln>
+        </p:spPr>
+        <p:style>
+          <a:lnRef idx="2">
+            <a:schemeClr val="accent1">
+              <a:shade val="15000"/>
+            </a:schemeClr>
+          </a:lnRef>
+          <a:fillRef idx="1">
+            <a:schemeClr val="accent1"/>
+          </a:fillRef>
+          <a:effectRef idx="0">
+            <a:schemeClr val="accent1"/>
+          </a:effectRef>
+          <a:fontRef idx="minor">
+            <a:schemeClr val="lt1"/>
+          </a:fontRef>
+        </p:style>
+        <p:txBody>
+          <a:bodyPr rtlCol="0" anchor="ctr"/>
+          <a:lstStyle/>
+          <a:p>
+            <a:pPr algn="ctr"/>
+            <a:r>
+              <a:rPr lang="en-US" dirty="0">
+                <a:solidFill>
+                  <a:schemeClr val="tx1"/>
+                </a:solidFill>
+              </a:rPr>
+              <a:t>Login </a:t>
+            </a:r>
+          </a:p>
+        </p:txBody>
+      </p:sp>
+      <p:sp>
+        <p:nvSpPr>
+          <p:cNvPr id="3" name="Rectangle 2">
+            <a:extLst>
+              <a:ext uri="{FF2B5EF4-FFF2-40B4-BE49-F238E27FC236}">
+                <a16:creationId xmlns:a16="http://schemas.microsoft.com/office/drawing/2014/main" id="{CDDC1A2D-62DE-DDCC-72C5-1DD749ECB65D}"/>
+              </a:ext>
+            </a:extLst>
+          </p:cNvPr>
+          <p:cNvSpPr/>
+          <p:nvPr/>
+        </p:nvSpPr>
+        <p:spPr>
+          <a:xfrm>
+            <a:off x="10534650" y="589697"/>
+            <a:ext cx="854918" cy="705386"/>
+          </a:xfrm>
+          <a:prstGeom prst="rect">
+            <a:avLst/>
+          </a:prstGeom>
+          <a:noFill/>
+          <a:ln w="25400">
+            <a:solidFill>
+              <a:schemeClr val="tx1"/>
+            </a:solidFill>
+          </a:ln>
+        </p:spPr>
+        <p:style>
+          <a:lnRef idx="2">
+            <a:schemeClr val="accent1">
+              <a:shade val="15000"/>
+            </a:schemeClr>
+          </a:lnRef>
+          <a:fillRef idx="1">
+            <a:schemeClr val="accent1"/>
+          </a:fillRef>
+          <a:effectRef idx="0">
+            <a:schemeClr val="accent1"/>
+          </a:effectRef>
+          <a:fontRef idx="minor">
+            <a:schemeClr val="lt1"/>
+          </a:fontRef>
+        </p:style>
+        <p:txBody>
+          <a:bodyPr rtlCol="0" anchor="ctr"/>
+          <a:lstStyle/>
+          <a:p>
+            <a:pPr algn="ctr"/>
+            <a:r>
+              <a:rPr lang="en-US" dirty="0">
+                <a:solidFill>
+                  <a:schemeClr val="tx1"/>
+                </a:solidFill>
+              </a:rPr>
+              <a:t>Avatar</a:t>
+            </a:r>
+          </a:p>
+        </p:txBody>
+      </p:sp>
+      <p:sp>
+        <p:nvSpPr>
+          <p:cNvPr id="4" name="Rectangle 3">
+            <a:extLst>
+              <a:ext uri="{FF2B5EF4-FFF2-40B4-BE49-F238E27FC236}">
+                <a16:creationId xmlns:a16="http://schemas.microsoft.com/office/drawing/2014/main" id="{7DC4D39F-838E-19B1-EF5C-30117EFC2956}"/>
+              </a:ext>
+            </a:extLst>
+          </p:cNvPr>
+          <p:cNvSpPr/>
+          <p:nvPr/>
+        </p:nvSpPr>
+        <p:spPr>
+          <a:xfrm>
+            <a:off x="635743" y="341511"/>
+            <a:ext cx="2517031" cy="1086606"/>
+          </a:xfrm>
+          <a:prstGeom prst="rect">
+            <a:avLst/>
+          </a:prstGeom>
+          <a:noFill/>
+          <a:ln w="25400">
+            <a:solidFill>
+              <a:schemeClr val="tx1"/>
+            </a:solidFill>
+          </a:ln>
+        </p:spPr>
+        <p:style>
+          <a:lnRef idx="2">
+            <a:schemeClr val="accent1">
+              <a:shade val="15000"/>
+            </a:schemeClr>
+          </a:lnRef>
+          <a:fillRef idx="1">
+            <a:schemeClr val="accent1"/>
+          </a:fillRef>
+          <a:effectRef idx="0">
+            <a:schemeClr val="accent1"/>
+          </a:effectRef>
+          <a:fontRef idx="minor">
+            <a:schemeClr val="lt1"/>
+          </a:fontRef>
+        </p:style>
+        <p:txBody>
+          <a:bodyPr rtlCol="0" anchor="ctr"/>
+          <a:lstStyle/>
+          <a:p>
+            <a:pPr algn="ctr"/>
+            <a:r>
+              <a:rPr lang="en-US" dirty="0">
+                <a:solidFill>
+                  <a:schemeClr val="tx1"/>
+                </a:solidFill>
+              </a:rPr>
+              <a:t>Icon</a:t>
+            </a:r>
+          </a:p>
+        </p:txBody>
+      </p:sp>
+      <p:sp>
+        <p:nvSpPr>
+          <p:cNvPr id="15" name="Rectangle 14">
+            <a:extLst>
+              <a:ext uri="{FF2B5EF4-FFF2-40B4-BE49-F238E27FC236}">
+                <a16:creationId xmlns:a16="http://schemas.microsoft.com/office/drawing/2014/main" id="{3A50FB45-299D-CFCB-9299-83463FE09ACA}"/>
+              </a:ext>
+            </a:extLst>
+          </p:cNvPr>
+          <p:cNvSpPr/>
+          <p:nvPr/>
+        </p:nvSpPr>
+        <p:spPr>
+          <a:xfrm>
+            <a:off x="7541367" y="1955249"/>
+            <a:ext cx="4261857" cy="3864526"/>
+          </a:xfrm>
+          <a:prstGeom prst="rect">
+            <a:avLst/>
+          </a:prstGeom>
+          <a:noFill/>
+          <a:ln w="25400">
+            <a:solidFill>
+              <a:schemeClr val="tx1"/>
+            </a:solidFill>
+          </a:ln>
+        </p:spPr>
+        <p:style>
+          <a:lnRef idx="2">
+            <a:schemeClr val="accent1">
+              <a:shade val="15000"/>
+            </a:schemeClr>
+          </a:lnRef>
+          <a:fillRef idx="1">
+            <a:schemeClr val="accent1"/>
+          </a:fillRef>
+          <a:effectRef idx="0">
+            <a:schemeClr val="accent1"/>
+          </a:effectRef>
+          <a:fontRef idx="minor">
+            <a:schemeClr val="lt1"/>
+          </a:fontRef>
+        </p:style>
+        <p:txBody>
+          <a:bodyPr rtlCol="0" anchor="ctr"/>
+          <a:lstStyle/>
+          <a:p>
+            <a:pPr algn="ctr"/>
+            <a:endParaRPr lang="en-US"/>
+          </a:p>
+        </p:txBody>
+      </p:sp>
+      <p:sp>
+        <p:nvSpPr>
+          <p:cNvPr id="16" name="Rectangle 15">
+            <a:extLst>
+              <a:ext uri="{FF2B5EF4-FFF2-40B4-BE49-F238E27FC236}">
+                <a16:creationId xmlns:a16="http://schemas.microsoft.com/office/drawing/2014/main" id="{1887AFA5-A401-56E2-8E21-D0568FF989BD}"/>
+              </a:ext>
+            </a:extLst>
+          </p:cNvPr>
+          <p:cNvSpPr/>
+          <p:nvPr/>
+        </p:nvSpPr>
+        <p:spPr>
+          <a:xfrm>
+            <a:off x="7704166" y="2142272"/>
+            <a:ext cx="1738417" cy="3429854"/>
+          </a:xfrm>
+          <a:prstGeom prst="rect">
+            <a:avLst/>
+          </a:prstGeom>
+          <a:noFill/>
+          <a:ln w="25400">
+            <a:solidFill>
+              <a:schemeClr val="tx1"/>
+            </a:solidFill>
+          </a:ln>
+        </p:spPr>
+        <p:style>
+          <a:lnRef idx="2">
+            <a:schemeClr val="accent1">
+              <a:shade val="15000"/>
+            </a:schemeClr>
+          </a:lnRef>
+          <a:fillRef idx="1">
+            <a:schemeClr val="accent1"/>
+          </a:fillRef>
+          <a:effectRef idx="0">
+            <a:schemeClr val="accent1"/>
+          </a:effectRef>
+          <a:fontRef idx="minor">
+            <a:schemeClr val="lt1"/>
+          </a:fontRef>
+        </p:style>
+        <p:txBody>
+          <a:bodyPr rtlCol="0" anchor="ctr"/>
+          <a:lstStyle/>
+          <a:p>
+            <a:pPr algn="ctr"/>
+            <a:r>
+              <a:rPr lang="en-US" dirty="0">
+                <a:solidFill>
+                  <a:schemeClr val="tx1"/>
+                </a:solidFill>
+              </a:rPr>
+              <a:t>News</a:t>
+            </a:r>
+          </a:p>
+        </p:txBody>
+      </p:sp>
+      <p:sp>
+        <p:nvSpPr>
+          <p:cNvPr id="17" name="Rectangle 16">
+            <a:extLst>
+              <a:ext uri="{FF2B5EF4-FFF2-40B4-BE49-F238E27FC236}">
+                <a16:creationId xmlns:a16="http://schemas.microsoft.com/office/drawing/2014/main" id="{B2CBEB13-986B-CD8D-5EED-9276C4F1629C}"/>
+              </a:ext>
+            </a:extLst>
+          </p:cNvPr>
+          <p:cNvSpPr/>
+          <p:nvPr/>
+        </p:nvSpPr>
+        <p:spPr>
+          <a:xfrm>
+            <a:off x="9798792" y="2142271"/>
+            <a:ext cx="1738417" cy="3460168"/>
+          </a:xfrm>
+          <a:prstGeom prst="rect">
+            <a:avLst/>
+          </a:prstGeom>
+          <a:noFill/>
+          <a:ln w="25400">
+            <a:solidFill>
+              <a:schemeClr val="tx1"/>
+            </a:solidFill>
+          </a:ln>
+        </p:spPr>
+        <p:style>
+          <a:lnRef idx="2">
+            <a:schemeClr val="accent1">
+              <a:shade val="15000"/>
+            </a:schemeClr>
+          </a:lnRef>
+          <a:fillRef idx="1">
+            <a:schemeClr val="accent1"/>
+          </a:fillRef>
+          <a:effectRef idx="0">
+            <a:schemeClr val="accent1"/>
+          </a:effectRef>
+          <a:fontRef idx="minor">
+            <a:schemeClr val="lt1"/>
+          </a:fontRef>
+        </p:style>
+        <p:txBody>
+          <a:bodyPr rtlCol="0" anchor="ctr"/>
+          <a:lstStyle/>
+          <a:p>
+            <a:pPr algn="ctr"/>
+            <a:r>
+              <a:rPr lang="en-US" dirty="0">
+                <a:solidFill>
+                  <a:schemeClr val="tx1"/>
+                </a:solidFill>
+              </a:rPr>
+              <a:t>Stats</a:t>
+            </a:r>
+          </a:p>
+        </p:txBody>
+      </p:sp>
+      <p:sp>
+        <p:nvSpPr>
+          <p:cNvPr id="25" name="Rectangle 24">
+            <a:extLst>
+              <a:ext uri="{FF2B5EF4-FFF2-40B4-BE49-F238E27FC236}">
+                <a16:creationId xmlns:a16="http://schemas.microsoft.com/office/drawing/2014/main" id="{3CA3BABA-1CBB-E45C-9230-F00CC4AAA22A}"/>
+              </a:ext>
+            </a:extLst>
+          </p:cNvPr>
+          <p:cNvSpPr/>
+          <p:nvPr/>
+        </p:nvSpPr>
+        <p:spPr>
+          <a:xfrm>
+            <a:off x="654791" y="2071914"/>
+            <a:ext cx="1678831" cy="452212"/>
+          </a:xfrm>
+          <a:prstGeom prst="rect">
+            <a:avLst/>
+          </a:prstGeom>
+          <a:noFill/>
+          <a:ln w="25400">
+            <a:solidFill>
+              <a:schemeClr val="tx1"/>
+            </a:solidFill>
+          </a:ln>
+        </p:spPr>
+        <p:style>
+          <a:lnRef idx="2">
+            <a:schemeClr val="accent1">
+              <a:shade val="15000"/>
+            </a:schemeClr>
+          </a:lnRef>
+          <a:fillRef idx="1">
+            <a:schemeClr val="accent1"/>
+          </a:fillRef>
+          <a:effectRef idx="0">
+            <a:schemeClr val="accent1"/>
+          </a:effectRef>
+          <a:fontRef idx="minor">
+            <a:schemeClr val="lt1"/>
+          </a:fontRef>
+        </p:style>
+        <p:txBody>
+          <a:bodyPr rtlCol="0" anchor="ctr"/>
+          <a:lstStyle/>
+          <a:p>
+            <a:pPr algn="ctr"/>
+            <a:r>
+              <a:rPr lang="en-US" dirty="0">
+                <a:solidFill>
+                  <a:schemeClr val="tx1"/>
+                </a:solidFill>
+              </a:rPr>
+              <a:t>Wish List</a:t>
+            </a:r>
+          </a:p>
+        </p:txBody>
+      </p:sp>
+      <p:sp>
+        <p:nvSpPr>
+          <p:cNvPr id="31" name="Rectangle 30">
+            <a:extLst>
+              <a:ext uri="{FF2B5EF4-FFF2-40B4-BE49-F238E27FC236}">
+                <a16:creationId xmlns:a16="http://schemas.microsoft.com/office/drawing/2014/main" id="{786CAA73-EF12-8B30-E98D-DBA2D52690D0}"/>
+              </a:ext>
+            </a:extLst>
+          </p:cNvPr>
+          <p:cNvSpPr/>
+          <p:nvPr/>
+        </p:nvSpPr>
+        <p:spPr>
+          <a:xfrm>
+            <a:off x="2641628" y="2095130"/>
+            <a:ext cx="3510305" cy="553303"/>
+          </a:xfrm>
+          <a:prstGeom prst="rect">
+            <a:avLst/>
+          </a:prstGeom>
+          <a:noFill/>
+          <a:ln w="25400">
+            <a:noFill/>
+          </a:ln>
+        </p:spPr>
+        <p:style>
+          <a:lnRef idx="2">
+            <a:schemeClr val="accent1">
+              <a:shade val="15000"/>
+            </a:schemeClr>
+          </a:lnRef>
+          <a:fillRef idx="1">
+            <a:schemeClr val="accent1"/>
+          </a:fillRef>
+          <a:effectRef idx="0">
+            <a:schemeClr val="accent1"/>
+          </a:effectRef>
+          <a:fontRef idx="minor">
+            <a:schemeClr val="lt1"/>
+          </a:fontRef>
+        </p:style>
+        <p:txBody>
+          <a:bodyPr rtlCol="0" anchor="ctr"/>
+          <a:lstStyle/>
+          <a:p>
+            <a:r>
+              <a:rPr lang="en-US" sz="1400" dirty="0">
+                <a:solidFill>
+                  <a:schemeClr val="tx1"/>
+                </a:solidFill>
+              </a:rPr>
+              <a:t>Search: </a:t>
+            </a:r>
+          </a:p>
+        </p:txBody>
+      </p:sp>
+      <p:sp>
+        <p:nvSpPr>
+          <p:cNvPr id="32" name="Rectangle 31">
+            <a:extLst>
+              <a:ext uri="{FF2B5EF4-FFF2-40B4-BE49-F238E27FC236}">
+                <a16:creationId xmlns:a16="http://schemas.microsoft.com/office/drawing/2014/main" id="{54D252BC-5B19-1CD4-328D-5B675A20C087}"/>
+              </a:ext>
+            </a:extLst>
+          </p:cNvPr>
+          <p:cNvSpPr/>
+          <p:nvPr/>
+        </p:nvSpPr>
+        <p:spPr>
+          <a:xfrm>
+            <a:off x="3929323" y="2190048"/>
+            <a:ext cx="2122184" cy="324190"/>
+          </a:xfrm>
+          <a:prstGeom prst="rect">
+            <a:avLst/>
+          </a:prstGeom>
+          <a:noFill/>
+          <a:ln w="25400">
+            <a:solidFill>
+              <a:schemeClr val="tx1"/>
+            </a:solidFill>
+          </a:ln>
+        </p:spPr>
+        <p:style>
+          <a:lnRef idx="2">
+            <a:schemeClr val="accent1">
+              <a:shade val="15000"/>
+            </a:schemeClr>
+          </a:lnRef>
+          <a:fillRef idx="1">
+            <a:schemeClr val="accent1"/>
+          </a:fillRef>
+          <a:effectRef idx="0">
+            <a:schemeClr val="accent1"/>
+          </a:effectRef>
+          <a:fontRef idx="minor">
+            <a:schemeClr val="lt1"/>
+          </a:fontRef>
+        </p:style>
+        <p:txBody>
+          <a:bodyPr rtlCol="0" anchor="ctr"/>
+          <a:lstStyle/>
+          <a:p>
+            <a:pPr algn="ctr"/>
+            <a:endParaRPr lang="en-US" sz="1400" dirty="0">
+              <a:solidFill>
+                <a:schemeClr val="tx1"/>
+              </a:solidFill>
+            </a:endParaRPr>
+          </a:p>
+        </p:txBody>
+      </p:sp>
+      <p:sp>
+        <p:nvSpPr>
+          <p:cNvPr id="44" name="Rectangle 43">
+            <a:extLst>
+              <a:ext uri="{FF2B5EF4-FFF2-40B4-BE49-F238E27FC236}">
+                <a16:creationId xmlns:a16="http://schemas.microsoft.com/office/drawing/2014/main" id="{4A21AAD5-5690-B887-C92D-25212698665D}"/>
+              </a:ext>
+            </a:extLst>
+          </p:cNvPr>
+          <p:cNvSpPr/>
+          <p:nvPr/>
+        </p:nvSpPr>
+        <p:spPr>
+          <a:xfrm>
+            <a:off x="654791" y="2721877"/>
+            <a:ext cx="6441334" cy="2450197"/>
+          </a:xfrm>
+          <a:prstGeom prst="rect">
+            <a:avLst/>
+          </a:prstGeom>
+          <a:noFill/>
+          <a:ln w="25400">
+            <a:solidFill>
+              <a:schemeClr val="tx1"/>
+            </a:solidFill>
+          </a:ln>
+        </p:spPr>
+        <p:style>
+          <a:lnRef idx="2">
+            <a:schemeClr val="accent1">
+              <a:shade val="15000"/>
+            </a:schemeClr>
+          </a:lnRef>
+          <a:fillRef idx="1">
+            <a:schemeClr val="accent1"/>
+          </a:fillRef>
+          <a:effectRef idx="0">
+            <a:schemeClr val="accent1"/>
+          </a:effectRef>
+          <a:fontRef idx="minor">
+            <a:schemeClr val="lt1"/>
+          </a:fontRef>
+        </p:style>
+        <p:txBody>
+          <a:bodyPr rtlCol="0" anchor="ctr"/>
+          <a:lstStyle/>
+          <a:p>
+            <a:pPr algn="ctr"/>
+            <a:endParaRPr lang="en-US" dirty="0">
+              <a:solidFill>
+                <a:schemeClr val="tx1"/>
+              </a:solidFill>
+            </a:endParaRPr>
+          </a:p>
+        </p:txBody>
+      </p:sp>
+      <p:sp>
+        <p:nvSpPr>
+          <p:cNvPr id="45" name="Action Button: Go Forward or Next 44">
+            <a:hlinkClick r:id="" action="ppaction://noaction" highlightClick="1"/>
+            <a:extLst>
+              <a:ext uri="{FF2B5EF4-FFF2-40B4-BE49-F238E27FC236}">
+                <a16:creationId xmlns:a16="http://schemas.microsoft.com/office/drawing/2014/main" id="{A102EF7D-2FA2-CCBC-1EF3-EFB38AE1ED73}"/>
+              </a:ext>
+            </a:extLst>
+          </p:cNvPr>
+          <p:cNvSpPr/>
+          <p:nvPr/>
+        </p:nvSpPr>
+        <p:spPr>
+          <a:xfrm rot="10800000">
+            <a:off x="678183" y="5346433"/>
+            <a:ext cx="242899" cy="289683"/>
+          </a:xfrm>
+          <a:prstGeom prst="actionButtonForwardNext">
+            <a:avLst/>
+          </a:prstGeom>
+          <a:noFill/>
+          <a:ln w="25400"/>
+        </p:spPr>
+        <p:style>
+          <a:lnRef idx="2">
+            <a:schemeClr val="accent1">
+              <a:shade val="15000"/>
+            </a:schemeClr>
+          </a:lnRef>
+          <a:fillRef idx="1">
+            <a:schemeClr val="accent1"/>
+          </a:fillRef>
+          <a:effectRef idx="0">
+            <a:schemeClr val="accent1"/>
+          </a:effectRef>
+          <a:fontRef idx="minor">
+            <a:schemeClr val="lt1"/>
+          </a:fontRef>
+        </p:style>
+        <p:txBody>
+          <a:bodyPr rtlCol="0" anchor="ctr"/>
+          <a:lstStyle/>
+          <a:p>
+            <a:pPr algn="ctr"/>
+            <a:endParaRPr lang="en-US"/>
+          </a:p>
+        </p:txBody>
+      </p:sp>
+      <p:sp>
+        <p:nvSpPr>
+          <p:cNvPr id="46" name="Action Button: Go Forward or Next 45">
+            <a:hlinkClick r:id="" action="ppaction://noaction" highlightClick="1"/>
+            <a:extLst>
+              <a:ext uri="{FF2B5EF4-FFF2-40B4-BE49-F238E27FC236}">
+                <a16:creationId xmlns:a16="http://schemas.microsoft.com/office/drawing/2014/main" id="{798EFA94-8CC2-C550-007F-74A6823C4E22}"/>
+              </a:ext>
+            </a:extLst>
+          </p:cNvPr>
+          <p:cNvSpPr/>
+          <p:nvPr/>
+        </p:nvSpPr>
+        <p:spPr>
+          <a:xfrm>
+            <a:off x="6852416" y="5312756"/>
+            <a:ext cx="242899" cy="289683"/>
+          </a:xfrm>
+          <a:prstGeom prst="actionButtonForwardNext">
+            <a:avLst/>
+          </a:prstGeom>
+          <a:noFill/>
+          <a:ln w="25400"/>
+        </p:spPr>
+        <p:style>
+          <a:lnRef idx="2">
+            <a:schemeClr val="accent1">
+              <a:shade val="15000"/>
+            </a:schemeClr>
+          </a:lnRef>
+          <a:fillRef idx="1">
+            <a:schemeClr val="accent1"/>
+          </a:fillRef>
+          <a:effectRef idx="0">
+            <a:schemeClr val="accent1"/>
+          </a:effectRef>
+          <a:fontRef idx="minor">
+            <a:schemeClr val="lt1"/>
+          </a:fontRef>
+        </p:style>
+        <p:txBody>
+          <a:bodyPr rtlCol="0" anchor="ctr"/>
+          <a:lstStyle/>
+          <a:p>
+            <a:pPr algn="ctr"/>
+            <a:endParaRPr lang="en-US"/>
+          </a:p>
+        </p:txBody>
+      </p:sp>
+      <p:sp>
+        <p:nvSpPr>
+          <p:cNvPr id="47" name="Rectangle 46">
+            <a:extLst>
+              <a:ext uri="{FF2B5EF4-FFF2-40B4-BE49-F238E27FC236}">
+                <a16:creationId xmlns:a16="http://schemas.microsoft.com/office/drawing/2014/main" id="{F414C49E-F10B-0226-4CBA-DBE9874D0E42}"/>
+              </a:ext>
+            </a:extLst>
+          </p:cNvPr>
+          <p:cNvSpPr/>
+          <p:nvPr/>
+        </p:nvSpPr>
+        <p:spPr>
+          <a:xfrm>
+            <a:off x="3152774" y="5270301"/>
+            <a:ext cx="1678831" cy="452212"/>
+          </a:xfrm>
+          <a:prstGeom prst="rect">
+            <a:avLst/>
+          </a:prstGeom>
+          <a:noFill/>
+          <a:ln w="25400">
+            <a:solidFill>
+              <a:schemeClr val="tx1"/>
+            </a:solidFill>
+          </a:ln>
+        </p:spPr>
+        <p:style>
+          <a:lnRef idx="2">
+            <a:schemeClr val="accent1">
+              <a:shade val="15000"/>
+            </a:schemeClr>
+          </a:lnRef>
+          <a:fillRef idx="1">
+            <a:schemeClr val="accent1"/>
+          </a:fillRef>
+          <a:effectRef idx="0">
+            <a:schemeClr val="accent1"/>
+          </a:effectRef>
+          <a:fontRef idx="minor">
+            <a:schemeClr val="lt1"/>
+          </a:fontRef>
+        </p:style>
+        <p:txBody>
+          <a:bodyPr rtlCol="0" anchor="ctr"/>
+          <a:lstStyle/>
+          <a:p>
+            <a:pPr algn="ctr"/>
+            <a:r>
+              <a:rPr lang="en-US" dirty="0">
+                <a:solidFill>
+                  <a:schemeClr val="tx1"/>
+                </a:solidFill>
+              </a:rPr>
+              <a:t>1 2 3 ...</a:t>
+            </a:r>
+          </a:p>
+        </p:txBody>
+      </p:sp>
+      <p:sp>
+        <p:nvSpPr>
+          <p:cNvPr id="48" name="Rectangle 47">
+            <a:extLst>
+              <a:ext uri="{FF2B5EF4-FFF2-40B4-BE49-F238E27FC236}">
+                <a16:creationId xmlns:a16="http://schemas.microsoft.com/office/drawing/2014/main" id="{9D6F46F6-D806-C793-5A22-5F53DEBCAB3A}"/>
+              </a:ext>
+            </a:extLst>
+          </p:cNvPr>
+          <p:cNvSpPr/>
+          <p:nvPr/>
+        </p:nvSpPr>
+        <p:spPr>
+          <a:xfrm>
+            <a:off x="750042" y="2854250"/>
+            <a:ext cx="3510305" cy="553303"/>
+          </a:xfrm>
+          <a:prstGeom prst="rect">
+            <a:avLst/>
+          </a:prstGeom>
+          <a:noFill/>
+          <a:ln w="25400">
+            <a:noFill/>
+          </a:ln>
+        </p:spPr>
+        <p:style>
+          <a:lnRef idx="2">
+            <a:schemeClr val="accent1">
+              <a:shade val="15000"/>
+            </a:schemeClr>
+          </a:lnRef>
+          <a:fillRef idx="1">
+            <a:schemeClr val="accent1"/>
+          </a:fillRef>
+          <a:effectRef idx="0">
+            <a:schemeClr val="accent1"/>
+          </a:effectRef>
+          <a:fontRef idx="minor">
+            <a:schemeClr val="lt1"/>
+          </a:fontRef>
+        </p:style>
+        <p:txBody>
+          <a:bodyPr rtlCol="0" anchor="ctr"/>
+          <a:lstStyle/>
+          <a:p>
+            <a:r>
+              <a:rPr lang="en-US" sz="1100" dirty="0">
+                <a:solidFill>
+                  <a:schemeClr val="tx1"/>
+                </a:solidFill>
+              </a:rPr>
+              <a:t>Book ID:   ________________________</a:t>
+            </a:r>
+          </a:p>
+        </p:txBody>
+      </p:sp>
+      <p:sp>
+        <p:nvSpPr>
+          <p:cNvPr id="49" name="Rectangle 48">
+            <a:extLst>
+              <a:ext uri="{FF2B5EF4-FFF2-40B4-BE49-F238E27FC236}">
+                <a16:creationId xmlns:a16="http://schemas.microsoft.com/office/drawing/2014/main" id="{20C12BB5-191D-8F11-6BBC-56E542133D6A}"/>
+              </a:ext>
+            </a:extLst>
+          </p:cNvPr>
+          <p:cNvSpPr/>
+          <p:nvPr/>
+        </p:nvSpPr>
+        <p:spPr>
+          <a:xfrm>
+            <a:off x="750040" y="3159543"/>
+            <a:ext cx="3510305" cy="553303"/>
+          </a:xfrm>
+          <a:prstGeom prst="rect">
+            <a:avLst/>
+          </a:prstGeom>
+          <a:noFill/>
+          <a:ln w="25400">
+            <a:noFill/>
+          </a:ln>
+        </p:spPr>
+        <p:style>
+          <a:lnRef idx="2">
+            <a:schemeClr val="accent1">
+              <a:shade val="15000"/>
+            </a:schemeClr>
+          </a:lnRef>
+          <a:fillRef idx="1">
+            <a:schemeClr val="accent1"/>
+          </a:fillRef>
+          <a:effectRef idx="0">
+            <a:schemeClr val="accent1"/>
+          </a:effectRef>
+          <a:fontRef idx="minor">
+            <a:schemeClr val="lt1"/>
+          </a:fontRef>
+        </p:style>
+        <p:txBody>
+          <a:bodyPr rtlCol="0" anchor="ctr"/>
+          <a:lstStyle/>
+          <a:p>
+            <a:r>
+              <a:rPr lang="en-US" sz="1100" dirty="0">
+                <a:solidFill>
+                  <a:schemeClr val="tx1"/>
+                </a:solidFill>
+              </a:rPr>
+              <a:t>Title:   ________________________</a:t>
+            </a:r>
+          </a:p>
+        </p:txBody>
+      </p:sp>
+      <p:sp>
+        <p:nvSpPr>
+          <p:cNvPr id="52" name="Rectangle 51">
+            <a:extLst>
+              <a:ext uri="{FF2B5EF4-FFF2-40B4-BE49-F238E27FC236}">
+                <a16:creationId xmlns:a16="http://schemas.microsoft.com/office/drawing/2014/main" id="{083DDEF3-71A9-1FB1-D598-B6ACE3690E36}"/>
+              </a:ext>
+            </a:extLst>
+          </p:cNvPr>
+          <p:cNvSpPr/>
+          <p:nvPr/>
+        </p:nvSpPr>
+        <p:spPr>
+          <a:xfrm>
+            <a:off x="3875459" y="2957226"/>
+            <a:ext cx="1363292" cy="1748123"/>
+          </a:xfrm>
+          <a:prstGeom prst="rect">
+            <a:avLst/>
+          </a:prstGeom>
+          <a:noFill/>
+          <a:ln w="12700">
+            <a:solidFill>
+              <a:schemeClr val="tx1"/>
+            </a:solidFill>
+          </a:ln>
+        </p:spPr>
+        <p:style>
+          <a:lnRef idx="2">
+            <a:schemeClr val="accent1">
+              <a:shade val="15000"/>
+            </a:schemeClr>
+          </a:lnRef>
+          <a:fillRef idx="1">
+            <a:schemeClr val="accent1"/>
+          </a:fillRef>
+          <a:effectRef idx="0">
+            <a:schemeClr val="accent1"/>
+          </a:effectRef>
+          <a:fontRef idx="minor">
+            <a:schemeClr val="lt1"/>
+          </a:fontRef>
+        </p:style>
+        <p:txBody>
+          <a:bodyPr rtlCol="0" anchor="ctr"/>
+          <a:lstStyle/>
+          <a:p>
+            <a:pPr algn="ctr"/>
+            <a:r>
+              <a:rPr lang="en-US" dirty="0">
+                <a:solidFill>
+                  <a:schemeClr val="tx1"/>
+                </a:solidFill>
+              </a:rPr>
+              <a:t>Cover</a:t>
+            </a:r>
+          </a:p>
+          <a:p>
+            <a:pPr algn="ctr"/>
+            <a:r>
+              <a:rPr lang="en-US" dirty="0">
+                <a:solidFill>
+                  <a:schemeClr val="tx1"/>
+                </a:solidFill>
+              </a:rPr>
+              <a:t>Image</a:t>
+            </a:r>
+          </a:p>
+        </p:txBody>
+      </p:sp>
+    </p:spTree>
+    <p:extLst>
+      <p:ext uri="{BB962C8B-B14F-4D97-AF65-F5344CB8AC3E}">
+        <p14:creationId xmlns:p14="http://schemas.microsoft.com/office/powerpoint/2010/main" val="972443192"/>
+      </p:ext>
+    </p:extLst>
+  </p:cSld>
+  <p:clrMapOvr>
+    <a:masterClrMapping/>
+  </p:clrMapOvr>
+</p:sld>
+</file>
+
+<file path=ppt/slides/slide6.xml><?xml version="1.0" encoding="utf-8"?>
+<p:sld xmlns:a="http://schemas.openxmlformats.org/drawingml/2006/main" xmlns:r="http://schemas.openxmlformats.org/officeDocument/2006/relationships" xmlns:p="http://schemas.openxmlformats.org/presentationml/2006/main">
+  <p:cSld>
+    <p:spTree>
+      <p:nvGrpSpPr>
+        <p:cNvPr id="1" name=""/>
+        <p:cNvGrpSpPr/>
+        <p:nvPr/>
+      </p:nvGrpSpPr>
+      <p:grpSpPr>
+        <a:xfrm>
+          <a:off x="0" y="0"/>
+          <a:ext cx="0" cy="0"/>
+          <a:chOff x="0" y="0"/>
+          <a:chExt cx="0" cy="0"/>
+        </a:xfrm>
+      </p:grpSpPr>
+      <p:sp>
+        <p:nvSpPr>
+          <p:cNvPr id="5" name="Rectangle 4">
+            <a:extLst>
+              <a:ext uri="{FF2B5EF4-FFF2-40B4-BE49-F238E27FC236}">
+                <a16:creationId xmlns:a16="http://schemas.microsoft.com/office/drawing/2014/main" id="{7016C9DD-C8E4-F428-80B6-273BCA60D253}"/>
+              </a:ext>
+            </a:extLst>
+          </p:cNvPr>
+          <p:cNvSpPr/>
+          <p:nvPr/>
+        </p:nvSpPr>
+        <p:spPr>
+          <a:xfrm>
+            <a:off x="457200" y="205273"/>
+            <a:ext cx="11346024" cy="1474237"/>
+          </a:xfrm>
+          <a:prstGeom prst="rect">
+            <a:avLst/>
+          </a:prstGeom>
+          <a:noFill/>
+          <a:ln w="25400">
+            <a:solidFill>
+              <a:schemeClr val="tx1"/>
+            </a:solidFill>
+          </a:ln>
+        </p:spPr>
+        <p:style>
+          <a:lnRef idx="2">
+            <a:schemeClr val="accent1">
+              <a:shade val="15000"/>
+            </a:schemeClr>
+          </a:lnRef>
+          <a:fillRef idx="1">
+            <a:schemeClr val="accent1"/>
+          </a:fillRef>
+          <a:effectRef idx="0">
+            <a:schemeClr val="accent1"/>
+          </a:effectRef>
+          <a:fontRef idx="minor">
+            <a:schemeClr val="lt1"/>
+          </a:fontRef>
+        </p:style>
+        <p:txBody>
+          <a:bodyPr rtlCol="0" anchor="ctr"/>
+          <a:lstStyle/>
+          <a:p>
+            <a:pPr algn="ctr"/>
+            <a:r>
+              <a:rPr lang="en-US" sz="4000" dirty="0" err="1">
+                <a:solidFill>
+                  <a:schemeClr val="tx1"/>
+                </a:solidFill>
+              </a:rPr>
+              <a:t>Whatabook</a:t>
+            </a:r>
+            <a:endParaRPr lang="en-US" sz="4000" dirty="0">
+              <a:solidFill>
+                <a:schemeClr val="tx1"/>
+              </a:solidFill>
+            </a:endParaRPr>
+          </a:p>
+        </p:txBody>
+      </p:sp>
+      <p:sp>
+        <p:nvSpPr>
+          <p:cNvPr id="8" name="Rectangle 7">
+            <a:extLst>
+              <a:ext uri="{FF2B5EF4-FFF2-40B4-BE49-F238E27FC236}">
+                <a16:creationId xmlns:a16="http://schemas.microsoft.com/office/drawing/2014/main" id="{5E68232D-6438-B66D-F346-5F8B91E8455B}"/>
+              </a:ext>
+            </a:extLst>
+          </p:cNvPr>
+          <p:cNvSpPr/>
+          <p:nvPr/>
+        </p:nvSpPr>
+        <p:spPr>
+          <a:xfrm>
+            <a:off x="457200" y="1955249"/>
+            <a:ext cx="6867526" cy="3864526"/>
+          </a:xfrm>
+          <a:prstGeom prst="rect">
+            <a:avLst/>
+          </a:prstGeom>
+          <a:noFill/>
+          <a:ln w="25400">
+            <a:solidFill>
+              <a:schemeClr val="tx1"/>
+            </a:solidFill>
+          </a:ln>
+        </p:spPr>
+        <p:style>
+          <a:lnRef idx="2">
+            <a:schemeClr val="accent1">
+              <a:shade val="15000"/>
+            </a:schemeClr>
+          </a:lnRef>
+          <a:fillRef idx="1">
+            <a:schemeClr val="accent1"/>
+          </a:fillRef>
+          <a:effectRef idx="0">
+            <a:schemeClr val="accent1"/>
+          </a:effectRef>
+          <a:fontRef idx="minor">
+            <a:schemeClr val="lt1"/>
+          </a:fontRef>
+        </p:style>
+        <p:txBody>
+          <a:bodyPr rtlCol="0" anchor="ctr"/>
+          <a:lstStyle/>
+          <a:p>
+            <a:pPr algn="ctr"/>
+            <a:endParaRPr lang="en-US"/>
+          </a:p>
+        </p:txBody>
+      </p:sp>
+      <p:sp>
+        <p:nvSpPr>
+          <p:cNvPr id="10" name="Rectangle 9">
+            <a:extLst>
+              <a:ext uri="{FF2B5EF4-FFF2-40B4-BE49-F238E27FC236}">
+                <a16:creationId xmlns:a16="http://schemas.microsoft.com/office/drawing/2014/main" id="{78C50790-6831-F9E4-BB16-C372B630433D}"/>
+              </a:ext>
+            </a:extLst>
+          </p:cNvPr>
+          <p:cNvSpPr/>
+          <p:nvPr/>
+        </p:nvSpPr>
+        <p:spPr>
+          <a:xfrm>
+            <a:off x="457200" y="6095514"/>
+            <a:ext cx="11346024" cy="476736"/>
+          </a:xfrm>
+          <a:prstGeom prst="rect">
+            <a:avLst/>
+          </a:prstGeom>
+          <a:noFill/>
+          <a:ln w="25400">
+            <a:solidFill>
+              <a:schemeClr val="tx1"/>
+            </a:solidFill>
+          </a:ln>
+        </p:spPr>
+        <p:style>
+          <a:lnRef idx="2">
+            <a:schemeClr val="accent1">
+              <a:shade val="15000"/>
+            </a:schemeClr>
+          </a:lnRef>
+          <a:fillRef idx="1">
+            <a:schemeClr val="accent1"/>
+          </a:fillRef>
+          <a:effectRef idx="0">
+            <a:schemeClr val="accent1"/>
+          </a:effectRef>
+          <a:fontRef idx="minor">
+            <a:schemeClr val="lt1"/>
+          </a:fontRef>
+        </p:style>
+        <p:txBody>
+          <a:bodyPr rtlCol="0" anchor="ctr"/>
+          <a:lstStyle/>
+          <a:p>
+            <a:pPr algn="ctr"/>
+            <a:r>
+              <a:rPr lang="en-US" dirty="0">
+                <a:solidFill>
+                  <a:schemeClr val="tx1"/>
+                </a:solidFill>
+              </a:rPr>
+              <a:t>Footer</a:t>
+            </a:r>
+          </a:p>
+        </p:txBody>
+      </p:sp>
+      <p:sp>
+        <p:nvSpPr>
+          <p:cNvPr id="2" name="Rectangle 1">
+            <a:extLst>
+              <a:ext uri="{FF2B5EF4-FFF2-40B4-BE49-F238E27FC236}">
+                <a16:creationId xmlns:a16="http://schemas.microsoft.com/office/drawing/2014/main" id="{7A92579C-89AB-3D91-B46F-166E00A4CAF7}"/>
+              </a:ext>
+            </a:extLst>
+          </p:cNvPr>
+          <p:cNvSpPr/>
+          <p:nvPr/>
+        </p:nvSpPr>
+        <p:spPr>
+          <a:xfrm>
+            <a:off x="7847045" y="456664"/>
+            <a:ext cx="3694923" cy="971453"/>
+          </a:xfrm>
+          <a:prstGeom prst="rect">
+            <a:avLst/>
+          </a:prstGeom>
+          <a:noFill/>
+          <a:ln w="25400">
+            <a:solidFill>
+              <a:schemeClr val="tx1"/>
+            </a:solidFill>
+          </a:ln>
+        </p:spPr>
+        <p:style>
+          <a:lnRef idx="2">
+            <a:schemeClr val="accent1">
+              <a:shade val="15000"/>
+            </a:schemeClr>
+          </a:lnRef>
+          <a:fillRef idx="1">
+            <a:schemeClr val="accent1"/>
+          </a:fillRef>
+          <a:effectRef idx="0">
+            <a:schemeClr val="accent1"/>
+          </a:effectRef>
+          <a:fontRef idx="minor">
+            <a:schemeClr val="lt1"/>
+          </a:fontRef>
+        </p:style>
+        <p:txBody>
+          <a:bodyPr rtlCol="0" anchor="ctr"/>
+          <a:lstStyle/>
+          <a:p>
+            <a:pPr algn="ctr"/>
+            <a:r>
+              <a:rPr lang="en-US" dirty="0">
+                <a:solidFill>
+                  <a:schemeClr val="tx1"/>
+                </a:solidFill>
+              </a:rPr>
+              <a:t>Login </a:t>
+            </a:r>
+          </a:p>
+        </p:txBody>
+      </p:sp>
+      <p:sp>
+        <p:nvSpPr>
+          <p:cNvPr id="3" name="Rectangle 2">
+            <a:extLst>
+              <a:ext uri="{FF2B5EF4-FFF2-40B4-BE49-F238E27FC236}">
+                <a16:creationId xmlns:a16="http://schemas.microsoft.com/office/drawing/2014/main" id="{CDDC1A2D-62DE-DDCC-72C5-1DD749ECB65D}"/>
+              </a:ext>
+            </a:extLst>
+          </p:cNvPr>
+          <p:cNvSpPr/>
+          <p:nvPr/>
+        </p:nvSpPr>
+        <p:spPr>
+          <a:xfrm>
+            <a:off x="10534650" y="589697"/>
+            <a:ext cx="854918" cy="705386"/>
+          </a:xfrm>
+          <a:prstGeom prst="rect">
+            <a:avLst/>
+          </a:prstGeom>
+          <a:noFill/>
+          <a:ln w="25400">
+            <a:solidFill>
+              <a:schemeClr val="tx1"/>
+            </a:solidFill>
+          </a:ln>
+        </p:spPr>
+        <p:style>
+          <a:lnRef idx="2">
+            <a:schemeClr val="accent1">
+              <a:shade val="15000"/>
+            </a:schemeClr>
+          </a:lnRef>
+          <a:fillRef idx="1">
+            <a:schemeClr val="accent1"/>
+          </a:fillRef>
+          <a:effectRef idx="0">
+            <a:schemeClr val="accent1"/>
+          </a:effectRef>
+          <a:fontRef idx="minor">
+            <a:schemeClr val="lt1"/>
+          </a:fontRef>
+        </p:style>
+        <p:txBody>
+          <a:bodyPr rtlCol="0" anchor="ctr"/>
+          <a:lstStyle/>
+          <a:p>
+            <a:pPr algn="ctr"/>
+            <a:r>
+              <a:rPr lang="en-US" dirty="0">
+                <a:solidFill>
+                  <a:schemeClr val="tx1"/>
+                </a:solidFill>
+              </a:rPr>
+              <a:t>Avatar</a:t>
+            </a:r>
+          </a:p>
+        </p:txBody>
+      </p:sp>
+      <p:sp>
+        <p:nvSpPr>
+          <p:cNvPr id="4" name="Rectangle 3">
+            <a:extLst>
+              <a:ext uri="{FF2B5EF4-FFF2-40B4-BE49-F238E27FC236}">
+                <a16:creationId xmlns:a16="http://schemas.microsoft.com/office/drawing/2014/main" id="{7DC4D39F-838E-19B1-EF5C-30117EFC2956}"/>
+              </a:ext>
+            </a:extLst>
+          </p:cNvPr>
+          <p:cNvSpPr/>
+          <p:nvPr/>
+        </p:nvSpPr>
+        <p:spPr>
+          <a:xfrm>
+            <a:off x="635743" y="341511"/>
+            <a:ext cx="2517031" cy="1086606"/>
+          </a:xfrm>
+          <a:prstGeom prst="rect">
+            <a:avLst/>
+          </a:prstGeom>
+          <a:noFill/>
+          <a:ln w="25400">
+            <a:solidFill>
+              <a:schemeClr val="tx1"/>
+            </a:solidFill>
+          </a:ln>
+        </p:spPr>
+        <p:style>
+          <a:lnRef idx="2">
+            <a:schemeClr val="accent1">
+              <a:shade val="15000"/>
+            </a:schemeClr>
+          </a:lnRef>
+          <a:fillRef idx="1">
+            <a:schemeClr val="accent1"/>
+          </a:fillRef>
+          <a:effectRef idx="0">
+            <a:schemeClr val="accent1"/>
+          </a:effectRef>
+          <a:fontRef idx="minor">
+            <a:schemeClr val="lt1"/>
+          </a:fontRef>
+        </p:style>
+        <p:txBody>
+          <a:bodyPr rtlCol="0" anchor="ctr"/>
+          <a:lstStyle/>
+          <a:p>
+            <a:pPr algn="ctr"/>
+            <a:r>
+              <a:rPr lang="en-US" dirty="0">
+                <a:solidFill>
+                  <a:schemeClr val="tx1"/>
+                </a:solidFill>
+              </a:rPr>
+              <a:t>Icon</a:t>
+            </a:r>
+          </a:p>
+        </p:txBody>
+      </p:sp>
+      <p:sp>
+        <p:nvSpPr>
+          <p:cNvPr id="15" name="Rectangle 14">
+            <a:extLst>
+              <a:ext uri="{FF2B5EF4-FFF2-40B4-BE49-F238E27FC236}">
+                <a16:creationId xmlns:a16="http://schemas.microsoft.com/office/drawing/2014/main" id="{3A50FB45-299D-CFCB-9299-83463FE09ACA}"/>
+              </a:ext>
+            </a:extLst>
+          </p:cNvPr>
+          <p:cNvSpPr/>
+          <p:nvPr/>
+        </p:nvSpPr>
+        <p:spPr>
+          <a:xfrm>
+            <a:off x="7541367" y="1955249"/>
+            <a:ext cx="4261857" cy="3864526"/>
+          </a:xfrm>
+          <a:prstGeom prst="rect">
+            <a:avLst/>
+          </a:prstGeom>
+          <a:noFill/>
+          <a:ln w="25400">
+            <a:solidFill>
+              <a:schemeClr val="tx1"/>
+            </a:solidFill>
+          </a:ln>
+        </p:spPr>
+        <p:style>
+          <a:lnRef idx="2">
+            <a:schemeClr val="accent1">
+              <a:shade val="15000"/>
+            </a:schemeClr>
+          </a:lnRef>
+          <a:fillRef idx="1">
+            <a:schemeClr val="accent1"/>
+          </a:fillRef>
+          <a:effectRef idx="0">
+            <a:schemeClr val="accent1"/>
+          </a:effectRef>
+          <a:fontRef idx="minor">
+            <a:schemeClr val="lt1"/>
+          </a:fontRef>
+        </p:style>
+        <p:txBody>
+          <a:bodyPr rtlCol="0" anchor="ctr"/>
+          <a:lstStyle/>
+          <a:p>
+            <a:pPr algn="ctr"/>
+            <a:endParaRPr lang="en-US"/>
+          </a:p>
+        </p:txBody>
+      </p:sp>
+      <p:sp>
+        <p:nvSpPr>
+          <p:cNvPr id="16" name="Rectangle 15">
+            <a:extLst>
+              <a:ext uri="{FF2B5EF4-FFF2-40B4-BE49-F238E27FC236}">
+                <a16:creationId xmlns:a16="http://schemas.microsoft.com/office/drawing/2014/main" id="{1887AFA5-A401-56E2-8E21-D0568FF989BD}"/>
+              </a:ext>
+            </a:extLst>
+          </p:cNvPr>
+          <p:cNvSpPr/>
+          <p:nvPr/>
+        </p:nvSpPr>
+        <p:spPr>
+          <a:xfrm>
+            <a:off x="7704166" y="2142272"/>
+            <a:ext cx="1738417" cy="3429854"/>
+          </a:xfrm>
+          <a:prstGeom prst="rect">
+            <a:avLst/>
+          </a:prstGeom>
+          <a:noFill/>
+          <a:ln w="25400">
+            <a:solidFill>
+              <a:schemeClr val="tx1"/>
+            </a:solidFill>
+          </a:ln>
+        </p:spPr>
+        <p:style>
+          <a:lnRef idx="2">
+            <a:schemeClr val="accent1">
+              <a:shade val="15000"/>
+            </a:schemeClr>
+          </a:lnRef>
+          <a:fillRef idx="1">
+            <a:schemeClr val="accent1"/>
+          </a:fillRef>
+          <a:effectRef idx="0">
+            <a:schemeClr val="accent1"/>
+          </a:effectRef>
+          <a:fontRef idx="minor">
+            <a:schemeClr val="lt1"/>
+          </a:fontRef>
+        </p:style>
+        <p:txBody>
+          <a:bodyPr rtlCol="0" anchor="ctr"/>
+          <a:lstStyle/>
+          <a:p>
+            <a:pPr algn="ctr"/>
+            <a:r>
+              <a:rPr lang="en-US" dirty="0">
+                <a:solidFill>
+                  <a:schemeClr val="tx1"/>
+                </a:solidFill>
+              </a:rPr>
+              <a:t>News</a:t>
+            </a:r>
+          </a:p>
+        </p:txBody>
+      </p:sp>
+      <p:sp>
+        <p:nvSpPr>
+          <p:cNvPr id="17" name="Rectangle 16">
+            <a:extLst>
+              <a:ext uri="{FF2B5EF4-FFF2-40B4-BE49-F238E27FC236}">
+                <a16:creationId xmlns:a16="http://schemas.microsoft.com/office/drawing/2014/main" id="{B2CBEB13-986B-CD8D-5EED-9276C4F1629C}"/>
+              </a:ext>
+            </a:extLst>
+          </p:cNvPr>
+          <p:cNvSpPr/>
+          <p:nvPr/>
+        </p:nvSpPr>
+        <p:spPr>
+          <a:xfrm>
+            <a:off x="9798792" y="2142271"/>
+            <a:ext cx="1738417" cy="3460168"/>
+          </a:xfrm>
+          <a:prstGeom prst="rect">
+            <a:avLst/>
+          </a:prstGeom>
+          <a:noFill/>
+          <a:ln w="25400">
+            <a:solidFill>
+              <a:schemeClr val="tx1"/>
+            </a:solidFill>
+          </a:ln>
+        </p:spPr>
+        <p:style>
+          <a:lnRef idx="2">
+            <a:schemeClr val="accent1">
+              <a:shade val="15000"/>
+            </a:schemeClr>
+          </a:lnRef>
+          <a:fillRef idx="1">
+            <a:schemeClr val="accent1"/>
+          </a:fillRef>
+          <a:effectRef idx="0">
+            <a:schemeClr val="accent1"/>
+          </a:effectRef>
+          <a:fontRef idx="minor">
+            <a:schemeClr val="lt1"/>
+          </a:fontRef>
+        </p:style>
+        <p:txBody>
+          <a:bodyPr rtlCol="0" anchor="ctr"/>
+          <a:lstStyle/>
+          <a:p>
+            <a:pPr algn="ctr"/>
+            <a:r>
+              <a:rPr lang="en-US" dirty="0">
+                <a:solidFill>
+                  <a:schemeClr val="tx1"/>
+                </a:solidFill>
+              </a:rPr>
+              <a:t>Stats</a:t>
+            </a:r>
+          </a:p>
+        </p:txBody>
+      </p:sp>
+      <p:sp>
+        <p:nvSpPr>
+          <p:cNvPr id="25" name="Rectangle 24">
+            <a:extLst>
+              <a:ext uri="{FF2B5EF4-FFF2-40B4-BE49-F238E27FC236}">
+                <a16:creationId xmlns:a16="http://schemas.microsoft.com/office/drawing/2014/main" id="{3CA3BABA-1CBB-E45C-9230-F00CC4AAA22A}"/>
+              </a:ext>
+            </a:extLst>
+          </p:cNvPr>
+          <p:cNvSpPr/>
+          <p:nvPr/>
+        </p:nvSpPr>
+        <p:spPr>
+          <a:xfrm>
+            <a:off x="654791" y="2071914"/>
+            <a:ext cx="1678831" cy="452212"/>
+          </a:xfrm>
+          <a:prstGeom prst="rect">
+            <a:avLst/>
+          </a:prstGeom>
+          <a:noFill/>
+          <a:ln w="25400">
+            <a:solidFill>
+              <a:schemeClr val="tx1"/>
+            </a:solidFill>
+          </a:ln>
+        </p:spPr>
+        <p:style>
+          <a:lnRef idx="2">
+            <a:schemeClr val="accent1">
+              <a:shade val="15000"/>
+            </a:schemeClr>
+          </a:lnRef>
+          <a:fillRef idx="1">
+            <a:schemeClr val="accent1"/>
+          </a:fillRef>
+          <a:effectRef idx="0">
+            <a:schemeClr val="accent1"/>
+          </a:effectRef>
+          <a:fontRef idx="minor">
+            <a:schemeClr val="lt1"/>
+          </a:fontRef>
+        </p:style>
+        <p:txBody>
+          <a:bodyPr rtlCol="0" anchor="ctr"/>
+          <a:lstStyle/>
+          <a:p>
+            <a:pPr algn="ctr"/>
+            <a:r>
+              <a:rPr lang="en-US" dirty="0">
+                <a:solidFill>
+                  <a:schemeClr val="tx1"/>
+                </a:solidFill>
+              </a:rPr>
+              <a:t>Contact</a:t>
+            </a:r>
+          </a:p>
+        </p:txBody>
+      </p:sp>
+      <p:grpSp>
+        <p:nvGrpSpPr>
+          <p:cNvPr id="6" name="Group 5">
+            <a:extLst>
+              <a:ext uri="{FF2B5EF4-FFF2-40B4-BE49-F238E27FC236}">
+                <a16:creationId xmlns:a16="http://schemas.microsoft.com/office/drawing/2014/main" id="{2E45F99C-AAAF-009D-12AB-3FAA6C1666D3}"/>
+              </a:ext>
+            </a:extLst>
+          </p:cNvPr>
+          <p:cNvGrpSpPr/>
+          <p:nvPr/>
+        </p:nvGrpSpPr>
+        <p:grpSpPr>
+          <a:xfrm>
+            <a:off x="654791" y="2866033"/>
+            <a:ext cx="3062356" cy="914777"/>
+            <a:chOff x="3346137" y="2412023"/>
+            <a:chExt cx="3231412" cy="914777"/>
+          </a:xfrm>
+        </p:grpSpPr>
+        <p:sp>
+          <p:nvSpPr>
+            <p:cNvPr id="7" name="Rectangle 6">
+              <a:extLst>
+                <a:ext uri="{FF2B5EF4-FFF2-40B4-BE49-F238E27FC236}">
+                  <a16:creationId xmlns:a16="http://schemas.microsoft.com/office/drawing/2014/main" id="{E02B3AB8-3EF7-7E5A-92A9-B34CFD2ECDEB}"/>
+                </a:ext>
+              </a:extLst>
+            </p:cNvPr>
+            <p:cNvSpPr/>
+            <p:nvPr/>
+          </p:nvSpPr>
+          <p:spPr>
+            <a:xfrm>
+              <a:off x="3346140" y="2412023"/>
+              <a:ext cx="3231409" cy="452213"/>
+            </a:xfrm>
+            <a:prstGeom prst="rect">
+              <a:avLst/>
+            </a:prstGeom>
+            <a:noFill/>
+            <a:ln w="25400">
+              <a:noFill/>
+            </a:ln>
+          </p:spPr>
+          <p:style>
+            <a:lnRef idx="2">
+              <a:schemeClr val="accent1">
+                <a:shade val="15000"/>
+              </a:schemeClr>
+            </a:lnRef>
+            <a:fillRef idx="1">
+              <a:schemeClr val="accent1"/>
+            </a:fillRef>
+            <a:effectRef idx="0">
+              <a:schemeClr val="accent1"/>
+            </a:effectRef>
+            <a:fontRef idx="minor">
+              <a:schemeClr val="lt1"/>
+            </a:fontRef>
+          </p:style>
+          <p:txBody>
+            <a:bodyPr rtlCol="0" anchor="ctr"/>
+            <a:lstStyle/>
+            <a:p>
+              <a:r>
+                <a:rPr lang="en-US" dirty="0">
+                  <a:solidFill>
+                    <a:schemeClr val="tx1"/>
+                  </a:solidFill>
+                </a:rPr>
+                <a:t>Title: _________________</a:t>
+              </a:r>
+            </a:p>
+          </p:txBody>
+        </p:sp>
+        <p:sp>
+          <p:nvSpPr>
+            <p:cNvPr id="9" name="Rectangle 8">
+              <a:extLst>
+                <a:ext uri="{FF2B5EF4-FFF2-40B4-BE49-F238E27FC236}">
+                  <a16:creationId xmlns:a16="http://schemas.microsoft.com/office/drawing/2014/main" id="{A7B0DC00-9D66-410F-380F-9EE6609743E7}"/>
+                </a:ext>
+              </a:extLst>
+            </p:cNvPr>
+            <p:cNvSpPr/>
+            <p:nvPr/>
+          </p:nvSpPr>
+          <p:spPr>
+            <a:xfrm>
+              <a:off x="3346137" y="2799297"/>
+              <a:ext cx="1359430" cy="527503"/>
+            </a:xfrm>
+            <a:prstGeom prst="rect">
+              <a:avLst/>
+            </a:prstGeom>
+            <a:noFill/>
+            <a:ln w="25400">
+              <a:noFill/>
+            </a:ln>
+          </p:spPr>
+          <p:style>
+            <a:lnRef idx="2">
+              <a:schemeClr val="accent1">
+                <a:shade val="15000"/>
+              </a:schemeClr>
+            </a:lnRef>
+            <a:fillRef idx="1">
+              <a:schemeClr val="accent1"/>
+            </a:fillRef>
+            <a:effectRef idx="0">
+              <a:schemeClr val="accent1"/>
+            </a:effectRef>
+            <a:fontRef idx="minor">
+              <a:schemeClr val="lt1"/>
+            </a:fontRef>
+          </p:style>
+          <p:txBody>
+            <a:bodyPr rtlCol="0" anchor="ctr"/>
+            <a:lstStyle/>
+            <a:p>
+              <a:r>
+                <a:rPr lang="en-US" dirty="0">
+                  <a:solidFill>
+                    <a:schemeClr val="tx1"/>
+                  </a:solidFill>
+                </a:rPr>
+                <a:t>Message: </a:t>
+              </a:r>
+            </a:p>
+          </p:txBody>
+        </p:sp>
+      </p:grpSp>
+      <p:sp>
+        <p:nvSpPr>
+          <p:cNvPr id="11" name="Rectangle 10">
+            <a:extLst>
+              <a:ext uri="{FF2B5EF4-FFF2-40B4-BE49-F238E27FC236}">
+                <a16:creationId xmlns:a16="http://schemas.microsoft.com/office/drawing/2014/main" id="{F33872C4-0495-FA30-4738-057AE610C295}"/>
+              </a:ext>
+            </a:extLst>
+          </p:cNvPr>
+          <p:cNvSpPr/>
+          <p:nvPr/>
+        </p:nvSpPr>
+        <p:spPr>
+          <a:xfrm>
+            <a:off x="654791" y="5144673"/>
+            <a:ext cx="3510305" cy="417928"/>
+          </a:xfrm>
+          <a:prstGeom prst="rect">
+            <a:avLst/>
+          </a:prstGeom>
+          <a:noFill/>
+          <a:ln w="25400">
+            <a:noFill/>
+          </a:ln>
+        </p:spPr>
+        <p:style>
+          <a:lnRef idx="2">
+            <a:schemeClr val="accent1">
+              <a:shade val="15000"/>
+            </a:schemeClr>
+          </a:lnRef>
+          <a:fillRef idx="1">
+            <a:schemeClr val="accent1"/>
+          </a:fillRef>
+          <a:effectRef idx="0">
+            <a:schemeClr val="accent1"/>
+          </a:effectRef>
+          <a:fontRef idx="minor">
+            <a:schemeClr val="lt1"/>
+          </a:fontRef>
+        </p:style>
+        <p:txBody>
+          <a:bodyPr rtlCol="0" anchor="ctr"/>
+          <a:lstStyle/>
+          <a:p>
+            <a:pPr algn="ctr"/>
+            <a:r>
+              <a:rPr lang="en-US" sz="1200" dirty="0">
+                <a:solidFill>
+                  <a:schemeClr val="tx1"/>
+                </a:solidFill>
+              </a:rPr>
+              <a:t>Not Registered? Click here</a:t>
+            </a:r>
+          </a:p>
+        </p:txBody>
+      </p:sp>
+      <p:sp>
+        <p:nvSpPr>
+          <p:cNvPr id="12" name="Rectangle 11">
+            <a:extLst>
+              <a:ext uri="{FF2B5EF4-FFF2-40B4-BE49-F238E27FC236}">
+                <a16:creationId xmlns:a16="http://schemas.microsoft.com/office/drawing/2014/main" id="{2116D557-A35F-B03B-2829-F398AEC6A147}"/>
+              </a:ext>
+            </a:extLst>
+          </p:cNvPr>
+          <p:cNvSpPr/>
+          <p:nvPr/>
+        </p:nvSpPr>
+        <p:spPr>
+          <a:xfrm>
+            <a:off x="673839" y="4512222"/>
+            <a:ext cx="6393709" cy="417928"/>
+          </a:xfrm>
+          <a:prstGeom prst="rect">
+            <a:avLst/>
+          </a:prstGeom>
+          <a:noFill/>
+          <a:ln w="25400">
+            <a:solidFill>
+              <a:schemeClr val="tx1"/>
+            </a:solidFill>
+          </a:ln>
+        </p:spPr>
+        <p:style>
+          <a:lnRef idx="2">
+            <a:schemeClr val="accent1">
+              <a:shade val="15000"/>
+            </a:schemeClr>
+          </a:lnRef>
+          <a:fillRef idx="1">
+            <a:schemeClr val="accent1"/>
+          </a:fillRef>
+          <a:effectRef idx="0">
+            <a:schemeClr val="accent1"/>
+          </a:effectRef>
+          <a:fontRef idx="minor">
+            <a:schemeClr val="lt1"/>
+          </a:fontRef>
+        </p:style>
+        <p:txBody>
+          <a:bodyPr rtlCol="0" anchor="ctr"/>
+          <a:lstStyle/>
+          <a:p>
+            <a:pPr algn="ctr"/>
+            <a:r>
+              <a:rPr lang="en-US" sz="1600" dirty="0">
+                <a:solidFill>
+                  <a:schemeClr val="tx1"/>
+                </a:solidFill>
+              </a:rPr>
+              <a:t>Send</a:t>
+            </a:r>
+            <a:endParaRPr lang="en-US" sz="1200" dirty="0">
+              <a:solidFill>
+                <a:schemeClr val="tx1"/>
+              </a:solidFill>
+            </a:endParaRPr>
+          </a:p>
+        </p:txBody>
+      </p:sp>
+      <p:sp>
+        <p:nvSpPr>
+          <p:cNvPr id="13" name="Rectangle 12">
+            <a:extLst>
+              <a:ext uri="{FF2B5EF4-FFF2-40B4-BE49-F238E27FC236}">
+                <a16:creationId xmlns:a16="http://schemas.microsoft.com/office/drawing/2014/main" id="{04F3AE22-8120-7877-1C5B-87F17F5FD4E2}"/>
+              </a:ext>
+            </a:extLst>
+          </p:cNvPr>
+          <p:cNvSpPr/>
+          <p:nvPr/>
+        </p:nvSpPr>
+        <p:spPr>
+          <a:xfrm>
+            <a:off x="1751776" y="3356116"/>
+            <a:ext cx="5315771" cy="941583"/>
+          </a:xfrm>
+          <a:prstGeom prst="rect">
+            <a:avLst/>
+          </a:prstGeom>
+          <a:noFill/>
+          <a:ln w="12700">
+            <a:solidFill>
+              <a:schemeClr val="tx1"/>
+            </a:solidFill>
+          </a:ln>
+        </p:spPr>
+        <p:style>
+          <a:lnRef idx="2">
+            <a:schemeClr val="accent1">
+              <a:shade val="15000"/>
+            </a:schemeClr>
+          </a:lnRef>
+          <a:fillRef idx="1">
+            <a:schemeClr val="accent1"/>
+          </a:fillRef>
+          <a:effectRef idx="0">
+            <a:schemeClr val="accent1"/>
+          </a:effectRef>
+          <a:fontRef idx="minor">
+            <a:schemeClr val="lt1"/>
+          </a:fontRef>
+        </p:style>
+        <p:txBody>
+          <a:bodyPr rtlCol="0" anchor="ctr"/>
+          <a:lstStyle/>
+          <a:p>
+            <a:pPr algn="ctr"/>
+            <a:endParaRPr lang="en-US" sz="1200" dirty="0">
+              <a:solidFill>
+                <a:schemeClr val="tx1"/>
+              </a:solidFill>
+            </a:endParaRPr>
+          </a:p>
+        </p:txBody>
+      </p:sp>
+      <p:sp>
+        <p:nvSpPr>
+          <p:cNvPr id="14" name="Rectangle 13">
+            <a:extLst>
+              <a:ext uri="{FF2B5EF4-FFF2-40B4-BE49-F238E27FC236}">
+                <a16:creationId xmlns:a16="http://schemas.microsoft.com/office/drawing/2014/main" id="{E0EFC757-C3D7-3D31-32C5-59DBB791BCFD}"/>
+              </a:ext>
+            </a:extLst>
+          </p:cNvPr>
+          <p:cNvSpPr/>
+          <p:nvPr/>
+        </p:nvSpPr>
+        <p:spPr>
+          <a:xfrm>
+            <a:off x="4340847" y="3948250"/>
+            <a:ext cx="3510305" cy="417928"/>
+          </a:xfrm>
+          <a:prstGeom prst="rect">
+            <a:avLst/>
+          </a:prstGeom>
+          <a:noFill/>
+          <a:ln w="25400">
+            <a:noFill/>
+          </a:ln>
+        </p:spPr>
+        <p:style>
+          <a:lnRef idx="2">
+            <a:schemeClr val="accent1">
+              <a:shade val="15000"/>
+            </a:schemeClr>
+          </a:lnRef>
+          <a:fillRef idx="1">
+            <a:schemeClr val="accent1"/>
+          </a:fillRef>
+          <a:effectRef idx="0">
+            <a:schemeClr val="accent1"/>
+          </a:effectRef>
+          <a:fontRef idx="minor">
+            <a:schemeClr val="lt1"/>
+          </a:fontRef>
+        </p:style>
+        <p:txBody>
+          <a:bodyPr rtlCol="0" anchor="ctr"/>
+          <a:lstStyle/>
+          <a:p>
+            <a:pPr algn="ctr"/>
+            <a:r>
+              <a:rPr lang="en-US" sz="1200" dirty="0">
+                <a:solidFill>
+                  <a:schemeClr val="tx1"/>
+                </a:solidFill>
+              </a:rPr>
+              <a:t>Characters left: 250</a:t>
+            </a:r>
+          </a:p>
+        </p:txBody>
+      </p:sp>
+    </p:spTree>
+    <p:extLst>
+      <p:ext uri="{BB962C8B-B14F-4D97-AF65-F5344CB8AC3E}">
+        <p14:creationId xmlns:p14="http://schemas.microsoft.com/office/powerpoint/2010/main" val="473071104"/>
+      </p:ext>
+    </p:extLst>
+  </p:cSld>
+  <p:clrMapOvr>
+    <a:masterClrMapping/>
+  </p:clrMapOvr>
+</p:sld>
+</file>
+
+<file path=ppt/slides/slide7.xml><?xml version="1.0" encoding="utf-8"?>
+<p:sld xmlns:a="http://schemas.openxmlformats.org/drawingml/2006/main" xmlns:r="http://schemas.openxmlformats.org/officeDocument/2006/relationships" xmlns:p="http://schemas.openxmlformats.org/presentationml/2006/main">
+  <p:cSld>
+    <p:spTree>
+      <p:nvGrpSpPr>
+        <p:cNvPr id="1" name=""/>
+        <p:cNvGrpSpPr/>
+        <p:nvPr/>
+      </p:nvGrpSpPr>
+      <p:grpSpPr>
+        <a:xfrm>
+          <a:off x="0" y="0"/>
+          <a:ext cx="0" cy="0"/>
+          <a:chOff x="0" y="0"/>
+          <a:chExt cx="0" cy="0"/>
+        </a:xfrm>
+      </p:grpSpPr>
+      <p:sp>
+        <p:nvSpPr>
+          <p:cNvPr id="5" name="Rectangle 4">
+            <a:extLst>
+              <a:ext uri="{FF2B5EF4-FFF2-40B4-BE49-F238E27FC236}">
+                <a16:creationId xmlns:a16="http://schemas.microsoft.com/office/drawing/2014/main" id="{7016C9DD-C8E4-F428-80B6-273BCA60D253}"/>
+              </a:ext>
+            </a:extLst>
+          </p:cNvPr>
+          <p:cNvSpPr/>
+          <p:nvPr/>
+        </p:nvSpPr>
+        <p:spPr>
+          <a:xfrm>
+            <a:off x="457200" y="205273"/>
+            <a:ext cx="11346024" cy="1474237"/>
+          </a:xfrm>
+          <a:prstGeom prst="rect">
+            <a:avLst/>
+          </a:prstGeom>
+          <a:noFill/>
+          <a:ln w="25400">
+            <a:solidFill>
+              <a:schemeClr val="tx1"/>
+            </a:solidFill>
+          </a:ln>
+        </p:spPr>
+        <p:style>
+          <a:lnRef idx="2">
+            <a:schemeClr val="accent1">
+              <a:shade val="15000"/>
+            </a:schemeClr>
+          </a:lnRef>
+          <a:fillRef idx="1">
+            <a:schemeClr val="accent1"/>
+          </a:fillRef>
+          <a:effectRef idx="0">
+            <a:schemeClr val="accent1"/>
+          </a:effectRef>
+          <a:fontRef idx="minor">
+            <a:schemeClr val="lt1"/>
+          </a:fontRef>
+        </p:style>
+        <p:txBody>
+          <a:bodyPr rtlCol="0" anchor="ctr"/>
+          <a:lstStyle/>
+          <a:p>
+            <a:pPr algn="ctr"/>
+            <a:r>
+              <a:rPr lang="en-US" sz="4000" dirty="0" err="1">
+                <a:solidFill>
+                  <a:schemeClr val="tx1"/>
+                </a:solidFill>
+              </a:rPr>
+              <a:t>Whatabook</a:t>
+            </a:r>
+            <a:endParaRPr lang="en-US" sz="4000" dirty="0">
+              <a:solidFill>
+                <a:schemeClr val="tx1"/>
+              </a:solidFill>
+            </a:endParaRPr>
+          </a:p>
+        </p:txBody>
+      </p:sp>
+      <p:sp>
+        <p:nvSpPr>
+          <p:cNvPr id="8" name="Rectangle 7">
+            <a:extLst>
+              <a:ext uri="{FF2B5EF4-FFF2-40B4-BE49-F238E27FC236}">
+                <a16:creationId xmlns:a16="http://schemas.microsoft.com/office/drawing/2014/main" id="{5E68232D-6438-B66D-F346-5F8B91E8455B}"/>
+              </a:ext>
+            </a:extLst>
+          </p:cNvPr>
+          <p:cNvSpPr/>
+          <p:nvPr/>
+        </p:nvSpPr>
+        <p:spPr>
+          <a:xfrm>
+            <a:off x="457200" y="1955249"/>
+            <a:ext cx="6867526" cy="3864526"/>
+          </a:xfrm>
+          <a:prstGeom prst="rect">
+            <a:avLst/>
+          </a:prstGeom>
+          <a:noFill/>
+          <a:ln w="25400">
+            <a:solidFill>
+              <a:schemeClr val="tx1"/>
+            </a:solidFill>
+          </a:ln>
+        </p:spPr>
+        <p:style>
+          <a:lnRef idx="2">
+            <a:schemeClr val="accent1">
+              <a:shade val="15000"/>
+            </a:schemeClr>
+          </a:lnRef>
+          <a:fillRef idx="1">
+            <a:schemeClr val="accent1"/>
+          </a:fillRef>
+          <a:effectRef idx="0">
+            <a:schemeClr val="accent1"/>
+          </a:effectRef>
+          <a:fontRef idx="minor">
+            <a:schemeClr val="lt1"/>
+          </a:fontRef>
+        </p:style>
+        <p:txBody>
+          <a:bodyPr rtlCol="0" anchor="ctr"/>
+          <a:lstStyle/>
+          <a:p>
+            <a:pPr algn="ctr"/>
+            <a:endParaRPr lang="en-US"/>
+          </a:p>
+        </p:txBody>
+      </p:sp>
+      <p:sp>
+        <p:nvSpPr>
+          <p:cNvPr id="10" name="Rectangle 9">
+            <a:extLst>
+              <a:ext uri="{FF2B5EF4-FFF2-40B4-BE49-F238E27FC236}">
+                <a16:creationId xmlns:a16="http://schemas.microsoft.com/office/drawing/2014/main" id="{78C50790-6831-F9E4-BB16-C372B630433D}"/>
+              </a:ext>
+            </a:extLst>
+          </p:cNvPr>
+          <p:cNvSpPr/>
+          <p:nvPr/>
+        </p:nvSpPr>
+        <p:spPr>
+          <a:xfrm>
+            <a:off x="457200" y="6095514"/>
+            <a:ext cx="11346024" cy="476736"/>
+          </a:xfrm>
+          <a:prstGeom prst="rect">
+            <a:avLst/>
+          </a:prstGeom>
+          <a:noFill/>
+          <a:ln w="25400">
+            <a:solidFill>
+              <a:schemeClr val="tx1"/>
+            </a:solidFill>
+          </a:ln>
+        </p:spPr>
+        <p:style>
+          <a:lnRef idx="2">
+            <a:schemeClr val="accent1">
+              <a:shade val="15000"/>
+            </a:schemeClr>
+          </a:lnRef>
+          <a:fillRef idx="1">
+            <a:schemeClr val="accent1"/>
+          </a:fillRef>
+          <a:effectRef idx="0">
+            <a:schemeClr val="accent1"/>
+          </a:effectRef>
+          <a:fontRef idx="minor">
+            <a:schemeClr val="lt1"/>
+          </a:fontRef>
+        </p:style>
+        <p:txBody>
+          <a:bodyPr rtlCol="0" anchor="ctr"/>
+          <a:lstStyle/>
+          <a:p>
+            <a:pPr algn="ctr"/>
+            <a:r>
+              <a:rPr lang="en-US" dirty="0">
+                <a:solidFill>
+                  <a:schemeClr val="tx1"/>
+                </a:solidFill>
+              </a:rPr>
+              <a:t>Footer</a:t>
+            </a:r>
+          </a:p>
+        </p:txBody>
+      </p:sp>
+      <p:sp>
+        <p:nvSpPr>
+          <p:cNvPr id="2" name="Rectangle 1">
+            <a:extLst>
+              <a:ext uri="{FF2B5EF4-FFF2-40B4-BE49-F238E27FC236}">
+                <a16:creationId xmlns:a16="http://schemas.microsoft.com/office/drawing/2014/main" id="{7A92579C-89AB-3D91-B46F-166E00A4CAF7}"/>
+              </a:ext>
+            </a:extLst>
+          </p:cNvPr>
+          <p:cNvSpPr/>
+          <p:nvPr/>
+        </p:nvSpPr>
+        <p:spPr>
+          <a:xfrm>
+            <a:off x="7847045" y="456664"/>
+            <a:ext cx="3694923" cy="971453"/>
+          </a:xfrm>
+          <a:prstGeom prst="rect">
+            <a:avLst/>
+          </a:prstGeom>
+          <a:noFill/>
+          <a:ln w="25400">
+            <a:solidFill>
+              <a:schemeClr val="tx1"/>
+            </a:solidFill>
+          </a:ln>
+        </p:spPr>
+        <p:style>
+          <a:lnRef idx="2">
+            <a:schemeClr val="accent1">
+              <a:shade val="15000"/>
+            </a:schemeClr>
+          </a:lnRef>
+          <a:fillRef idx="1">
+            <a:schemeClr val="accent1"/>
+          </a:fillRef>
+          <a:effectRef idx="0">
+            <a:schemeClr val="accent1"/>
+          </a:effectRef>
+          <a:fontRef idx="minor">
+            <a:schemeClr val="lt1"/>
+          </a:fontRef>
+        </p:style>
+        <p:txBody>
+          <a:bodyPr rtlCol="0" anchor="ctr"/>
+          <a:lstStyle/>
+          <a:p>
+            <a:pPr algn="ctr"/>
+            <a:r>
+              <a:rPr lang="en-US" dirty="0">
+                <a:solidFill>
+                  <a:schemeClr val="tx1"/>
+                </a:solidFill>
+              </a:rPr>
+              <a:t>Login </a:t>
+            </a:r>
+          </a:p>
+        </p:txBody>
+      </p:sp>
+      <p:sp>
+        <p:nvSpPr>
+          <p:cNvPr id="3" name="Rectangle 2">
+            <a:extLst>
+              <a:ext uri="{FF2B5EF4-FFF2-40B4-BE49-F238E27FC236}">
+                <a16:creationId xmlns:a16="http://schemas.microsoft.com/office/drawing/2014/main" id="{CDDC1A2D-62DE-DDCC-72C5-1DD749ECB65D}"/>
+              </a:ext>
+            </a:extLst>
+          </p:cNvPr>
+          <p:cNvSpPr/>
+          <p:nvPr/>
+        </p:nvSpPr>
+        <p:spPr>
+          <a:xfrm>
+            <a:off x="10534650" y="589697"/>
+            <a:ext cx="854918" cy="705386"/>
+          </a:xfrm>
+          <a:prstGeom prst="rect">
+            <a:avLst/>
+          </a:prstGeom>
+          <a:noFill/>
+          <a:ln w="25400">
+            <a:solidFill>
+              <a:schemeClr val="tx1"/>
+            </a:solidFill>
+          </a:ln>
+        </p:spPr>
+        <p:style>
+          <a:lnRef idx="2">
+            <a:schemeClr val="accent1">
+              <a:shade val="15000"/>
+            </a:schemeClr>
+          </a:lnRef>
+          <a:fillRef idx="1">
+            <a:schemeClr val="accent1"/>
+          </a:fillRef>
+          <a:effectRef idx="0">
+            <a:schemeClr val="accent1"/>
+          </a:effectRef>
+          <a:fontRef idx="minor">
+            <a:schemeClr val="lt1"/>
+          </a:fontRef>
+        </p:style>
+        <p:txBody>
+          <a:bodyPr rtlCol="0" anchor="ctr"/>
+          <a:lstStyle/>
+          <a:p>
+            <a:pPr algn="ctr"/>
+            <a:r>
+              <a:rPr lang="en-US" dirty="0">
+                <a:solidFill>
+                  <a:schemeClr val="tx1"/>
+                </a:solidFill>
+              </a:rPr>
+              <a:t>Avatar</a:t>
+            </a:r>
+          </a:p>
+        </p:txBody>
+      </p:sp>
+      <p:sp>
+        <p:nvSpPr>
+          <p:cNvPr id="4" name="Rectangle 3">
+            <a:extLst>
+              <a:ext uri="{FF2B5EF4-FFF2-40B4-BE49-F238E27FC236}">
+                <a16:creationId xmlns:a16="http://schemas.microsoft.com/office/drawing/2014/main" id="{7DC4D39F-838E-19B1-EF5C-30117EFC2956}"/>
+              </a:ext>
+            </a:extLst>
+          </p:cNvPr>
+          <p:cNvSpPr/>
+          <p:nvPr/>
+        </p:nvSpPr>
+        <p:spPr>
+          <a:xfrm>
+            <a:off x="635743" y="341511"/>
+            <a:ext cx="2517031" cy="1086606"/>
+          </a:xfrm>
+          <a:prstGeom prst="rect">
+            <a:avLst/>
+          </a:prstGeom>
+          <a:noFill/>
+          <a:ln w="25400">
+            <a:solidFill>
+              <a:schemeClr val="tx1"/>
+            </a:solidFill>
+          </a:ln>
+        </p:spPr>
+        <p:style>
+          <a:lnRef idx="2">
+            <a:schemeClr val="accent1">
+              <a:shade val="15000"/>
+            </a:schemeClr>
+          </a:lnRef>
+          <a:fillRef idx="1">
+            <a:schemeClr val="accent1"/>
+          </a:fillRef>
+          <a:effectRef idx="0">
+            <a:schemeClr val="accent1"/>
+          </a:effectRef>
+          <a:fontRef idx="minor">
+            <a:schemeClr val="lt1"/>
+          </a:fontRef>
+        </p:style>
+        <p:txBody>
+          <a:bodyPr rtlCol="0" anchor="ctr"/>
+          <a:lstStyle/>
+          <a:p>
+            <a:pPr algn="ctr"/>
+            <a:r>
+              <a:rPr lang="en-US" dirty="0">
+                <a:solidFill>
+                  <a:schemeClr val="tx1"/>
+                </a:solidFill>
+              </a:rPr>
+              <a:t>Icon</a:t>
+            </a:r>
+          </a:p>
+        </p:txBody>
+      </p:sp>
+      <p:sp>
+        <p:nvSpPr>
+          <p:cNvPr id="15" name="Rectangle 14">
+            <a:extLst>
+              <a:ext uri="{FF2B5EF4-FFF2-40B4-BE49-F238E27FC236}">
+                <a16:creationId xmlns:a16="http://schemas.microsoft.com/office/drawing/2014/main" id="{3A50FB45-299D-CFCB-9299-83463FE09ACA}"/>
+              </a:ext>
+            </a:extLst>
+          </p:cNvPr>
+          <p:cNvSpPr/>
+          <p:nvPr/>
+        </p:nvSpPr>
+        <p:spPr>
+          <a:xfrm>
+            <a:off x="7541367" y="1955249"/>
+            <a:ext cx="4261857" cy="3864526"/>
+          </a:xfrm>
+          <a:prstGeom prst="rect">
+            <a:avLst/>
+          </a:prstGeom>
+          <a:noFill/>
+          <a:ln w="25400">
+            <a:solidFill>
+              <a:schemeClr val="tx1"/>
+            </a:solidFill>
+          </a:ln>
+        </p:spPr>
+        <p:style>
+          <a:lnRef idx="2">
+            <a:schemeClr val="accent1">
+              <a:shade val="15000"/>
+            </a:schemeClr>
+          </a:lnRef>
+          <a:fillRef idx="1">
+            <a:schemeClr val="accent1"/>
+          </a:fillRef>
+          <a:effectRef idx="0">
+            <a:schemeClr val="accent1"/>
+          </a:effectRef>
+          <a:fontRef idx="minor">
+            <a:schemeClr val="lt1"/>
+          </a:fontRef>
+        </p:style>
+        <p:txBody>
+          <a:bodyPr rtlCol="0" anchor="ctr"/>
+          <a:lstStyle/>
+          <a:p>
+            <a:pPr algn="ctr"/>
+            <a:endParaRPr lang="en-US"/>
+          </a:p>
+        </p:txBody>
+      </p:sp>
+      <p:sp>
+        <p:nvSpPr>
+          <p:cNvPr id="16" name="Rectangle 15">
+            <a:extLst>
+              <a:ext uri="{FF2B5EF4-FFF2-40B4-BE49-F238E27FC236}">
+                <a16:creationId xmlns:a16="http://schemas.microsoft.com/office/drawing/2014/main" id="{1887AFA5-A401-56E2-8E21-D0568FF989BD}"/>
+              </a:ext>
+            </a:extLst>
+          </p:cNvPr>
+          <p:cNvSpPr/>
+          <p:nvPr/>
+        </p:nvSpPr>
+        <p:spPr>
+          <a:xfrm>
+            <a:off x="7704166" y="2142272"/>
+            <a:ext cx="1738417" cy="3429854"/>
+          </a:xfrm>
+          <a:prstGeom prst="rect">
+            <a:avLst/>
+          </a:prstGeom>
+          <a:noFill/>
+          <a:ln w="25400">
+            <a:solidFill>
+              <a:schemeClr val="tx1"/>
+            </a:solidFill>
+          </a:ln>
+        </p:spPr>
+        <p:style>
+          <a:lnRef idx="2">
+            <a:schemeClr val="accent1">
+              <a:shade val="15000"/>
+            </a:schemeClr>
+          </a:lnRef>
+          <a:fillRef idx="1">
+            <a:schemeClr val="accent1"/>
+          </a:fillRef>
+          <a:effectRef idx="0">
+            <a:schemeClr val="accent1"/>
+          </a:effectRef>
+          <a:fontRef idx="minor">
+            <a:schemeClr val="lt1"/>
+          </a:fontRef>
+        </p:style>
+        <p:txBody>
+          <a:bodyPr rtlCol="0" anchor="ctr"/>
+          <a:lstStyle/>
+          <a:p>
+            <a:pPr algn="ctr"/>
+            <a:r>
+              <a:rPr lang="en-US" dirty="0">
+                <a:solidFill>
+                  <a:schemeClr val="tx1"/>
+                </a:solidFill>
+              </a:rPr>
+              <a:t>News</a:t>
+            </a:r>
+          </a:p>
+        </p:txBody>
+      </p:sp>
+      <p:sp>
+        <p:nvSpPr>
+          <p:cNvPr id="17" name="Rectangle 16">
+            <a:extLst>
+              <a:ext uri="{FF2B5EF4-FFF2-40B4-BE49-F238E27FC236}">
+                <a16:creationId xmlns:a16="http://schemas.microsoft.com/office/drawing/2014/main" id="{B2CBEB13-986B-CD8D-5EED-9276C4F1629C}"/>
+              </a:ext>
+            </a:extLst>
+          </p:cNvPr>
+          <p:cNvSpPr/>
+          <p:nvPr/>
+        </p:nvSpPr>
+        <p:spPr>
+          <a:xfrm>
+            <a:off x="9798792" y="2142271"/>
+            <a:ext cx="1738417" cy="3460168"/>
+          </a:xfrm>
+          <a:prstGeom prst="rect">
+            <a:avLst/>
+          </a:prstGeom>
+          <a:noFill/>
+          <a:ln w="25400">
+            <a:solidFill>
+              <a:schemeClr val="tx1"/>
+            </a:solidFill>
+          </a:ln>
+        </p:spPr>
+        <p:style>
+          <a:lnRef idx="2">
+            <a:schemeClr val="accent1">
+              <a:shade val="15000"/>
+            </a:schemeClr>
+          </a:lnRef>
+          <a:fillRef idx="1">
+            <a:schemeClr val="accent1"/>
+          </a:fillRef>
+          <a:effectRef idx="0">
+            <a:schemeClr val="accent1"/>
+          </a:effectRef>
+          <a:fontRef idx="minor">
+            <a:schemeClr val="lt1"/>
+          </a:fontRef>
+        </p:style>
+        <p:txBody>
+          <a:bodyPr rtlCol="0" anchor="ctr"/>
+          <a:lstStyle/>
+          <a:p>
+            <a:pPr algn="ctr"/>
+            <a:r>
+              <a:rPr lang="en-US" dirty="0">
+                <a:solidFill>
+                  <a:schemeClr val="tx1"/>
+                </a:solidFill>
+              </a:rPr>
+              <a:t>Stats</a:t>
+            </a:r>
+          </a:p>
+        </p:txBody>
+      </p:sp>
+      <p:sp>
+        <p:nvSpPr>
+          <p:cNvPr id="25" name="Rectangle 24">
+            <a:extLst>
+              <a:ext uri="{FF2B5EF4-FFF2-40B4-BE49-F238E27FC236}">
+                <a16:creationId xmlns:a16="http://schemas.microsoft.com/office/drawing/2014/main" id="{3CA3BABA-1CBB-E45C-9230-F00CC4AAA22A}"/>
+              </a:ext>
+            </a:extLst>
+          </p:cNvPr>
+          <p:cNvSpPr/>
+          <p:nvPr/>
+        </p:nvSpPr>
+        <p:spPr>
+          <a:xfrm>
+            <a:off x="654791" y="2071914"/>
+            <a:ext cx="1678831" cy="452212"/>
+          </a:xfrm>
+          <a:prstGeom prst="rect">
+            <a:avLst/>
+          </a:prstGeom>
+          <a:noFill/>
+          <a:ln w="25400">
+            <a:solidFill>
+              <a:schemeClr val="tx1"/>
+            </a:solidFill>
+          </a:ln>
+        </p:spPr>
+        <p:style>
+          <a:lnRef idx="2">
+            <a:schemeClr val="accent1">
+              <a:shade val="15000"/>
+            </a:schemeClr>
+          </a:lnRef>
+          <a:fillRef idx="1">
+            <a:schemeClr val="accent1"/>
+          </a:fillRef>
+          <a:effectRef idx="0">
+            <a:schemeClr val="accent1"/>
+          </a:effectRef>
+          <a:fontRef idx="minor">
+            <a:schemeClr val="lt1"/>
+          </a:fontRef>
+        </p:style>
+        <p:txBody>
+          <a:bodyPr rtlCol="0" anchor="ctr"/>
+          <a:lstStyle/>
+          <a:p>
+            <a:pPr algn="ctr"/>
+            <a:r>
+              <a:rPr lang="en-US" dirty="0">
+                <a:solidFill>
+                  <a:schemeClr val="tx1"/>
+                </a:solidFill>
+              </a:rPr>
+              <a:t>Help</a:t>
+            </a:r>
+          </a:p>
+        </p:txBody>
+      </p:sp>
+      <p:sp>
+        <p:nvSpPr>
+          <p:cNvPr id="6" name="Rectangle 5">
+            <a:extLst>
+              <a:ext uri="{FF2B5EF4-FFF2-40B4-BE49-F238E27FC236}">
+                <a16:creationId xmlns:a16="http://schemas.microsoft.com/office/drawing/2014/main" id="{6F0CD5B2-897A-FF49-7605-1A5DE975783D}"/>
+              </a:ext>
+            </a:extLst>
+          </p:cNvPr>
+          <p:cNvSpPr/>
+          <p:nvPr/>
+        </p:nvSpPr>
+        <p:spPr>
+          <a:xfrm>
+            <a:off x="654791" y="3404987"/>
+            <a:ext cx="6422284" cy="452212"/>
+          </a:xfrm>
+          <a:prstGeom prst="rect">
+            <a:avLst/>
+          </a:prstGeom>
+          <a:noFill/>
+          <a:ln w="25400">
+            <a:solidFill>
+              <a:schemeClr val="tx1"/>
+            </a:solidFill>
+          </a:ln>
+        </p:spPr>
+        <p:style>
+          <a:lnRef idx="2">
+            <a:schemeClr val="accent1">
+              <a:shade val="15000"/>
+            </a:schemeClr>
+          </a:lnRef>
+          <a:fillRef idx="1">
+            <a:schemeClr val="accent1"/>
+          </a:fillRef>
+          <a:effectRef idx="0">
+            <a:schemeClr val="accent1"/>
+          </a:effectRef>
+          <a:fontRef idx="minor">
+            <a:schemeClr val="lt1"/>
+          </a:fontRef>
+        </p:style>
+        <p:txBody>
+          <a:bodyPr rtlCol="0" anchor="ctr"/>
+          <a:lstStyle/>
+          <a:p>
+            <a:pPr algn="ctr"/>
+            <a:r>
+              <a:rPr lang="en-US" dirty="0">
+                <a:solidFill>
+                  <a:schemeClr val="tx1"/>
+                </a:solidFill>
+              </a:rPr>
+              <a:t>Forums</a:t>
+            </a:r>
+          </a:p>
+        </p:txBody>
+      </p:sp>
+      <p:sp>
+        <p:nvSpPr>
+          <p:cNvPr id="7" name="Rectangle 6">
+            <a:extLst>
+              <a:ext uri="{FF2B5EF4-FFF2-40B4-BE49-F238E27FC236}">
+                <a16:creationId xmlns:a16="http://schemas.microsoft.com/office/drawing/2014/main" id="{9E5963A6-BDC3-FEB6-DFAA-C9CCEEA4B80F}"/>
+              </a:ext>
+            </a:extLst>
+          </p:cNvPr>
+          <p:cNvSpPr/>
+          <p:nvPr/>
+        </p:nvSpPr>
+        <p:spPr>
+          <a:xfrm>
+            <a:off x="654791" y="2763537"/>
+            <a:ext cx="6422284" cy="452212"/>
+          </a:xfrm>
+          <a:prstGeom prst="rect">
+            <a:avLst/>
+          </a:prstGeom>
+          <a:noFill/>
+          <a:ln w="25400">
+            <a:solidFill>
+              <a:schemeClr val="tx1"/>
+            </a:solidFill>
+          </a:ln>
+        </p:spPr>
+        <p:style>
+          <a:lnRef idx="2">
+            <a:schemeClr val="accent1">
+              <a:shade val="15000"/>
+            </a:schemeClr>
+          </a:lnRef>
+          <a:fillRef idx="1">
+            <a:schemeClr val="accent1"/>
+          </a:fillRef>
+          <a:effectRef idx="0">
+            <a:schemeClr val="accent1"/>
+          </a:effectRef>
+          <a:fontRef idx="minor">
+            <a:schemeClr val="lt1"/>
+          </a:fontRef>
+        </p:style>
+        <p:txBody>
+          <a:bodyPr rtlCol="0" anchor="ctr"/>
+          <a:lstStyle/>
+          <a:p>
+            <a:pPr algn="ctr"/>
+            <a:r>
+              <a:rPr lang="en-US" dirty="0">
+                <a:solidFill>
+                  <a:schemeClr val="tx1"/>
+                </a:solidFill>
+              </a:rPr>
+              <a:t>Frequent Asked Questions</a:t>
+            </a:r>
+          </a:p>
+        </p:txBody>
+      </p:sp>
+    </p:spTree>
+    <p:extLst>
+      <p:ext uri="{BB962C8B-B14F-4D97-AF65-F5344CB8AC3E}">
+        <p14:creationId xmlns:p14="http://schemas.microsoft.com/office/powerpoint/2010/main" val="1425402813"/>
       </p:ext>
     </p:extLst>
   </p:cSld>

--- a/WhatABook/Whatabook-Prototype.pptx
+++ b/WhatABook/Whatabook-Prototype.pptx
@@ -3381,18 +3381,13 @@
           <a:p>
             <a:pPr algn="ctr"/>
             <a:r>
-              <a:rPr lang="en-US" sz="4000" dirty="0" err="1">
+              <a:rPr lang="en-US" sz="4000" dirty="0">
                 <a:solidFill>
                   <a:schemeClr val="tx1"/>
                 </a:solidFill>
               </a:rPr>
               <a:t>Whatabook</a:t>
             </a:r>
-            <a:endParaRPr lang="en-US" sz="4000" dirty="0">
-              <a:solidFill>
-                <a:schemeClr val="tx1"/>
-              </a:solidFill>
-            </a:endParaRPr>
           </a:p>
         </p:txBody>
       </p:sp>
@@ -4339,18 +4334,13 @@
           <a:p>
             <a:pPr algn="ctr"/>
             <a:r>
-              <a:rPr lang="en-US" sz="4000" dirty="0" err="1">
+              <a:rPr lang="en-US" sz="4000" dirty="0">
                 <a:solidFill>
                   <a:schemeClr val="tx1"/>
                 </a:solidFill>
               </a:rPr>
               <a:t>Whatabook</a:t>
             </a:r>
-            <a:endParaRPr lang="en-US" sz="4000" dirty="0">
-              <a:solidFill>
-                <a:schemeClr val="tx1"/>
-              </a:solidFill>
-            </a:endParaRPr>
           </a:p>
         </p:txBody>
       </p:sp>
@@ -5527,18 +5517,13 @@
           <a:p>
             <a:pPr algn="ctr"/>
             <a:r>
-              <a:rPr lang="en-US" sz="4000" dirty="0" err="1">
+              <a:rPr lang="en-US" sz="4000" dirty="0">
                 <a:solidFill>
                   <a:schemeClr val="tx1"/>
                 </a:solidFill>
               </a:rPr>
               <a:t>Whatabook</a:t>
             </a:r>
-            <a:endParaRPr lang="en-US" sz="4000" dirty="0">
-              <a:solidFill>
-                <a:schemeClr val="tx1"/>
-              </a:solidFill>
-            </a:endParaRPr>
           </a:p>
         </p:txBody>
       </p:sp>
@@ -6609,18 +6594,13 @@
           <a:p>
             <a:pPr algn="ctr"/>
             <a:r>
-              <a:rPr lang="en-US" sz="4000" dirty="0" err="1">
+              <a:rPr lang="en-US" sz="4000" dirty="0">
                 <a:solidFill>
                   <a:schemeClr val="tx1"/>
                 </a:solidFill>
               </a:rPr>
               <a:t>Whatabook</a:t>
             </a:r>
-            <a:endParaRPr lang="en-US" sz="4000" dirty="0">
-              <a:solidFill>
-                <a:schemeClr val="tx1"/>
-              </a:solidFill>
-            </a:endParaRPr>
           </a:p>
         </p:txBody>
       </p:sp>
@@ -8011,18 +7991,13 @@
           <a:p>
             <a:pPr algn="ctr"/>
             <a:r>
-              <a:rPr lang="en-US" sz="4000" dirty="0" err="1">
+              <a:rPr lang="en-US" sz="4000" dirty="0">
                 <a:solidFill>
                   <a:schemeClr val="tx1"/>
                 </a:solidFill>
               </a:rPr>
               <a:t>Whatabook</a:t>
             </a:r>
-            <a:endParaRPr lang="en-US" sz="4000" dirty="0">
-              <a:solidFill>
-                <a:schemeClr val="tx1"/>
-              </a:solidFill>
-            </a:endParaRPr>
           </a:p>
         </p:txBody>
       </p:sp>
@@ -9129,18 +9104,13 @@
           <a:p>
             <a:pPr algn="ctr"/>
             <a:r>
-              <a:rPr lang="en-US" sz="4000" dirty="0" err="1">
+              <a:rPr lang="en-US" sz="4000" dirty="0">
                 <a:solidFill>
                   <a:schemeClr val="tx1"/>
                 </a:solidFill>
               </a:rPr>
               <a:t>Whatabook</a:t>
             </a:r>
-            <a:endParaRPr lang="en-US" sz="4000" dirty="0">
-              <a:solidFill>
-                <a:schemeClr val="tx1"/>
-              </a:solidFill>
-            </a:endParaRPr>
           </a:p>
         </p:txBody>
       </p:sp>
@@ -10107,18 +10077,13 @@
           <a:p>
             <a:pPr algn="ctr"/>
             <a:r>
-              <a:rPr lang="en-US" sz="4000" dirty="0" err="1">
+              <a:rPr lang="en-US" sz="4000" dirty="0">
                 <a:solidFill>
                   <a:schemeClr val="tx1"/>
                 </a:solidFill>
               </a:rPr>
               <a:t>Whatabook</a:t>
             </a:r>
-            <a:endParaRPr lang="en-US" sz="4000" dirty="0">
-              <a:solidFill>
-                <a:schemeClr val="tx1"/>
-              </a:solidFill>
-            </a:endParaRPr>
           </a:p>
         </p:txBody>
       </p:sp>
